--- a/Slides/19. Controlador de Jogo.pptx
+++ b/Slides/19. Controlador de Jogo.pptx
@@ -5,7 +5,7 @@
     <p:sldMasterId id="2147483780" r:id="rId1"/>
   </p:sldMasterIdLst>
   <p:notesMasterIdLst>
-    <p:notesMasterId r:id="rId27"/>
+    <p:notesMasterId r:id="rId28"/>
   </p:notesMasterIdLst>
   <p:sldIdLst>
     <p:sldId id="256" r:id="rId2"/>
@@ -19,20 +19,21 @@
     <p:sldId id="358" r:id="rId10"/>
     <p:sldId id="359" r:id="rId11"/>
     <p:sldId id="338" r:id="rId12"/>
-    <p:sldId id="340" r:id="rId13"/>
-    <p:sldId id="341" r:id="rId14"/>
-    <p:sldId id="342" r:id="rId15"/>
-    <p:sldId id="343" r:id="rId16"/>
-    <p:sldId id="344" r:id="rId17"/>
-    <p:sldId id="345" r:id="rId18"/>
-    <p:sldId id="346" r:id="rId19"/>
-    <p:sldId id="347" r:id="rId20"/>
-    <p:sldId id="348" r:id="rId21"/>
-    <p:sldId id="349" r:id="rId22"/>
-    <p:sldId id="350" r:id="rId23"/>
-    <p:sldId id="351" r:id="rId24"/>
-    <p:sldId id="352" r:id="rId25"/>
-    <p:sldId id="353" r:id="rId26"/>
+    <p:sldId id="366" r:id="rId13"/>
+    <p:sldId id="340" r:id="rId14"/>
+    <p:sldId id="341" r:id="rId15"/>
+    <p:sldId id="342" r:id="rId16"/>
+    <p:sldId id="343" r:id="rId17"/>
+    <p:sldId id="344" r:id="rId18"/>
+    <p:sldId id="345" r:id="rId19"/>
+    <p:sldId id="346" r:id="rId20"/>
+    <p:sldId id="347" r:id="rId21"/>
+    <p:sldId id="348" r:id="rId22"/>
+    <p:sldId id="349" r:id="rId23"/>
+    <p:sldId id="350" r:id="rId24"/>
+    <p:sldId id="351" r:id="rId25"/>
+    <p:sldId id="352" r:id="rId26"/>
+    <p:sldId id="353" r:id="rId27"/>
   </p:sldIdLst>
   <p:sldSz cx="12192000" cy="6858000"/>
   <p:notesSz cx="6858000" cy="9144000"/>
@@ -153,8 +154,7 @@
 <file path=ppt/revisionInfo.xml><?xml version="1.0" encoding="utf-8"?>
 <p1510:revInfo xmlns:a="http://schemas.openxmlformats.org/drawingml/2006/main" xmlns:r="http://schemas.openxmlformats.org/officeDocument/2006/relationships" xmlns:p1510="http://schemas.microsoft.com/office/powerpoint/2015/10/main">
   <p1510:revLst>
-    <p1510:client id="{03AA5D96-98FB-214A-A7FA-45CFD1CCCDDF}" v="20" dt="2021-09-30T16:27:03.317"/>
-    <p1510:client id="{88584D9E-E3E2-4A3E-A981-75C6A613D617}" v="10" dt="2021-09-30T17:58:59.876"/>
+    <p1510:client id="{88584D9E-E3E2-4A3E-A981-75C6A613D617}" v="41" dt="2021-10-05T06:37:45.838"/>
   </p1510:revLst>
 </p1510:revInfo>
 </file>
@@ -163,13 +163,13 @@
 <pc:chgInfo xmlns:a="http://schemas.openxmlformats.org/drawingml/2006/main" xmlns:r="http://schemas.openxmlformats.org/officeDocument/2006/relationships" xmlns:ac="http://schemas.microsoft.com/office/drawing/2013/main/command" xmlns:pc="http://schemas.microsoft.com/office/powerpoint/2013/main/command">
   <pc:docChgLst>
     <pc:chgData name="Judson Santiago" userId="ebb108da2f256286" providerId="LiveId" clId="{88584D9E-E3E2-4A3E-A981-75C6A613D617}"/>
-    <pc:docChg chg="undo custSel modSld modMainMaster">
-      <pc:chgData name="Judson Santiago" userId="ebb108da2f256286" providerId="LiveId" clId="{88584D9E-E3E2-4A3E-A981-75C6A613D617}" dt="2021-09-30T18:02:02.623" v="198" actId="948"/>
+    <pc:docChg chg="undo custSel addSld modSld modMainMaster">
+      <pc:chgData name="Judson Santiago" userId="ebb108da2f256286" providerId="LiveId" clId="{88584D9E-E3E2-4A3E-A981-75C6A613D617}" dt="2021-10-05T06:51:40.285" v="751" actId="20577"/>
       <pc:docMkLst>
         <pc:docMk/>
       </pc:docMkLst>
-      <pc:sldChg chg="modSp mod">
-        <pc:chgData name="Judson Santiago" userId="ebb108da2f256286" providerId="LiveId" clId="{88584D9E-E3E2-4A3E-A981-75C6A613D617}" dt="2021-09-30T17:50:18.426" v="187" actId="6549"/>
+      <pc:sldChg chg="modSp mod modNotesTx">
+        <pc:chgData name="Judson Santiago" userId="ebb108da2f256286" providerId="LiveId" clId="{88584D9E-E3E2-4A3E-A981-75C6A613D617}" dt="2021-09-30T22:24:32.120" v="224" actId="20577"/>
         <pc:sldMkLst>
           <pc:docMk/>
           <pc:sldMk cId="0" sldId="256"/>
@@ -191,14 +191,256 @@
           </ac:spMkLst>
         </pc:spChg>
       </pc:sldChg>
-      <pc:sldChg chg="modSp mod">
-        <pc:chgData name="Judson Santiago" userId="ebb108da2f256286" providerId="LiveId" clId="{88584D9E-E3E2-4A3E-A981-75C6A613D617}" dt="2021-09-30T18:02:02.623" v="198" actId="948"/>
+      <pc:sldChg chg="addSp delSp modSp mod modTransition">
+        <pc:chgData name="Judson Santiago" userId="ebb108da2f256286" providerId="LiveId" clId="{88584D9E-E3E2-4A3E-A981-75C6A613D617}" dt="2021-10-05T06:20:16.278" v="580" actId="1076"/>
+        <pc:sldMkLst>
+          <pc:docMk/>
+          <pc:sldMk cId="3976694156" sldId="338"/>
+        </pc:sldMkLst>
+        <pc:spChg chg="mod">
+          <ac:chgData name="Judson Santiago" userId="ebb108da2f256286" providerId="LiveId" clId="{88584D9E-E3E2-4A3E-A981-75C6A613D617}" dt="2021-10-05T06:06:53.085" v="396" actId="20577"/>
+          <ac:spMkLst>
+            <pc:docMk/>
+            <pc:sldMk cId="3976694156" sldId="338"/>
+            <ac:spMk id="2" creationId="{00000000-0000-0000-0000-000000000000}"/>
+          </ac:spMkLst>
+        </pc:spChg>
+        <pc:spChg chg="add del mod">
+          <ac:chgData name="Judson Santiago" userId="ebb108da2f256286" providerId="LiveId" clId="{88584D9E-E3E2-4A3E-A981-75C6A613D617}" dt="2021-10-05T06:16:45.094" v="556" actId="478"/>
+          <ac:spMkLst>
+            <pc:docMk/>
+            <pc:sldMk cId="3976694156" sldId="338"/>
+            <ac:spMk id="7" creationId="{2E201191-7A72-4CAC-9E52-C049735B41F2}"/>
+          </ac:spMkLst>
+        </pc:spChg>
+        <pc:spChg chg="add del mod">
+          <ac:chgData name="Judson Santiago" userId="ebb108da2f256286" providerId="LiveId" clId="{88584D9E-E3E2-4A3E-A981-75C6A613D617}" dt="2021-10-05T06:16:45.094" v="556" actId="478"/>
+          <ac:spMkLst>
+            <pc:docMk/>
+            <pc:sldMk cId="3976694156" sldId="338"/>
+            <ac:spMk id="9" creationId="{1EBF848D-9E07-4CAC-AD24-51D01E258F39}"/>
+          </ac:spMkLst>
+        </pc:spChg>
+        <pc:spChg chg="add mod topLvl">
+          <ac:chgData name="Judson Santiago" userId="ebb108da2f256286" providerId="LiveId" clId="{88584D9E-E3E2-4A3E-A981-75C6A613D617}" dt="2021-10-05T06:20:16.278" v="580" actId="1076"/>
+          <ac:spMkLst>
+            <pc:docMk/>
+            <pc:sldMk cId="3976694156" sldId="338"/>
+            <ac:spMk id="13" creationId="{BD6D22BD-5196-44FA-BB4D-EEE4A1B98620}"/>
+          </ac:spMkLst>
+        </pc:spChg>
+        <pc:grpChg chg="add del mod">
+          <ac:chgData name="Judson Santiago" userId="ebb108da2f256286" providerId="LiveId" clId="{88584D9E-E3E2-4A3E-A981-75C6A613D617}" dt="2021-10-05T06:18:39.789" v="562" actId="165"/>
+          <ac:grpSpMkLst>
+            <pc:docMk/>
+            <pc:sldMk cId="3976694156" sldId="338"/>
+            <ac:grpSpMk id="14" creationId="{39325A12-BFB2-4712-B81E-2F2DEB5F896D}"/>
+          </ac:grpSpMkLst>
+        </pc:grpChg>
+        <pc:picChg chg="add del mod modCrop">
+          <ac:chgData name="Judson Santiago" userId="ebb108da2f256286" providerId="LiveId" clId="{88584D9E-E3E2-4A3E-A981-75C6A613D617}" dt="2021-10-05T06:20:11.573" v="578" actId="478"/>
+          <ac:picMkLst>
+            <pc:docMk/>
+            <pc:sldMk cId="3976694156" sldId="338"/>
+            <ac:picMk id="4" creationId="{064D1FA7-B419-4A7C-B2F5-CB430BB54298}"/>
+          </ac:picMkLst>
+        </pc:picChg>
+        <pc:picChg chg="add del mod">
+          <ac:chgData name="Judson Santiago" userId="ebb108da2f256286" providerId="LiveId" clId="{88584D9E-E3E2-4A3E-A981-75C6A613D617}" dt="2021-10-05T06:20:11.573" v="578" actId="478"/>
+          <ac:picMkLst>
+            <pc:docMk/>
+            <pc:sldMk cId="3976694156" sldId="338"/>
+            <ac:picMk id="5" creationId="{F03EC46F-5E9F-4BB6-A595-2D34F04985C4}"/>
+          </ac:picMkLst>
+        </pc:picChg>
+        <pc:picChg chg="add del mod topLvl">
+          <ac:chgData name="Judson Santiago" userId="ebb108da2f256286" providerId="LiveId" clId="{88584D9E-E3E2-4A3E-A981-75C6A613D617}" dt="2021-10-05T06:20:11.573" v="578" actId="478"/>
+          <ac:picMkLst>
+            <pc:docMk/>
+            <pc:sldMk cId="3976694156" sldId="338"/>
+            <ac:picMk id="10" creationId="{47382AAA-6202-41F8-B50E-25B43E333009}"/>
+          </ac:picMkLst>
+        </pc:picChg>
+        <pc:picChg chg="add del mod topLvl">
+          <ac:chgData name="Judson Santiago" userId="ebb108da2f256286" providerId="LiveId" clId="{88584D9E-E3E2-4A3E-A981-75C6A613D617}" dt="2021-10-05T06:20:11.573" v="578" actId="478"/>
+          <ac:picMkLst>
+            <pc:docMk/>
+            <pc:sldMk cId="3976694156" sldId="338"/>
+            <ac:picMk id="11" creationId="{1769DD96-AD15-4D3B-9B02-B15220B507F2}"/>
+          </ac:picMkLst>
+        </pc:picChg>
+        <pc:picChg chg="add del mod">
+          <ac:chgData name="Judson Santiago" userId="ebb108da2f256286" providerId="LiveId" clId="{88584D9E-E3E2-4A3E-A981-75C6A613D617}" dt="2021-10-05T06:14:01.110" v="530" actId="478"/>
+          <ac:picMkLst>
+            <pc:docMk/>
+            <pc:sldMk cId="3976694156" sldId="338"/>
+            <ac:picMk id="12" creationId="{8B0CAB78-0000-4146-8E46-86AA8F00DC87}"/>
+          </ac:picMkLst>
+        </pc:picChg>
+        <pc:picChg chg="add mod">
+          <ac:chgData name="Judson Santiago" userId="ebb108da2f256286" providerId="LiveId" clId="{88584D9E-E3E2-4A3E-A981-75C6A613D617}" dt="2021-10-05T06:20:12.527" v="579"/>
+          <ac:picMkLst>
+            <pc:docMk/>
+            <pc:sldMk cId="3976694156" sldId="338"/>
+            <ac:picMk id="15" creationId="{A30E1DEE-2EBD-47D1-94EB-78D6B5CBC6D4}"/>
+          </ac:picMkLst>
+        </pc:picChg>
+        <pc:picChg chg="add mod">
+          <ac:chgData name="Judson Santiago" userId="ebb108da2f256286" providerId="LiveId" clId="{88584D9E-E3E2-4A3E-A981-75C6A613D617}" dt="2021-10-05T06:20:12.527" v="579"/>
+          <ac:picMkLst>
+            <pc:docMk/>
+            <pc:sldMk cId="3976694156" sldId="338"/>
+            <ac:picMk id="16" creationId="{104D2E5B-88DE-407C-ACB1-E8469A0E0C98}"/>
+          </ac:picMkLst>
+        </pc:picChg>
+        <pc:picChg chg="add mod">
+          <ac:chgData name="Judson Santiago" userId="ebb108da2f256286" providerId="LiveId" clId="{88584D9E-E3E2-4A3E-A981-75C6A613D617}" dt="2021-10-05T06:20:12.527" v="579"/>
+          <ac:picMkLst>
+            <pc:docMk/>
+            <pc:sldMk cId="3976694156" sldId="338"/>
+            <ac:picMk id="17" creationId="{6BB37202-B5B6-4C98-9D8D-8C3A1D306105}"/>
+          </ac:picMkLst>
+        </pc:picChg>
+        <pc:picChg chg="add mod">
+          <ac:chgData name="Judson Santiago" userId="ebb108da2f256286" providerId="LiveId" clId="{88584D9E-E3E2-4A3E-A981-75C6A613D617}" dt="2021-10-05T06:20:12.527" v="579"/>
+          <ac:picMkLst>
+            <pc:docMk/>
+            <pc:sldMk cId="3976694156" sldId="338"/>
+            <ac:picMk id="18" creationId="{7B6465E8-1FD3-40E3-90ED-A0B2DF0B1B1D}"/>
+          </ac:picMkLst>
+        </pc:picChg>
+      </pc:sldChg>
+      <pc:sldChg chg="modTransition">
+        <pc:chgData name="Judson Santiago" userId="ebb108da2f256286" providerId="LiveId" clId="{88584D9E-E3E2-4A3E-A981-75C6A613D617}" dt="2021-10-05T05:31:21.918" v="225"/>
+        <pc:sldMkLst>
+          <pc:docMk/>
+          <pc:sldMk cId="1809039918" sldId="340"/>
+        </pc:sldMkLst>
+      </pc:sldChg>
+      <pc:sldChg chg="modTransition">
+        <pc:chgData name="Judson Santiago" userId="ebb108da2f256286" providerId="LiveId" clId="{88584D9E-E3E2-4A3E-A981-75C6A613D617}" dt="2021-10-05T05:31:21.918" v="225"/>
+        <pc:sldMkLst>
+          <pc:docMk/>
+          <pc:sldMk cId="2795671224" sldId="341"/>
+        </pc:sldMkLst>
+      </pc:sldChg>
+      <pc:sldChg chg="modTransition">
+        <pc:chgData name="Judson Santiago" userId="ebb108da2f256286" providerId="LiveId" clId="{88584D9E-E3E2-4A3E-A981-75C6A613D617}" dt="2021-10-05T05:31:21.918" v="225"/>
+        <pc:sldMkLst>
+          <pc:docMk/>
+          <pc:sldMk cId="1024459191" sldId="342"/>
+        </pc:sldMkLst>
+      </pc:sldChg>
+      <pc:sldChg chg="modTransition">
+        <pc:chgData name="Judson Santiago" userId="ebb108da2f256286" providerId="LiveId" clId="{88584D9E-E3E2-4A3E-A981-75C6A613D617}" dt="2021-10-05T05:31:21.918" v="225"/>
+        <pc:sldMkLst>
+          <pc:docMk/>
+          <pc:sldMk cId="262960832" sldId="343"/>
+        </pc:sldMkLst>
+      </pc:sldChg>
+      <pc:sldChg chg="modTransition">
+        <pc:chgData name="Judson Santiago" userId="ebb108da2f256286" providerId="LiveId" clId="{88584D9E-E3E2-4A3E-A981-75C6A613D617}" dt="2021-10-05T05:31:21.918" v="225"/>
+        <pc:sldMkLst>
+          <pc:docMk/>
+          <pc:sldMk cId="2869314165" sldId="344"/>
+        </pc:sldMkLst>
+      </pc:sldChg>
+      <pc:sldChg chg="modSp mod modTransition">
+        <pc:chgData name="Judson Santiago" userId="ebb108da2f256286" providerId="LiveId" clId="{88584D9E-E3E2-4A3E-A981-75C6A613D617}" dt="2021-10-05T06:43:23.858" v="738" actId="20577"/>
+        <pc:sldMkLst>
+          <pc:docMk/>
+          <pc:sldMk cId="3522412705" sldId="345"/>
+        </pc:sldMkLst>
+        <pc:spChg chg="mod">
+          <ac:chgData name="Judson Santiago" userId="ebb108da2f256286" providerId="LiveId" clId="{88584D9E-E3E2-4A3E-A981-75C6A613D617}" dt="2021-10-05T06:42:55.420" v="730" actId="207"/>
+          <ac:spMkLst>
+            <pc:docMk/>
+            <pc:sldMk cId="3522412705" sldId="345"/>
+            <ac:spMk id="4" creationId="{00000000-0000-0000-0000-000000000000}"/>
+          </ac:spMkLst>
+        </pc:spChg>
+        <pc:spChg chg="mod">
+          <ac:chgData name="Judson Santiago" userId="ebb108da2f256286" providerId="LiveId" clId="{88584D9E-E3E2-4A3E-A981-75C6A613D617}" dt="2021-10-05T06:43:23.858" v="738" actId="20577"/>
+          <ac:spMkLst>
+            <pc:docMk/>
+            <pc:sldMk cId="3522412705" sldId="345"/>
+            <ac:spMk id="5" creationId="{00000000-0000-0000-0000-000000000000}"/>
+          </ac:spMkLst>
+        </pc:spChg>
+      </pc:sldChg>
+      <pc:sldChg chg="modTransition">
+        <pc:chgData name="Judson Santiago" userId="ebb108da2f256286" providerId="LiveId" clId="{88584D9E-E3E2-4A3E-A981-75C6A613D617}" dt="2021-10-05T05:31:21.918" v="225"/>
+        <pc:sldMkLst>
+          <pc:docMk/>
+          <pc:sldMk cId="4001772449" sldId="346"/>
+        </pc:sldMkLst>
+      </pc:sldChg>
+      <pc:sldChg chg="modTransition">
+        <pc:chgData name="Judson Santiago" userId="ebb108da2f256286" providerId="LiveId" clId="{88584D9E-E3E2-4A3E-A981-75C6A613D617}" dt="2021-10-05T05:31:21.918" v="225"/>
+        <pc:sldMkLst>
+          <pc:docMk/>
+          <pc:sldMk cId="2786165063" sldId="347"/>
+        </pc:sldMkLst>
+      </pc:sldChg>
+      <pc:sldChg chg="modTransition">
+        <pc:chgData name="Judson Santiago" userId="ebb108da2f256286" providerId="LiveId" clId="{88584D9E-E3E2-4A3E-A981-75C6A613D617}" dt="2021-10-05T05:31:21.918" v="225"/>
+        <pc:sldMkLst>
+          <pc:docMk/>
+          <pc:sldMk cId="871613267" sldId="348"/>
+        </pc:sldMkLst>
+      </pc:sldChg>
+      <pc:sldChg chg="modTransition">
+        <pc:chgData name="Judson Santiago" userId="ebb108da2f256286" providerId="LiveId" clId="{88584D9E-E3E2-4A3E-A981-75C6A613D617}" dt="2021-10-05T05:31:21.918" v="225"/>
+        <pc:sldMkLst>
+          <pc:docMk/>
+          <pc:sldMk cId="3719086108" sldId="349"/>
+        </pc:sldMkLst>
+      </pc:sldChg>
+      <pc:sldChg chg="modTransition">
+        <pc:chgData name="Judson Santiago" userId="ebb108da2f256286" providerId="LiveId" clId="{88584D9E-E3E2-4A3E-A981-75C6A613D617}" dt="2021-10-05T05:31:21.918" v="225"/>
+        <pc:sldMkLst>
+          <pc:docMk/>
+          <pc:sldMk cId="1334491869" sldId="350"/>
+        </pc:sldMkLst>
+      </pc:sldChg>
+      <pc:sldChg chg="modSp mod modTransition">
+        <pc:chgData name="Judson Santiago" userId="ebb108da2f256286" providerId="LiveId" clId="{88584D9E-E3E2-4A3E-A981-75C6A613D617}" dt="2021-10-05T06:50:34.626" v="742" actId="20577"/>
+        <pc:sldMkLst>
+          <pc:docMk/>
+          <pc:sldMk cId="2061850809" sldId="351"/>
+        </pc:sldMkLst>
+        <pc:spChg chg="mod">
+          <ac:chgData name="Judson Santiago" userId="ebb108da2f256286" providerId="LiveId" clId="{88584D9E-E3E2-4A3E-A981-75C6A613D617}" dt="2021-10-05T06:50:34.626" v="742" actId="20577"/>
+          <ac:spMkLst>
+            <pc:docMk/>
+            <pc:sldMk cId="2061850809" sldId="351"/>
+            <ac:spMk id="7" creationId="{88F5B766-2298-4EE7-B868-2C8E42AF35DC}"/>
+          </ac:spMkLst>
+        </pc:spChg>
+        <pc:spChg chg="mod">
+          <ac:chgData name="Judson Santiago" userId="ebb108da2f256286" providerId="LiveId" clId="{88584D9E-E3E2-4A3E-A981-75C6A613D617}" dt="2021-10-05T06:50:31.626" v="741" actId="20577"/>
+          <ac:spMkLst>
+            <pc:docMk/>
+            <pc:sldMk cId="2061850809" sldId="351"/>
+            <ac:spMk id="8" creationId="{D81D0287-72C0-4AE7-B106-49CD582CB450}"/>
+          </ac:spMkLst>
+        </pc:spChg>
+      </pc:sldChg>
+      <pc:sldChg chg="modTransition">
+        <pc:chgData name="Judson Santiago" userId="ebb108da2f256286" providerId="LiveId" clId="{88584D9E-E3E2-4A3E-A981-75C6A613D617}" dt="2021-10-05T05:31:21.918" v="225"/>
+        <pc:sldMkLst>
+          <pc:docMk/>
+          <pc:sldMk cId="3917658406" sldId="352"/>
+        </pc:sldMkLst>
+      </pc:sldChg>
+      <pc:sldChg chg="modSp mod modTransition">
+        <pc:chgData name="Judson Santiago" userId="ebb108da2f256286" providerId="LiveId" clId="{88584D9E-E3E2-4A3E-A981-75C6A613D617}" dt="2021-10-05T06:51:40.285" v="751" actId="20577"/>
         <pc:sldMkLst>
           <pc:docMk/>
           <pc:sldMk cId="1840151512" sldId="353"/>
         </pc:sldMkLst>
         <pc:spChg chg="mod">
-          <ac:chgData name="Judson Santiago" userId="ebb108da2f256286" providerId="LiveId" clId="{88584D9E-E3E2-4A3E-A981-75C6A613D617}" dt="2021-09-30T18:02:02.623" v="198" actId="948"/>
+          <ac:chgData name="Judson Santiago" userId="ebb108da2f256286" providerId="LiveId" clId="{88584D9E-E3E2-4A3E-A981-75C6A613D617}" dt="2021-10-05T06:51:40.285" v="751" actId="20577"/>
           <ac:spMkLst>
             <pc:docMk/>
             <pc:sldMk cId="1840151512" sldId="353"/>
@@ -206,14 +448,14 @@
           </ac:spMkLst>
         </pc:spChg>
       </pc:sldChg>
-      <pc:sldChg chg="modSp mod">
-        <pc:chgData name="Judson Santiago" userId="ebb108da2f256286" providerId="LiveId" clId="{88584D9E-E3E2-4A3E-A981-75C6A613D617}" dt="2021-09-30T07:23:35.129" v="93" actId="948"/>
+      <pc:sldChg chg="modSp mod modTransition">
+        <pc:chgData name="Judson Santiago" userId="ebb108da2f256286" providerId="LiveId" clId="{88584D9E-E3E2-4A3E-A981-75C6A613D617}" dt="2021-10-05T05:34:42.426" v="256" actId="313"/>
         <pc:sldMkLst>
           <pc:docMk/>
           <pc:sldMk cId="3474940130" sldId="354"/>
         </pc:sldMkLst>
         <pc:spChg chg="mod">
-          <ac:chgData name="Judson Santiago" userId="ebb108da2f256286" providerId="LiveId" clId="{88584D9E-E3E2-4A3E-A981-75C6A613D617}" dt="2021-09-30T07:23:35.129" v="93" actId="948"/>
+          <ac:chgData name="Judson Santiago" userId="ebb108da2f256286" providerId="LiveId" clId="{88584D9E-E3E2-4A3E-A981-75C6A613D617}" dt="2021-10-05T05:34:42.426" v="256" actId="313"/>
           <ac:spMkLst>
             <pc:docMk/>
             <pc:sldMk cId="3474940130" sldId="354"/>
@@ -245,14 +487,14 @@
           </ac:picMkLst>
         </pc:picChg>
       </pc:sldChg>
-      <pc:sldChg chg="modSp mod">
-        <pc:chgData name="Judson Santiago" userId="ebb108da2f256286" providerId="LiveId" clId="{88584D9E-E3E2-4A3E-A981-75C6A613D617}" dt="2021-09-30T07:23:42.876" v="94" actId="20577"/>
+      <pc:sldChg chg="modSp mod modTransition">
+        <pc:chgData name="Judson Santiago" userId="ebb108da2f256286" providerId="LiveId" clId="{88584D9E-E3E2-4A3E-A981-75C6A613D617}" dt="2021-10-05T05:39:35.875" v="272" actId="20577"/>
         <pc:sldMkLst>
           <pc:docMk/>
           <pc:sldMk cId="493752376" sldId="355"/>
         </pc:sldMkLst>
         <pc:spChg chg="mod">
-          <ac:chgData name="Judson Santiago" userId="ebb108da2f256286" providerId="LiveId" clId="{88584D9E-E3E2-4A3E-A981-75C6A613D617}" dt="2021-09-30T07:23:42.876" v="94" actId="20577"/>
+          <ac:chgData name="Judson Santiago" userId="ebb108da2f256286" providerId="LiveId" clId="{88584D9E-E3E2-4A3E-A981-75C6A613D617}" dt="2021-10-05T05:39:35.875" v="272" actId="20577"/>
           <ac:spMkLst>
             <pc:docMk/>
             <pc:sldMk cId="493752376" sldId="355"/>
@@ -260,8 +502,8 @@
           </ac:spMkLst>
         </pc:spChg>
       </pc:sldChg>
-      <pc:sldChg chg="modSp mod">
-        <pc:chgData name="Judson Santiago" userId="ebb108da2f256286" providerId="LiveId" clId="{88584D9E-E3E2-4A3E-A981-75C6A613D617}" dt="2021-09-30T17:56:08.011" v="193" actId="207"/>
+      <pc:sldChg chg="modSp mod modTransition modNotesTx">
+        <pc:chgData name="Judson Santiago" userId="ebb108da2f256286" providerId="LiveId" clId="{88584D9E-E3E2-4A3E-A981-75C6A613D617}" dt="2021-10-05T05:44:58.973" v="333" actId="20577"/>
         <pc:sldMkLst>
           <pc:docMk/>
           <pc:sldMk cId="2847656799" sldId="356"/>
@@ -299,8 +541,8 @@
           </ac:spMkLst>
         </pc:spChg>
       </pc:sldChg>
-      <pc:sldChg chg="modSp mod">
-        <pc:chgData name="Judson Santiago" userId="ebb108da2f256286" providerId="LiveId" clId="{88584D9E-E3E2-4A3E-A981-75C6A613D617}" dt="2021-09-30T07:25:43.259" v="146" actId="6549"/>
+      <pc:sldChg chg="modSp mod modTransition">
+        <pc:chgData name="Judson Santiago" userId="ebb108da2f256286" providerId="LiveId" clId="{88584D9E-E3E2-4A3E-A981-75C6A613D617}" dt="2021-10-05T05:31:21.918" v="225"/>
         <pc:sldMkLst>
           <pc:docMk/>
           <pc:sldMk cId="2447762508" sldId="357"/>
@@ -314,8 +556,22 @@
           </ac:spMkLst>
         </pc:spChg>
       </pc:sldChg>
-      <pc:sldChg chg="addSp modSp mod">
-        <pc:chgData name="Judson Santiago" userId="ebb108da2f256286" providerId="LiveId" clId="{88584D9E-E3E2-4A3E-A981-75C6A613D617}" dt="2021-09-30T17:58:30.848" v="196"/>
+      <pc:sldChg chg="modTransition">
+        <pc:chgData name="Judson Santiago" userId="ebb108da2f256286" providerId="LiveId" clId="{88584D9E-E3E2-4A3E-A981-75C6A613D617}" dt="2021-10-05T05:31:21.918" v="225"/>
+        <pc:sldMkLst>
+          <pc:docMk/>
+          <pc:sldMk cId="610079942" sldId="358"/>
+        </pc:sldMkLst>
+      </pc:sldChg>
+      <pc:sldChg chg="modTransition">
+        <pc:chgData name="Judson Santiago" userId="ebb108da2f256286" providerId="LiveId" clId="{88584D9E-E3E2-4A3E-A981-75C6A613D617}" dt="2021-10-05T05:31:21.918" v="225"/>
+        <pc:sldMkLst>
+          <pc:docMk/>
+          <pc:sldMk cId="1610272207" sldId="359"/>
+        </pc:sldMkLst>
+      </pc:sldChg>
+      <pc:sldChg chg="addSp modSp mod modTransition">
+        <pc:chgData name="Judson Santiago" userId="ebb108da2f256286" providerId="LiveId" clId="{88584D9E-E3E2-4A3E-A981-75C6A613D617}" dt="2021-10-05T05:49:31.774" v="342"/>
         <pc:sldMkLst>
           <pc:docMk/>
           <pc:sldMk cId="2759172645" sldId="363"/>
@@ -353,7 +609,7 @@
           </ac:spMkLst>
         </pc:spChg>
         <pc:grpChg chg="add mod">
-          <ac:chgData name="Judson Santiago" userId="ebb108da2f256286" providerId="LiveId" clId="{88584D9E-E3E2-4A3E-A981-75C6A613D617}" dt="2021-09-30T07:28:53.326" v="179" actId="164"/>
+          <ac:chgData name="Judson Santiago" userId="ebb108da2f256286" providerId="LiveId" clId="{88584D9E-E3E2-4A3E-A981-75C6A613D617}" dt="2021-10-05T05:47:00.976" v="334" actId="14100"/>
           <ac:grpSpMkLst>
             <pc:docMk/>
             <pc:sldMk cId="2759172645" sldId="363"/>
@@ -361,7 +617,7 @@
           </ac:grpSpMkLst>
         </pc:grpChg>
         <pc:grpChg chg="add mod">
-          <ac:chgData name="Judson Santiago" userId="ebb108da2f256286" providerId="LiveId" clId="{88584D9E-E3E2-4A3E-A981-75C6A613D617}" dt="2021-09-30T07:29:06.968" v="182" actId="408"/>
+          <ac:chgData name="Judson Santiago" userId="ebb108da2f256286" providerId="LiveId" clId="{88584D9E-E3E2-4A3E-A981-75C6A613D617}" dt="2021-10-05T05:47:12.154" v="340" actId="1037"/>
           <ac:grpSpMkLst>
             <pc:docMk/>
             <pc:sldMk cId="2759172645" sldId="363"/>
@@ -369,7 +625,7 @@
           </ac:grpSpMkLst>
         </pc:grpChg>
         <pc:grpChg chg="add mod">
-          <ac:chgData name="Judson Santiago" userId="ebb108da2f256286" providerId="LiveId" clId="{88584D9E-E3E2-4A3E-A981-75C6A613D617}" dt="2021-09-30T07:29:01.515" v="181" actId="164"/>
+          <ac:chgData name="Judson Santiago" userId="ebb108da2f256286" providerId="LiveId" clId="{88584D9E-E3E2-4A3E-A981-75C6A613D617}" dt="2021-10-05T05:47:06.866" v="335" actId="1076"/>
           <ac:grpSpMkLst>
             <pc:docMk/>
             <pc:sldMk cId="2759172645" sldId="363"/>
@@ -385,7 +641,7 @@
           </ac:picMkLst>
         </pc:picChg>
         <pc:picChg chg="mod">
-          <ac:chgData name="Judson Santiago" userId="ebb108da2f256286" providerId="LiveId" clId="{88584D9E-E3E2-4A3E-A981-75C6A613D617}" dt="2021-09-30T17:58:25.854" v="195"/>
+          <ac:chgData name="Judson Santiago" userId="ebb108da2f256286" providerId="LiveId" clId="{88584D9E-E3E2-4A3E-A981-75C6A613D617}" dt="2021-10-05T05:49:31.774" v="342"/>
           <ac:picMkLst>
             <pc:docMk/>
             <pc:sldMk cId="2759172645" sldId="363"/>
@@ -393,7 +649,7 @@
           </ac:picMkLst>
         </pc:picChg>
         <pc:picChg chg="mod">
-          <ac:chgData name="Judson Santiago" userId="ebb108da2f256286" providerId="LiveId" clId="{88584D9E-E3E2-4A3E-A981-75C6A613D617}" dt="2021-09-30T17:58:30.848" v="196"/>
+          <ac:chgData name="Judson Santiago" userId="ebb108da2f256286" providerId="LiveId" clId="{88584D9E-E3E2-4A3E-A981-75C6A613D617}" dt="2021-10-05T05:48:49.763" v="341"/>
           <ac:picMkLst>
             <pc:docMk/>
             <pc:sldMk cId="2759172645" sldId="363"/>
@@ -401,12 +657,20 @@
           </ac:picMkLst>
         </pc:picChg>
       </pc:sldChg>
-      <pc:sldChg chg="modSp">
-        <pc:chgData name="Judson Santiago" userId="ebb108da2f256286" providerId="LiveId" clId="{88584D9E-E3E2-4A3E-A981-75C6A613D617}" dt="2021-09-30T17:58:59.875" v="197"/>
+      <pc:sldChg chg="modSp mod modTransition">
+        <pc:chgData name="Judson Santiago" userId="ebb108da2f256286" providerId="LiveId" clId="{88584D9E-E3E2-4A3E-A981-75C6A613D617}" dt="2021-10-05T05:51:48.915" v="356" actId="207"/>
         <pc:sldMkLst>
           <pc:docMk/>
           <pc:sldMk cId="630723910" sldId="364"/>
         </pc:sldMkLst>
+        <pc:spChg chg="mod">
+          <ac:chgData name="Judson Santiago" userId="ebb108da2f256286" providerId="LiveId" clId="{88584D9E-E3E2-4A3E-A981-75C6A613D617}" dt="2021-10-05T05:51:48.915" v="356" actId="207"/>
+          <ac:spMkLst>
+            <pc:docMk/>
+            <pc:sldMk cId="630723910" sldId="364"/>
+            <ac:spMk id="2" creationId="{00000000-0000-0000-0000-000000000000}"/>
+          </ac:spMkLst>
+        </pc:spChg>
         <pc:picChg chg="mod">
           <ac:chgData name="Judson Santiago" userId="ebb108da2f256286" providerId="LiveId" clId="{88584D9E-E3E2-4A3E-A981-75C6A613D617}" dt="2021-09-30T17:58:59.875" v="197"/>
           <ac:picMkLst>
@@ -416,20 +680,235 @@
           </ac:picMkLst>
         </pc:picChg>
       </pc:sldChg>
-      <pc:sldChg chg="modSp mod">
-        <pc:chgData name="Judson Santiago" userId="ebb108da2f256286" providerId="LiveId" clId="{88584D9E-E3E2-4A3E-A981-75C6A613D617}" dt="2021-09-30T07:30:28.156" v="185" actId="20577"/>
+      <pc:sldChg chg="addSp modSp mod modTransition">
+        <pc:chgData name="Judson Santiago" userId="ebb108da2f256286" providerId="LiveId" clId="{88584D9E-E3E2-4A3E-A981-75C6A613D617}" dt="2021-10-05T06:12:58.440" v="528" actId="1076"/>
         <pc:sldMkLst>
           <pc:docMk/>
           <pc:sldMk cId="3731449394" sldId="365"/>
         </pc:sldMkLst>
         <pc:spChg chg="mod">
-          <ac:chgData name="Judson Santiago" userId="ebb108da2f256286" providerId="LiveId" clId="{88584D9E-E3E2-4A3E-A981-75C6A613D617}" dt="2021-09-30T07:30:28.156" v="185" actId="20577"/>
+          <ac:chgData name="Judson Santiago" userId="ebb108da2f256286" providerId="LiveId" clId="{88584D9E-E3E2-4A3E-A981-75C6A613D617}" dt="2021-10-05T05:53:15.105" v="365" actId="20577"/>
           <ac:spMkLst>
             <pc:docMk/>
             <pc:sldMk cId="3731449394" sldId="365"/>
             <ac:spMk id="2" creationId="{00000000-0000-0000-0000-000000000000}"/>
           </ac:spMkLst>
         </pc:spChg>
+        <pc:spChg chg="add mod">
+          <ac:chgData name="Judson Santiago" userId="ebb108da2f256286" providerId="LiveId" clId="{88584D9E-E3E2-4A3E-A981-75C6A613D617}" dt="2021-10-05T06:12:58.440" v="528" actId="1076"/>
+          <ac:spMkLst>
+            <pc:docMk/>
+            <pc:sldMk cId="3731449394" sldId="365"/>
+            <ac:spMk id="5" creationId="{5402CE72-7016-47EA-9249-F5ADB2C90A12}"/>
+          </ac:spMkLst>
+        </pc:spChg>
+        <pc:picChg chg="mod">
+          <ac:chgData name="Judson Santiago" userId="ebb108da2f256286" providerId="LiveId" clId="{88584D9E-E3E2-4A3E-A981-75C6A613D617}" dt="2021-10-05T06:12:58.440" v="528" actId="1076"/>
+          <ac:picMkLst>
+            <pc:docMk/>
+            <pc:sldMk cId="3731449394" sldId="365"/>
+            <ac:picMk id="4" creationId="{00000000-0000-0000-0000-000000000000}"/>
+          </ac:picMkLst>
+        </pc:picChg>
+      </pc:sldChg>
+      <pc:sldChg chg="addSp delSp modSp add mod">
+        <pc:chgData name="Judson Santiago" userId="ebb108da2f256286" providerId="LiveId" clId="{88584D9E-E3E2-4A3E-A981-75C6A613D617}" dt="2021-10-05T06:33:35.213" v="727" actId="6549"/>
+        <pc:sldMkLst>
+          <pc:docMk/>
+          <pc:sldMk cId="3751435621" sldId="366"/>
+        </pc:sldMkLst>
+        <pc:spChg chg="mod">
+          <ac:chgData name="Judson Santiago" userId="ebb108da2f256286" providerId="LiveId" clId="{88584D9E-E3E2-4A3E-A981-75C6A613D617}" dt="2021-10-05T06:33:35.213" v="727" actId="6549"/>
+          <ac:spMkLst>
+            <pc:docMk/>
+            <pc:sldMk cId="3751435621" sldId="366"/>
+            <ac:spMk id="2" creationId="{00000000-0000-0000-0000-000000000000}"/>
+          </ac:spMkLst>
+        </pc:spChg>
+        <pc:spChg chg="add del mod">
+          <ac:chgData name="Judson Santiago" userId="ebb108da2f256286" providerId="LiveId" clId="{88584D9E-E3E2-4A3E-A981-75C6A613D617}" dt="2021-10-05T06:31:16.849" v="674" actId="21"/>
+          <ac:spMkLst>
+            <pc:docMk/>
+            <pc:sldMk cId="3751435621" sldId="366"/>
+            <ac:spMk id="6" creationId="{B13D7A90-BB5C-4C14-BDA1-E65560F735D4}"/>
+          </ac:spMkLst>
+        </pc:spChg>
+        <pc:spChg chg="add del mod">
+          <ac:chgData name="Judson Santiago" userId="ebb108da2f256286" providerId="LiveId" clId="{88584D9E-E3E2-4A3E-A981-75C6A613D617}" dt="2021-10-05T06:31:16.849" v="674" actId="21"/>
+          <ac:spMkLst>
+            <pc:docMk/>
+            <pc:sldMk cId="3751435621" sldId="366"/>
+            <ac:spMk id="7" creationId="{19C14ADE-4314-47FE-A1BD-A6CE28EEB312}"/>
+          </ac:spMkLst>
+        </pc:spChg>
+        <pc:spChg chg="add del mod">
+          <ac:chgData name="Judson Santiago" userId="ebb108da2f256286" providerId="LiveId" clId="{88584D9E-E3E2-4A3E-A981-75C6A613D617}" dt="2021-10-05T06:31:16.849" v="674" actId="21"/>
+          <ac:spMkLst>
+            <pc:docMk/>
+            <pc:sldMk cId="3751435621" sldId="366"/>
+            <ac:spMk id="8" creationId="{7456AF85-50C8-475D-89D2-836D77A2169B}"/>
+          </ac:spMkLst>
+        </pc:spChg>
+        <pc:spChg chg="add del mod">
+          <ac:chgData name="Judson Santiago" userId="ebb108da2f256286" providerId="LiveId" clId="{88584D9E-E3E2-4A3E-A981-75C6A613D617}" dt="2021-10-05T06:22:41.878" v="593" actId="478"/>
+          <ac:spMkLst>
+            <pc:docMk/>
+            <pc:sldMk cId="3751435621" sldId="366"/>
+            <ac:spMk id="11" creationId="{05EAD3B5-CAFB-44BC-82EE-34E0444648EE}"/>
+          </ac:spMkLst>
+        </pc:spChg>
+        <pc:spChg chg="add del mod">
+          <ac:chgData name="Judson Santiago" userId="ebb108da2f256286" providerId="LiveId" clId="{88584D9E-E3E2-4A3E-A981-75C6A613D617}" dt="2021-10-05T06:21:35.061" v="586" actId="478"/>
+          <ac:spMkLst>
+            <pc:docMk/>
+            <pc:sldMk cId="3751435621" sldId="366"/>
+            <ac:spMk id="12" creationId="{C6123FF7-1E96-45CE-A5CA-372B428E8DA3}"/>
+          </ac:spMkLst>
+        </pc:spChg>
+        <pc:spChg chg="add mod">
+          <ac:chgData name="Judson Santiago" userId="ebb108da2f256286" providerId="LiveId" clId="{88584D9E-E3E2-4A3E-A981-75C6A613D617}" dt="2021-10-05T06:31:21.364" v="676" actId="164"/>
+          <ac:spMkLst>
+            <pc:docMk/>
+            <pc:sldMk cId="3751435621" sldId="366"/>
+            <ac:spMk id="61" creationId="{24A49831-817E-4095-8756-39D5A246D16B}"/>
+          </ac:spMkLst>
+        </pc:spChg>
+        <pc:spChg chg="add mod">
+          <ac:chgData name="Judson Santiago" userId="ebb108da2f256286" providerId="LiveId" clId="{88584D9E-E3E2-4A3E-A981-75C6A613D617}" dt="2021-10-05T06:31:21.364" v="676" actId="164"/>
+          <ac:spMkLst>
+            <pc:docMk/>
+            <pc:sldMk cId="3751435621" sldId="366"/>
+            <ac:spMk id="62" creationId="{A2E2A9CE-DE81-4BE8-A490-5C06AC79CF1C}"/>
+          </ac:spMkLst>
+        </pc:spChg>
+        <pc:spChg chg="add mod">
+          <ac:chgData name="Judson Santiago" userId="ebb108da2f256286" providerId="LiveId" clId="{88584D9E-E3E2-4A3E-A981-75C6A613D617}" dt="2021-10-05T06:31:21.364" v="676" actId="164"/>
+          <ac:spMkLst>
+            <pc:docMk/>
+            <pc:sldMk cId="3751435621" sldId="366"/>
+            <ac:spMk id="63" creationId="{47FC62BD-2E1B-4E2F-A92E-8692F250E248}"/>
+          </ac:spMkLst>
+        </pc:spChg>
+        <pc:spChg chg="add mod">
+          <ac:chgData name="Judson Santiago" userId="ebb108da2f256286" providerId="LiveId" clId="{88584D9E-E3E2-4A3E-A981-75C6A613D617}" dt="2021-10-05T06:32:42.521" v="717" actId="1037"/>
+          <ac:spMkLst>
+            <pc:docMk/>
+            <pc:sldMk cId="3751435621" sldId="366"/>
+            <ac:spMk id="65" creationId="{79FC7898-AC9C-47B9-8715-104E49A1E4C4}"/>
+          </ac:spMkLst>
+        </pc:spChg>
+        <pc:grpChg chg="add mod ord">
+          <ac:chgData name="Judson Santiago" userId="ebb108da2f256286" providerId="LiveId" clId="{88584D9E-E3E2-4A3E-A981-75C6A613D617}" dt="2021-10-05T06:32:42.521" v="717" actId="1037"/>
+          <ac:grpSpMkLst>
+            <pc:docMk/>
+            <pc:sldMk cId="3751435621" sldId="366"/>
+            <ac:grpSpMk id="64" creationId="{8A122285-DFC0-4B77-A762-AFB80DF98520}"/>
+          </ac:grpSpMkLst>
+        </pc:grpChg>
+        <pc:picChg chg="add mod">
+          <ac:chgData name="Judson Santiago" userId="ebb108da2f256286" providerId="LiveId" clId="{88584D9E-E3E2-4A3E-A981-75C6A613D617}" dt="2021-10-05T06:33:12.416" v="724" actId="1035"/>
+          <ac:picMkLst>
+            <pc:docMk/>
+            <pc:sldMk cId="3751435621" sldId="366"/>
+            <ac:picMk id="4" creationId="{8E157169-DADF-42F8-8EB6-67B0A7512DC9}"/>
+          </ac:picMkLst>
+        </pc:picChg>
+        <pc:picChg chg="add del mod">
+          <ac:chgData name="Judson Santiago" userId="ebb108da2f256286" providerId="LiveId" clId="{88584D9E-E3E2-4A3E-A981-75C6A613D617}" dt="2021-10-05T06:26:00.473" v="629" actId="21"/>
+          <ac:picMkLst>
+            <pc:docMk/>
+            <pc:sldMk cId="3751435621" sldId="366"/>
+            <ac:picMk id="5" creationId="{AE974805-335D-45CA-A20D-930D577F4A2E}"/>
+          </ac:picMkLst>
+        </pc:picChg>
+        <pc:picChg chg="add del mod">
+          <ac:chgData name="Judson Santiago" userId="ebb108da2f256286" providerId="LiveId" clId="{88584D9E-E3E2-4A3E-A981-75C6A613D617}" dt="2021-10-05T06:23:42.389" v="607" actId="478"/>
+          <ac:picMkLst>
+            <pc:docMk/>
+            <pc:sldMk cId="3751435621" sldId="366"/>
+            <ac:picMk id="9" creationId="{D975A618-4E0C-4160-8A81-B09392EE64BA}"/>
+          </ac:picMkLst>
+        </pc:picChg>
+        <pc:picChg chg="add del mod">
+          <ac:chgData name="Judson Santiago" userId="ebb108da2f256286" providerId="LiveId" clId="{88584D9E-E3E2-4A3E-A981-75C6A613D617}" dt="2021-10-05T06:23:41.045" v="606" actId="478"/>
+          <ac:picMkLst>
+            <pc:docMk/>
+            <pc:sldMk cId="3751435621" sldId="366"/>
+            <ac:picMk id="10" creationId="{F1C588AC-F439-48BF-A445-CA217E401045}"/>
+          </ac:picMkLst>
+        </pc:picChg>
+        <pc:picChg chg="add del mod">
+          <ac:chgData name="Judson Santiago" userId="ebb108da2f256286" providerId="LiveId" clId="{88584D9E-E3E2-4A3E-A981-75C6A613D617}" dt="2021-10-05T06:25:54.309" v="625" actId="21"/>
+          <ac:picMkLst>
+            <pc:docMk/>
+            <pc:sldMk cId="3751435621" sldId="366"/>
+            <ac:picMk id="24" creationId="{E7BFBA51-10E2-4D3D-8E87-D92359D9BFE8}"/>
+          </ac:picMkLst>
+        </pc:picChg>
+        <pc:picChg chg="add mod">
+          <ac:chgData name="Judson Santiago" userId="ebb108da2f256286" providerId="LiveId" clId="{88584D9E-E3E2-4A3E-A981-75C6A613D617}" dt="2021-10-05T06:33:12.416" v="724" actId="1035"/>
+          <ac:picMkLst>
+            <pc:docMk/>
+            <pc:sldMk cId="3751435621" sldId="366"/>
+            <ac:picMk id="37" creationId="{5DEFF604-2EB0-4332-8BBA-20B65F30D7D7}"/>
+          </ac:picMkLst>
+        </pc:picChg>
+        <pc:picChg chg="add mod">
+          <ac:chgData name="Judson Santiago" userId="ebb108da2f256286" providerId="LiveId" clId="{88584D9E-E3E2-4A3E-A981-75C6A613D617}" dt="2021-10-05T06:33:12.416" v="724" actId="1035"/>
+          <ac:picMkLst>
+            <pc:docMk/>
+            <pc:sldMk cId="3751435621" sldId="366"/>
+            <ac:picMk id="38" creationId="{D42F3381-BF14-4038-84A2-F8BC7AFF4C4E}"/>
+          </ac:picMkLst>
+        </pc:picChg>
+        <pc:cxnChg chg="add del mod">
+          <ac:chgData name="Judson Santiago" userId="ebb108da2f256286" providerId="LiveId" clId="{88584D9E-E3E2-4A3E-A981-75C6A613D617}" dt="2021-10-05T06:29:37.842" v="665" actId="478"/>
+          <ac:cxnSpMkLst>
+            <pc:docMk/>
+            <pc:sldMk cId="3751435621" sldId="366"/>
+            <ac:cxnSpMk id="14" creationId="{3F4B7A78-A93B-4826-9424-4A516ECE9464}"/>
+          </ac:cxnSpMkLst>
+        </pc:cxnChg>
+        <pc:cxnChg chg="add del mod">
+          <ac:chgData name="Judson Santiago" userId="ebb108da2f256286" providerId="LiveId" clId="{88584D9E-E3E2-4A3E-A981-75C6A613D617}" dt="2021-10-05T06:29:37.842" v="665" actId="478"/>
+          <ac:cxnSpMkLst>
+            <pc:docMk/>
+            <pc:sldMk cId="3751435621" sldId="366"/>
+            <ac:cxnSpMk id="15" creationId="{A3DFD581-95B9-4CA7-B285-E53C03035840}"/>
+          </ac:cxnSpMkLst>
+        </pc:cxnChg>
+        <pc:cxnChg chg="add del mod">
+          <ac:chgData name="Judson Santiago" userId="ebb108da2f256286" providerId="LiveId" clId="{88584D9E-E3E2-4A3E-A981-75C6A613D617}" dt="2021-10-05T06:29:37.842" v="665" actId="478"/>
+          <ac:cxnSpMkLst>
+            <pc:docMk/>
+            <pc:sldMk cId="3751435621" sldId="366"/>
+            <ac:cxnSpMk id="25" creationId="{48CA4E0C-D751-4F55-8A87-09028731C2B1}"/>
+          </ac:cxnSpMkLst>
+        </pc:cxnChg>
+        <pc:cxnChg chg="add mod">
+          <ac:chgData name="Judson Santiago" userId="ebb108da2f256286" providerId="LiveId" clId="{88584D9E-E3E2-4A3E-A981-75C6A613D617}" dt="2021-10-05T06:33:12.416" v="724" actId="1035"/>
+          <ac:cxnSpMkLst>
+            <pc:docMk/>
+            <pc:sldMk cId="3751435621" sldId="366"/>
+            <ac:cxnSpMk id="55" creationId="{F21EB856-9128-4B31-B2F2-0B7D7BA61837}"/>
+          </ac:cxnSpMkLst>
+        </pc:cxnChg>
+        <pc:cxnChg chg="add mod">
+          <ac:chgData name="Judson Santiago" userId="ebb108da2f256286" providerId="LiveId" clId="{88584D9E-E3E2-4A3E-A981-75C6A613D617}" dt="2021-10-05T06:33:12.416" v="724" actId="1035"/>
+          <ac:cxnSpMkLst>
+            <pc:docMk/>
+            <pc:sldMk cId="3751435621" sldId="366"/>
+            <ac:cxnSpMk id="57" creationId="{6A519275-890C-4DAD-9E5A-9643366E0A1C}"/>
+          </ac:cxnSpMkLst>
+        </pc:cxnChg>
+        <pc:cxnChg chg="add mod">
+          <ac:chgData name="Judson Santiago" userId="ebb108da2f256286" providerId="LiveId" clId="{88584D9E-E3E2-4A3E-A981-75C6A613D617}" dt="2021-10-05T06:33:12.416" v="724" actId="1035"/>
+          <ac:cxnSpMkLst>
+            <pc:docMk/>
+            <pc:sldMk cId="3751435621" sldId="366"/>
+            <ac:cxnSpMk id="59" creationId="{0666DAB5-1EB8-4F1F-A76D-5CA179C4E4AE}"/>
+          </ac:cxnSpMkLst>
+        </pc:cxnChg>
       </pc:sldChg>
       <pc:sldMasterChg chg="addSp delSp modSp mod modSldLayout">
         <pc:chgData name="Judson Santiago" userId="ebb108da2f256286" providerId="LiveId" clId="{88584D9E-E3E2-4A3E-A981-75C6A613D617}" dt="2021-09-30T07:19:12.176" v="54"/>
@@ -2272,7 +2751,7 @@
             <a:fld id="{4C457FC9-8E1D-4A40-BFF1-0E630693B1AB}" type="datetimeFigureOut">
               <a:rPr lang="pt-BR" smtClean="0"/>
               <a:pPr/>
-              <a:t>30/09/2021</a:t>
+              <a:t>05/10/2021</a:t>
             </a:fld>
             <a:endParaRPr lang="pt-BR"/>
           </a:p>
@@ -2586,6 +3065,122 @@
           <a:bodyPr/>
           <a:lstStyle/>
           <a:p>
+            <a:pPr marL="171450" indent="-171450">
+              <a:buFontTx/>
+              <a:buChar char="-"/>
+            </a:pPr>
+            <a:r>
+              <a:rPr lang="pt-BR" b="0" i="0" dirty="0">
+                <a:solidFill>
+                  <a:srgbClr val="000000"/>
+                </a:solidFill>
+                <a:effectLst/>
+                <a:latin typeface="Verdana" panose="020B0604030504040204" pitchFamily="34" charset="0"/>
+              </a:rPr>
+              <a:t>Apresentação das APIs </a:t>
+            </a:r>
+            <a:r>
+              <a:rPr lang="pt-BR" b="0" i="0" dirty="0" err="1">
+                <a:solidFill>
+                  <a:srgbClr val="000000"/>
+                </a:solidFill>
+                <a:effectLst/>
+                <a:latin typeface="Verdana" panose="020B0604030504040204" pitchFamily="34" charset="0"/>
+              </a:rPr>
+              <a:t>DirectInput</a:t>
+            </a:r>
+            <a:r>
+              <a:rPr lang="pt-BR" b="0" i="0" dirty="0">
+                <a:solidFill>
+                  <a:srgbClr val="000000"/>
+                </a:solidFill>
+                <a:effectLst/>
+                <a:latin typeface="Verdana" panose="020B0604030504040204" pitchFamily="34" charset="0"/>
+              </a:rPr>
+              <a:t> e </a:t>
+            </a:r>
+            <a:r>
+              <a:rPr lang="pt-BR" b="0" i="0" dirty="0" err="1">
+                <a:solidFill>
+                  <a:srgbClr val="000000"/>
+                </a:solidFill>
+                <a:effectLst/>
+                <a:latin typeface="Verdana" panose="020B0604030504040204" pitchFamily="34" charset="0"/>
+              </a:rPr>
+              <a:t>Xinput</a:t>
+            </a:r>
+            <a:endParaRPr lang="pt-BR" b="0" i="0" dirty="0">
+              <a:solidFill>
+                <a:srgbClr val="000000"/>
+              </a:solidFill>
+              <a:effectLst/>
+              <a:latin typeface="Verdana" panose="020B0604030504040204" pitchFamily="34" charset="0"/>
+            </a:endParaRPr>
+          </a:p>
+          <a:p>
+            <a:pPr marL="171450" indent="-171450">
+              <a:buFontTx/>
+              <a:buChar char="-"/>
+            </a:pPr>
+            <a:r>
+              <a:rPr lang="pt-BR" b="0" i="0" dirty="0">
+                <a:solidFill>
+                  <a:srgbClr val="000000"/>
+                </a:solidFill>
+                <a:effectLst/>
+                <a:latin typeface="Verdana" panose="020B0604030504040204" pitchFamily="34" charset="0"/>
+              </a:rPr>
+              <a:t>Leitura de eixos e botões dos controladores de jogo</a:t>
+            </a:r>
+          </a:p>
+          <a:p>
+            <a:pPr marL="171450" indent="-171450">
+              <a:buFontTx/>
+              <a:buChar char="-"/>
+            </a:pPr>
+            <a:r>
+              <a:rPr lang="pt-BR" b="0" i="0" dirty="0">
+                <a:solidFill>
+                  <a:srgbClr val="000000"/>
+                </a:solidFill>
+                <a:effectLst/>
+                <a:latin typeface="Verdana" panose="020B0604030504040204" pitchFamily="34" charset="0"/>
+              </a:rPr>
+              <a:t>Suporte a vibração com </a:t>
+            </a:r>
+            <a:r>
+              <a:rPr lang="pt-BR" b="0" i="0" dirty="0" err="1">
+                <a:solidFill>
+                  <a:srgbClr val="000000"/>
+                </a:solidFill>
+                <a:effectLst/>
+                <a:latin typeface="Verdana" panose="020B0604030504040204" pitchFamily="34" charset="0"/>
+              </a:rPr>
+              <a:t>Xinput</a:t>
+            </a:r>
+            <a:endParaRPr lang="pt-BR" b="0" i="0" dirty="0">
+              <a:solidFill>
+                <a:srgbClr val="000000"/>
+              </a:solidFill>
+              <a:effectLst/>
+              <a:latin typeface="Verdana" panose="020B0604030504040204" pitchFamily="34" charset="0"/>
+            </a:endParaRPr>
+          </a:p>
+          <a:p>
+            <a:pPr marL="171450" indent="-171450">
+              <a:buFontTx/>
+              <a:buChar char="-"/>
+            </a:pPr>
+            <a:r>
+              <a:rPr lang="pt-BR" b="0" i="0" dirty="0">
+                <a:solidFill>
+                  <a:srgbClr val="000000"/>
+                </a:solidFill>
+                <a:effectLst/>
+                <a:latin typeface="Verdana" panose="020B0604030504040204" pitchFamily="34" charset="0"/>
+              </a:rPr>
+              <a:t>Teste das APIs usando o controle e a guitarra do Xbox 360</a:t>
+            </a:r>
             <a:endParaRPr lang="pt-BR" dirty="0"/>
           </a:p>
         </p:txBody>
@@ -2654,6 +3249,104 @@
             <p:ph type="sldImg"/>
           </p:nvPr>
         </p:nvSpPr>
+        <p:spPr>
+          <a:xfrm>
+            <a:off x="381000" y="685800"/>
+            <a:ext cx="6096000" cy="3429000"/>
+          </a:xfrm>
+        </p:spPr>
+      </p:sp>
+      <p:sp>
+        <p:nvSpPr>
+          <p:cNvPr id="3" name="Espaço Reservado para Anotações 2"/>
+          <p:cNvSpPr>
+            <a:spLocks noGrp="1"/>
+          </p:cNvSpPr>
+          <p:nvPr>
+            <p:ph type="body" idx="1"/>
+          </p:nvPr>
+        </p:nvSpPr>
+        <p:spPr/>
+        <p:txBody>
+          <a:bodyPr/>
+          <a:lstStyle/>
+          <a:p>
+            <a:r>
+              <a:rPr lang="pt-BR" dirty="0"/>
+              <a:t>A zona</a:t>
+            </a:r>
+            <a:r>
+              <a:rPr lang="pt-BR" baseline="0" dirty="0"/>
+              <a:t> morta é configurada sempre em relação a uma faixa entre 0-10000 independentemente do valor da faixa de movimento. Assim um valor 2000 representa 20% da faixa ao redor do centro será zona morta.</a:t>
+            </a:r>
+            <a:endParaRPr lang="pt-BR" dirty="0"/>
+          </a:p>
+        </p:txBody>
+      </p:sp>
+      <p:sp>
+        <p:nvSpPr>
+          <p:cNvPr id="4" name="Espaço Reservado para Número de Slide 3"/>
+          <p:cNvSpPr>
+            <a:spLocks noGrp="1"/>
+          </p:cNvSpPr>
+          <p:nvPr>
+            <p:ph type="sldNum" sz="quarter" idx="10"/>
+          </p:nvPr>
+        </p:nvSpPr>
+        <p:spPr/>
+        <p:txBody>
+          <a:bodyPr/>
+          <a:lstStyle/>
+          <a:p>
+            <a:fld id="{EF334A8D-C5BE-432D-90D0-92D67DD437AB}" type="slidenum">
+              <a:rPr lang="pt-BR" smtClean="0"/>
+              <a:pPr/>
+              <a:t>24</a:t>
+            </a:fld>
+            <a:endParaRPr lang="pt-BR"/>
+          </a:p>
+        </p:txBody>
+      </p:sp>
+    </p:spTree>
+    <p:extLst>
+      <p:ext uri="{BB962C8B-B14F-4D97-AF65-F5344CB8AC3E}">
+        <p14:creationId xmlns:p14="http://schemas.microsoft.com/office/powerpoint/2010/main" val="2474762074"/>
+      </p:ext>
+    </p:extLst>
+  </p:cSld>
+  <p:clrMapOvr>
+    <a:masterClrMapping/>
+  </p:clrMapOvr>
+</p:notes>
+</file>
+
+<file path=ppt/notesSlides/notesSlide11.xml><?xml version="1.0" encoding="utf-8"?>
+<p:notes xmlns:a="http://schemas.openxmlformats.org/drawingml/2006/main" xmlns:r="http://schemas.openxmlformats.org/officeDocument/2006/relationships" xmlns:p="http://schemas.openxmlformats.org/presentationml/2006/main">
+  <p:cSld>
+    <p:spTree>
+      <p:nvGrpSpPr>
+        <p:cNvPr id="1" name=""/>
+        <p:cNvGrpSpPr/>
+        <p:nvPr/>
+      </p:nvGrpSpPr>
+      <p:grpSpPr>
+        <a:xfrm>
+          <a:off x="0" y="0"/>
+          <a:ext cx="0" cy="0"/>
+          <a:chOff x="0" y="0"/>
+          <a:chExt cx="0" cy="0"/>
+        </a:xfrm>
+      </p:grpSpPr>
+      <p:sp>
+        <p:nvSpPr>
+          <p:cNvPr id="2" name="Espaço Reservado para Imagem de Slide 1"/>
+          <p:cNvSpPr>
+            <a:spLocks noGrp="1" noRot="1" noChangeAspect="1"/>
+          </p:cNvSpPr>
+          <p:nvPr>
+            <p:ph type="sldImg"/>
+          </p:nvPr>
+        </p:nvSpPr>
         <p:spPr/>
       </p:sp>
       <p:sp>
@@ -2741,7 +3434,7 @@
             <a:fld id="{EF334A8D-C5BE-432D-90D0-92D67DD437AB}" type="slidenum">
               <a:rPr lang="pt-BR" smtClean="0"/>
               <a:pPr/>
-              <a:t>24</a:t>
+              <a:t>25</a:t>
             </a:fld>
             <a:endParaRPr lang="pt-BR"/>
           </a:p>
@@ -2991,33 +3684,9 @@
           <a:lstStyle/>
           <a:p>
             <a:r>
-              <a:rPr lang="pt-BR" dirty="0" err="1"/>
-              <a:t>GetModuleHandle</a:t>
-            </a:r>
-            <a:r>
               <a:rPr lang="pt-BR" dirty="0"/>
-              <a:t> é utilizado para não obrigar a</a:t>
-            </a:r>
-            <a:r>
-              <a:rPr lang="pt-BR" baseline="0" dirty="0"/>
-              <a:t> classe input a receber o identificador da aplicação (HINSTANCE). </a:t>
-            </a:r>
-            <a:br>
-              <a:rPr lang="pt-BR" baseline="0" dirty="0"/>
-            </a:br>
-            <a:r>
-              <a:rPr lang="pt-BR" baseline="0" dirty="0"/>
-              <a:t>Ele pega o identificador da </a:t>
-            </a:r>
-            <a:r>
-              <a:rPr lang="pt-BR" baseline="0"/>
-              <a:t>aplicação que está </a:t>
-            </a:r>
-            <a:r>
-              <a:rPr lang="pt-BR" baseline="0" dirty="0"/>
-              <a:t>executando.</a:t>
-            </a:r>
-            <a:endParaRPr lang="pt-BR" dirty="0"/>
+              <a:t>Interface única de acesso a todos os dispositivos</a:t>
+            </a:r>
           </a:p>
         </p:txBody>
       </p:sp>
@@ -3028,7 +3697,7 @@
             <a:spLocks noGrp="1"/>
           </p:cNvSpPr>
           <p:nvPr>
-            <p:ph type="sldNum" sz="quarter" idx="10"/>
+            <p:ph type="sldNum" sz="quarter" idx="5"/>
           </p:nvPr>
         </p:nvSpPr>
         <p:spPr/>
@@ -3039,7 +3708,7 @@
             <a:fld id="{EF334A8D-C5BE-432D-90D0-92D67DD437AB}" type="slidenum">
               <a:rPr lang="pt-BR" smtClean="0"/>
               <a:pPr/>
-              <a:t>10</a:t>
+              <a:t>4</a:t>
             </a:fld>
             <a:endParaRPr lang="pt-BR"/>
           </a:p>
@@ -3048,7 +3717,7 @@
     </p:spTree>
     <p:extLst>
       <p:ext uri="{BB962C8B-B14F-4D97-AF65-F5344CB8AC3E}">
-        <p14:creationId xmlns:p14="http://schemas.microsoft.com/office/powerpoint/2010/main" val="2698893073"/>
+        <p14:creationId xmlns:p14="http://schemas.microsoft.com/office/powerpoint/2010/main" val="3148498216"/>
       </p:ext>
     </p:extLst>
   </p:cSld>
@@ -3085,12 +3754,7 @@
             <p:ph type="sldImg"/>
           </p:nvPr>
         </p:nvSpPr>
-        <p:spPr>
-          <a:xfrm>
-            <a:off x="381000" y="685800"/>
-            <a:ext cx="6096000" cy="3429000"/>
-          </a:xfrm>
-        </p:spPr>
+        <p:spPr/>
       </p:sp>
       <p:sp>
         <p:nvSpPr>
@@ -3108,12 +3772,31 @@
           <a:lstStyle/>
           <a:p>
             <a:r>
+              <a:rPr lang="pt-BR" dirty="0" err="1"/>
+              <a:t>GetModuleHandle</a:t>
+            </a:r>
+            <a:r>
               <a:rPr lang="pt-BR" dirty="0"/>
-              <a:t>O valor de 32 bits é usado para passar</a:t>
+              <a:t> é utilizado para não obrigar a</a:t>
             </a:r>
             <a:r>
               <a:rPr lang="pt-BR" baseline="0" dirty="0"/>
-              <a:t> o endereço de uma lista que armazenará os diapositivos encontrados.</a:t>
+              <a:t> classe input a receber o identificador da aplicação (HINSTANCE). </a:t>
+            </a:r>
+            <a:br>
+              <a:rPr lang="pt-BR" baseline="0" dirty="0"/>
+            </a:br>
+            <a:r>
+              <a:rPr lang="pt-BR" baseline="0" dirty="0"/>
+              <a:t>Ele pega o identificador da </a:t>
+            </a:r>
+            <a:r>
+              <a:rPr lang="pt-BR" baseline="0"/>
+              <a:t>aplicação que está </a:t>
+            </a:r>
+            <a:r>
+              <a:rPr lang="pt-BR" baseline="0" dirty="0"/>
+              <a:t>executando.</a:t>
             </a:r>
             <a:endParaRPr lang="pt-BR" dirty="0"/>
           </a:p>
@@ -3137,7 +3820,7 @@
             <a:fld id="{EF334A8D-C5BE-432D-90D0-92D67DD437AB}" type="slidenum">
               <a:rPr lang="pt-BR" smtClean="0"/>
               <a:pPr/>
-              <a:t>12</a:t>
+              <a:t>10</a:t>
             </a:fld>
             <a:endParaRPr lang="pt-BR"/>
           </a:p>
@@ -3146,7 +3829,7 @@
     </p:spTree>
     <p:extLst>
       <p:ext uri="{BB962C8B-B14F-4D97-AF65-F5344CB8AC3E}">
-        <p14:creationId xmlns:p14="http://schemas.microsoft.com/office/powerpoint/2010/main" val="3742296260"/>
+        <p14:creationId xmlns:p14="http://schemas.microsoft.com/office/powerpoint/2010/main" val="2698893073"/>
       </p:ext>
     </p:extLst>
   </p:cSld>
@@ -3207,11 +3890,11 @@
           <a:p>
             <a:r>
               <a:rPr lang="pt-BR" dirty="0"/>
-              <a:t>Esse valor de 32 bits é</a:t>
+              <a:t>O valor de 32 bits é usado para passar</a:t>
             </a:r>
             <a:r>
               <a:rPr lang="pt-BR" baseline="0" dirty="0"/>
-              <a:t> o mesmo passado na função EnumDevices. Ele é recebido na função callback e pode ser usado como o endereço de uma lista que guardará os dispositivos encontrados.</a:t>
+              <a:t> o endereço de uma lista que armazenará os diapositivos encontrados.</a:t>
             </a:r>
             <a:endParaRPr lang="pt-BR" dirty="0"/>
           </a:p>
@@ -3235,7 +3918,7 @@
             <a:fld id="{EF334A8D-C5BE-432D-90D0-92D67DD437AB}" type="slidenum">
               <a:rPr lang="pt-BR" smtClean="0"/>
               <a:pPr/>
-              <a:t>15</a:t>
+              <a:t>13</a:t>
             </a:fld>
             <a:endParaRPr lang="pt-BR"/>
           </a:p>
@@ -3244,7 +3927,7 @@
     </p:spTree>
     <p:extLst>
       <p:ext uri="{BB962C8B-B14F-4D97-AF65-F5344CB8AC3E}">
-        <p14:creationId xmlns:p14="http://schemas.microsoft.com/office/powerpoint/2010/main" val="2703194105"/>
+        <p14:creationId xmlns:p14="http://schemas.microsoft.com/office/powerpoint/2010/main" val="3742296260"/>
       </p:ext>
     </p:extLst>
   </p:cSld>
@@ -3303,6 +3986,14 @@
           <a:bodyPr/>
           <a:lstStyle/>
           <a:p>
+            <a:r>
+              <a:rPr lang="pt-BR" dirty="0"/>
+              <a:t>Esse valor de 32 bits é</a:t>
+            </a:r>
+            <a:r>
+              <a:rPr lang="pt-BR" baseline="0" dirty="0"/>
+              <a:t> o mesmo passado na função EnumDevices. Ele é recebido na função callback e pode ser usado como o endereço de uma lista que guardará os dispositivos encontrados.</a:t>
+            </a:r>
             <a:endParaRPr lang="pt-BR" dirty="0"/>
           </a:p>
         </p:txBody>
@@ -3393,22 +4084,6 @@
           <a:bodyPr/>
           <a:lstStyle/>
           <a:p>
-            <a:r>
-              <a:rPr lang="pt-BR" dirty="0"/>
-              <a:t>O formato de dados</a:t>
-            </a:r>
-            <a:r>
-              <a:rPr lang="pt-BR" baseline="0" dirty="0"/>
-              <a:t> especifica como o </a:t>
-            </a:r>
-            <a:r>
-              <a:rPr lang="pt-BR" baseline="0" dirty="0" err="1"/>
-              <a:t>Directinput</a:t>
-            </a:r>
-            <a:r>
-              <a:rPr lang="pt-BR" baseline="0" dirty="0"/>
-              <a:t> vai retornar os dados do controle. Ele pode ser o mesmo independentemente do controle utilizado.</a:t>
-            </a:r>
             <a:endParaRPr lang="pt-BR" dirty="0"/>
           </a:p>
         </p:txBody>
@@ -3431,7 +4106,7 @@
             <a:fld id="{EF334A8D-C5BE-432D-90D0-92D67DD437AB}" type="slidenum">
               <a:rPr lang="pt-BR" smtClean="0"/>
               <a:pPr/>
-              <a:t>18</a:t>
+              <a:t>17</a:t>
             </a:fld>
             <a:endParaRPr lang="pt-BR"/>
           </a:p>
@@ -3440,7 +4115,7 @@
     </p:spTree>
     <p:extLst>
       <p:ext uri="{BB962C8B-B14F-4D97-AF65-F5344CB8AC3E}">
-        <p14:creationId xmlns:p14="http://schemas.microsoft.com/office/powerpoint/2010/main" val="3932127841"/>
+        <p14:creationId xmlns:p14="http://schemas.microsoft.com/office/powerpoint/2010/main" val="2703194105"/>
       </p:ext>
     </p:extLst>
   </p:cSld>
@@ -3501,11 +4176,19 @@
           <a:p>
             <a:r>
               <a:rPr lang="pt-BR" dirty="0"/>
-              <a:t>A zona</a:t>
+              <a:t>O formato de dados</a:t>
             </a:r>
             <a:r>
               <a:rPr lang="pt-BR" baseline="0" dirty="0"/>
-              <a:t> morta é configurada sempre em relação a uma faixa entre 0-10000 independentemente do valor da faixa de movimento. Assim um valor 2000 representa 20% da faixa ao redor do centro será zona morta.</a:t>
+              <a:t> especifica como o </a:t>
+            </a:r>
+            <a:r>
+              <a:rPr lang="pt-BR" baseline="0" dirty="0" err="1"/>
+              <a:t>Directinput</a:t>
+            </a:r>
+            <a:r>
+              <a:rPr lang="pt-BR" baseline="0" dirty="0"/>
+              <a:t> vai retornar os dados do controle. Ele pode ser o mesmo independentemente do controle utilizado.</a:t>
             </a:r>
             <a:endParaRPr lang="pt-BR" dirty="0"/>
           </a:p>
@@ -3529,7 +4212,7 @@
             <a:fld id="{EF334A8D-C5BE-432D-90D0-92D67DD437AB}" type="slidenum">
               <a:rPr lang="pt-BR" smtClean="0"/>
               <a:pPr/>
-              <a:t>23</a:t>
+              <a:t>19</a:t>
             </a:fld>
             <a:endParaRPr lang="pt-BR"/>
           </a:p>
@@ -3538,7 +4221,7 @@
     </p:spTree>
     <p:extLst>
       <p:ext uri="{BB962C8B-B14F-4D97-AF65-F5344CB8AC3E}">
-        <p14:creationId xmlns:p14="http://schemas.microsoft.com/office/powerpoint/2010/main" val="2474762074"/>
+        <p14:creationId xmlns:p14="http://schemas.microsoft.com/office/powerpoint/2010/main" val="3932127841"/>
       </p:ext>
     </p:extLst>
   </p:cSld>
@@ -4483,7 +5166,7 @@
             <a:fld id="{B41ABA4E-CD72-497B-97AA-7213B3980F60}" type="datetimeFigureOut">
               <a:rPr lang="en-US" smtClean="0"/>
               <a:pPr/>
-              <a:t>9/30/2021</a:t>
+              <a:t>10/5/2021</a:t>
             </a:fld>
             <a:endParaRPr lang="en-US" dirty="0"/>
           </a:p>
@@ -4660,7 +5343,7 @@
             <a:fld id="{B41ABA4E-CD72-497B-97AA-7213B3980F60}" type="datetimeFigureOut">
               <a:rPr lang="en-US" smtClean="0"/>
               <a:pPr/>
-              <a:t>9/30/2021</a:t>
+              <a:t>10/5/2021</a:t>
             </a:fld>
             <a:endParaRPr lang="en-US" dirty="0"/>
           </a:p>
@@ -4856,7 +5539,7 @@
             <a:fld id="{B41ABA4E-CD72-497B-97AA-7213B3980F60}" type="datetimeFigureOut">
               <a:rPr lang="en-US" smtClean="0"/>
               <a:pPr/>
-              <a:t>9/30/2021</a:t>
+              <a:t>10/5/2021</a:t>
             </a:fld>
             <a:endParaRPr lang="en-US" dirty="0"/>
           </a:p>
@@ -5117,7 +5800,7 @@
             <a:fld id="{B41ABA4E-CD72-497B-97AA-7213B3980F60}" type="datetimeFigureOut">
               <a:rPr lang="en-US" smtClean="0"/>
               <a:pPr/>
-              <a:t>9/30/2021</a:t>
+              <a:t>10/5/2021</a:t>
             </a:fld>
             <a:endParaRPr lang="en-US" dirty="0"/>
           </a:p>
@@ -5518,7 +6201,7 @@
             <a:fld id="{B41ABA4E-CD72-497B-97AA-7213B3980F60}" type="datetimeFigureOut">
               <a:rPr lang="en-US" smtClean="0"/>
               <a:pPr/>
-              <a:t>9/30/2021</a:t>
+              <a:t>10/5/2021</a:t>
             </a:fld>
             <a:endParaRPr lang="en-US" dirty="0"/>
           </a:p>
@@ -5958,7 +6641,7 @@
             <a:fld id="{B41ABA4E-CD72-497B-97AA-7213B3980F60}" type="datetimeFigureOut">
               <a:rPr lang="en-US" smtClean="0"/>
               <a:pPr/>
-              <a:t>9/30/2021</a:t>
+              <a:t>10/5/2021</a:t>
             </a:fld>
             <a:endParaRPr lang="en-US" dirty="0"/>
           </a:p>
@@ -6055,7 +6738,7 @@
             <a:fld id="{B41ABA4E-CD72-497B-97AA-7213B3980F60}" type="datetimeFigureOut">
               <a:rPr lang="en-US" smtClean="0"/>
               <a:pPr/>
-              <a:t>9/30/2021</a:t>
+              <a:t>10/5/2021</a:t>
             </a:fld>
             <a:endParaRPr lang="en-US" dirty="0"/>
           </a:p>
@@ -6170,7 +6853,7 @@
             <a:fld id="{B41ABA4E-CD72-497B-97AA-7213B3980F60}" type="datetimeFigureOut">
               <a:rPr lang="en-US" smtClean="0"/>
               <a:pPr/>
-              <a:t>9/30/2021</a:t>
+              <a:t>10/5/2021</a:t>
             </a:fld>
             <a:endParaRPr lang="en-US" dirty="0"/>
           </a:p>
@@ -6440,7 +7123,7 @@
             <a:fld id="{B41ABA4E-CD72-497B-97AA-7213B3980F60}" type="datetimeFigureOut">
               <a:rPr lang="en-US" smtClean="0"/>
               <a:pPr/>
-              <a:t>9/30/2021</a:t>
+              <a:t>10/5/2021</a:t>
             </a:fld>
             <a:endParaRPr lang="en-US" dirty="0"/>
           </a:p>
@@ -6643,7 +7326,7 @@
             <a:fld id="{B41ABA4E-CD72-497B-97AA-7213B3980F60}" type="datetimeFigureOut">
               <a:rPr lang="en-US" smtClean="0"/>
               <a:pPr/>
-              <a:t>9/30/2021</a:t>
+              <a:t>10/5/2021</a:t>
             </a:fld>
             <a:endParaRPr lang="en-US" dirty="0"/>
           </a:p>
@@ -7838,7 +8521,7 @@
             <a:fld id="{B41ABA4E-CD72-497B-97AA-7213B3980F60}" type="datetimeFigureOut">
               <a:rPr lang="en-US" smtClean="0"/>
               <a:pPr/>
-              <a:t>9/30/2021</a:t>
+              <a:t>10/5/2021</a:t>
             </a:fld>
             <a:endParaRPr lang="en-US" dirty="0"/>
           </a:p>
@@ -8819,6 +9502,9 @@
   <p:clrMapOvr>
     <a:masterClrMapping/>
   </p:clrMapOvr>
+  <p:transition spd="slow">
+    <p:wipe/>
+  </p:transition>
 </p:sld>
 </file>
 
@@ -8912,48 +9598,6 @@
             </a:r>
           </a:p>
           <a:p>
-            <a:pPr>
-              <a:spcAft>
-                <a:spcPts val="600"/>
-              </a:spcAft>
-            </a:pPr>
-            <a:r>
-              <a:rPr lang="pt-BR" dirty="0"/>
-              <a:t>O DirectInput obtém os identificadores através da </a:t>
-            </a:r>
-            <a:r>
-              <a:rPr lang="pt-BR" dirty="0">
-                <a:solidFill>
-                  <a:schemeClr val="accent1">
-                    <a:lumMod val="75000"/>
-                  </a:schemeClr>
-                </a:solidFill>
-              </a:rPr>
-              <a:t>enumeração dos dispositivos</a:t>
-            </a:r>
-          </a:p>
-          <a:p>
-            <a:pPr lvl="1"/>
-            <a:r>
-              <a:rPr lang="pt-BR" dirty="0"/>
-              <a:t>A enumeração usa uma função tipo CALLBACK:</a:t>
-            </a:r>
-          </a:p>
-          <a:p>
-            <a:pPr lvl="2"/>
-            <a:r>
-              <a:rPr lang="pt-BR" dirty="0"/>
-              <a:t>É chamada por um programa externo</a:t>
-            </a:r>
-          </a:p>
-          <a:p>
-            <a:pPr lvl="2"/>
-            <a:r>
-              <a:rPr lang="pt-BR" dirty="0"/>
-              <a:t>O DirectInput a chama cada vez que encontra um novo dispositivo</a:t>
-            </a:r>
-          </a:p>
-          <a:p>
             <a:pPr lvl="1"/>
             <a:endParaRPr lang="pt-BR" dirty="0"/>
           </a:p>
@@ -8981,6 +9625,200 @@
           </a:p>
         </p:txBody>
       </p:sp>
+      <p:sp>
+        <p:nvSpPr>
+          <p:cNvPr id="13" name="CaixaDeTexto 12">
+            <a:extLst>
+              <a:ext uri="{FF2B5EF4-FFF2-40B4-BE49-F238E27FC236}">
+                <a16:creationId xmlns:a16="http://schemas.microsoft.com/office/drawing/2014/main" id="{BD6D22BD-5196-44FA-BB4D-EEE4A1B98620}"/>
+              </a:ext>
+            </a:extLst>
+          </p:cNvPr>
+          <p:cNvSpPr txBox="1"/>
+          <p:nvPr/>
+        </p:nvSpPr>
+        <p:spPr>
+          <a:xfrm>
+            <a:off x="1833193" y="4617684"/>
+            <a:ext cx="2195179" cy="646967"/>
+          </a:xfrm>
+          <a:prstGeom prst="rect">
+            <a:avLst/>
+          </a:prstGeom>
+          <a:noFill/>
+        </p:spPr>
+        <p:txBody>
+          <a:bodyPr wrap="square">
+            <a:spAutoFit/>
+          </a:bodyPr>
+          <a:lstStyle/>
+          <a:p>
+            <a:pPr algn="ctr"/>
+            <a:r>
+              <a:rPr lang="pt-BR" dirty="0">
+                <a:solidFill>
+                  <a:schemeClr val="bg1">
+                    <a:lumMod val="75000"/>
+                  </a:schemeClr>
+                </a:solidFill>
+              </a:rPr>
+              <a:t>Cada dispositivo tem um GUID</a:t>
+            </a:r>
+          </a:p>
+        </p:txBody>
+      </p:sp>
+      <p:pic>
+        <p:nvPicPr>
+          <p:cNvPr id="15" name="Imagem 14">
+            <a:extLst>
+              <a:ext uri="{FF2B5EF4-FFF2-40B4-BE49-F238E27FC236}">
+                <a16:creationId xmlns:a16="http://schemas.microsoft.com/office/drawing/2014/main" id="{A30E1DEE-2EBD-47D1-94EB-78D6B5CBC6D4}"/>
+              </a:ext>
+            </a:extLst>
+          </p:cNvPr>
+          <p:cNvPicPr>
+            <a:picLocks noChangeAspect="1"/>
+          </p:cNvPicPr>
+          <p:nvPr/>
+        </p:nvPicPr>
+        <p:blipFill>
+          <a:blip r:embed="rId2" cstate="print">
+            <a:grayscl/>
+            <a:extLst>
+              <a:ext uri="{28A0092B-C50C-407E-A947-70E740481C1C}">
+                <a14:useLocalDpi xmlns:a14="http://schemas.microsoft.com/office/drawing/2010/main" val="0"/>
+              </a:ext>
+            </a:extLst>
+          </a:blip>
+          <a:stretch>
+            <a:fillRect/>
+          </a:stretch>
+        </p:blipFill>
+        <p:spPr>
+          <a:xfrm>
+            <a:off x="4367808" y="5132183"/>
+            <a:ext cx="1016440" cy="868649"/>
+          </a:xfrm>
+          <a:prstGeom prst="rect">
+            <a:avLst/>
+          </a:prstGeom>
+        </p:spPr>
+      </p:pic>
+      <p:pic>
+        <p:nvPicPr>
+          <p:cNvPr id="16" name="Imagem 15">
+            <a:extLst>
+              <a:ext uri="{FF2B5EF4-FFF2-40B4-BE49-F238E27FC236}">
+                <a16:creationId xmlns:a16="http://schemas.microsoft.com/office/drawing/2014/main" id="{104D2E5B-88DE-407C-ACB1-E8469A0E0C98}"/>
+              </a:ext>
+            </a:extLst>
+          </p:cNvPr>
+          <p:cNvPicPr>
+            <a:picLocks noChangeAspect="1"/>
+          </p:cNvPicPr>
+          <p:nvPr/>
+        </p:nvPicPr>
+        <p:blipFill>
+          <a:blip r:embed="rId3">
+            <a:extLst>
+              <a:ext uri="{BEBA8EAE-BF5A-486C-A8C5-ECC9F3942E4B}">
+                <a14:imgProps xmlns:a14="http://schemas.microsoft.com/office/drawing/2010/main">
+                  <a14:imgLayer r:embed="rId4">
+                    <a14:imgEffect>
+                      <a14:sharpenSoften amount="50000"/>
+                    </a14:imgEffect>
+                  </a14:imgLayer>
+                </a14:imgProps>
+              </a:ext>
+              <a:ext uri="{28A0092B-C50C-407E-A947-70E740481C1C}">
+                <a14:useLocalDpi xmlns:a14="http://schemas.microsoft.com/office/drawing/2010/main" val="0"/>
+              </a:ext>
+            </a:extLst>
+          </a:blip>
+          <a:srcRect/>
+          <a:stretch/>
+        </p:blipFill>
+        <p:spPr>
+          <a:xfrm>
+            <a:off x="6528048" y="4941168"/>
+            <a:ext cx="1257995" cy="1250680"/>
+          </a:xfrm>
+          <a:prstGeom prst="rect">
+            <a:avLst/>
+          </a:prstGeom>
+        </p:spPr>
+      </p:pic>
+      <p:pic>
+        <p:nvPicPr>
+          <p:cNvPr id="17" name="Imagem 16">
+            <a:extLst>
+              <a:ext uri="{FF2B5EF4-FFF2-40B4-BE49-F238E27FC236}">
+                <a16:creationId xmlns:a16="http://schemas.microsoft.com/office/drawing/2014/main" id="{6BB37202-B5B6-4C98-9D8D-8C3A1D306105}"/>
+              </a:ext>
+            </a:extLst>
+          </p:cNvPr>
+          <p:cNvPicPr>
+            <a:picLocks noChangeAspect="1"/>
+          </p:cNvPicPr>
+          <p:nvPr/>
+        </p:nvPicPr>
+        <p:blipFill rotWithShape="1">
+          <a:blip r:embed="rId5">
+            <a:extLst>
+              <a:ext uri="{28A0092B-C50C-407E-A947-70E740481C1C}">
+                <a14:useLocalDpi xmlns:a14="http://schemas.microsoft.com/office/drawing/2010/main" val="0"/>
+              </a:ext>
+            </a:extLst>
+          </a:blip>
+          <a:srcRect l="32163" t="46092"/>
+          <a:stretch/>
+        </p:blipFill>
+        <p:spPr>
+          <a:xfrm>
+            <a:off x="7814788" y="4725144"/>
+            <a:ext cx="1013686" cy="735808"/>
+          </a:xfrm>
+          <a:prstGeom prst="rect">
+            <a:avLst/>
+          </a:prstGeom>
+        </p:spPr>
+      </p:pic>
+      <p:pic>
+        <p:nvPicPr>
+          <p:cNvPr id="18" name="Imagem 17">
+            <a:extLst>
+              <a:ext uri="{FF2B5EF4-FFF2-40B4-BE49-F238E27FC236}">
+                <a16:creationId xmlns:a16="http://schemas.microsoft.com/office/drawing/2014/main" id="{7B6465E8-1FD3-40E3-90ED-A0B2DF0B1B1D}"/>
+              </a:ext>
+            </a:extLst>
+          </p:cNvPr>
+          <p:cNvPicPr>
+            <a:picLocks noChangeAspect="1"/>
+          </p:cNvPicPr>
+          <p:nvPr/>
+        </p:nvPicPr>
+        <p:blipFill>
+          <a:blip r:embed="rId6">
+            <a:extLst>
+              <a:ext uri="{28A0092B-C50C-407E-A947-70E740481C1C}">
+                <a14:useLocalDpi xmlns:a14="http://schemas.microsoft.com/office/drawing/2010/main" val="0"/>
+              </a:ext>
+            </a:extLst>
+          </a:blip>
+          <a:stretch>
+            <a:fillRect/>
+          </a:stretch>
+        </p:blipFill>
+        <p:spPr>
+          <a:xfrm>
+            <a:off x="5010615" y="3861048"/>
+            <a:ext cx="3034866" cy="1364927"/>
+          </a:xfrm>
+          <a:prstGeom prst="rect">
+            <a:avLst/>
+          </a:prstGeom>
+        </p:spPr>
+      </p:pic>
     </p:spTree>
     <p:extLst>
       <p:ext uri="{BB962C8B-B14F-4D97-AF65-F5344CB8AC3E}">
@@ -8991,10 +9829,657 @@
   <p:clrMapOvr>
     <a:masterClrMapping/>
   </p:clrMapOvr>
+  <p:transition spd="slow">
+    <p:wipe/>
+  </p:transition>
 </p:sld>
 </file>
 
 <file path=ppt/slides/slide12.xml><?xml version="1.0" encoding="utf-8"?>
+<p:sld xmlns:a="http://schemas.openxmlformats.org/drawingml/2006/main" xmlns:r="http://schemas.openxmlformats.org/officeDocument/2006/relationships" xmlns:p="http://schemas.openxmlformats.org/presentationml/2006/main">
+  <p:cSld>
+    <p:spTree>
+      <p:nvGrpSpPr>
+        <p:cNvPr id="1" name=""/>
+        <p:cNvGrpSpPr/>
+        <p:nvPr/>
+      </p:nvGrpSpPr>
+      <p:grpSpPr>
+        <a:xfrm>
+          <a:off x="0" y="0"/>
+          <a:ext cx="0" cy="0"/>
+          <a:chOff x="0" y="0"/>
+          <a:chExt cx="0" cy="0"/>
+        </a:xfrm>
+      </p:grpSpPr>
+      <p:grpSp>
+        <p:nvGrpSpPr>
+          <p:cNvPr id="64" name="Agrupar 63">
+            <a:extLst>
+              <a:ext uri="{FF2B5EF4-FFF2-40B4-BE49-F238E27FC236}">
+                <a16:creationId xmlns:a16="http://schemas.microsoft.com/office/drawing/2014/main" id="{8A122285-DFC0-4B77-A762-AFB80DF98520}"/>
+              </a:ext>
+            </a:extLst>
+          </p:cNvPr>
+          <p:cNvGrpSpPr/>
+          <p:nvPr/>
+        </p:nvGrpSpPr>
+        <p:grpSpPr>
+          <a:xfrm>
+            <a:off x="1640027" y="4405265"/>
+            <a:ext cx="2380334" cy="432048"/>
+            <a:chOff x="2999656" y="4221088"/>
+            <a:chExt cx="2380334" cy="432048"/>
+          </a:xfrm>
+        </p:grpSpPr>
+        <p:sp>
+          <p:nvSpPr>
+            <p:cNvPr id="61" name="Retângulo 60">
+              <a:extLst>
+                <a:ext uri="{FF2B5EF4-FFF2-40B4-BE49-F238E27FC236}">
+                  <a16:creationId xmlns:a16="http://schemas.microsoft.com/office/drawing/2014/main" id="{24A49831-817E-4095-8756-39D5A246D16B}"/>
+                </a:ext>
+              </a:extLst>
+            </p:cNvPr>
+            <p:cNvSpPr/>
+            <p:nvPr/>
+          </p:nvSpPr>
+          <p:spPr>
+            <a:xfrm>
+              <a:off x="2999656" y="4221088"/>
+              <a:ext cx="792088" cy="432048"/>
+            </a:xfrm>
+            <a:prstGeom prst="rect">
+              <a:avLst/>
+            </a:prstGeom>
+            <a:solidFill>
+              <a:schemeClr val="accent1">
+                <a:lumMod val="50000"/>
+              </a:schemeClr>
+            </a:solidFill>
+            <a:ln>
+              <a:solidFill>
+                <a:schemeClr val="accent1">
+                  <a:lumMod val="20000"/>
+                  <a:lumOff val="80000"/>
+                </a:schemeClr>
+              </a:solidFill>
+            </a:ln>
+          </p:spPr>
+          <p:style>
+            <a:lnRef idx="1">
+              <a:schemeClr val="accent1"/>
+            </a:lnRef>
+            <a:fillRef idx="3">
+              <a:schemeClr val="accent1"/>
+            </a:fillRef>
+            <a:effectRef idx="2">
+              <a:schemeClr val="accent1"/>
+            </a:effectRef>
+            <a:fontRef idx="minor">
+              <a:schemeClr val="lt1"/>
+            </a:fontRef>
+          </p:style>
+          <p:txBody>
+            <a:bodyPr rtlCol="0" anchor="ctr"/>
+            <a:lstStyle/>
+            <a:p>
+              <a:pPr algn="ctr"/>
+              <a:endParaRPr lang="pt-BR"/>
+            </a:p>
+          </p:txBody>
+        </p:sp>
+        <p:sp>
+          <p:nvSpPr>
+            <p:cNvPr id="62" name="Retângulo 61">
+              <a:extLst>
+                <a:ext uri="{FF2B5EF4-FFF2-40B4-BE49-F238E27FC236}">
+                  <a16:creationId xmlns:a16="http://schemas.microsoft.com/office/drawing/2014/main" id="{A2E2A9CE-DE81-4BE8-A490-5C06AC79CF1C}"/>
+                </a:ext>
+              </a:extLst>
+            </p:cNvPr>
+            <p:cNvSpPr/>
+            <p:nvPr/>
+          </p:nvSpPr>
+          <p:spPr>
+            <a:xfrm>
+              <a:off x="3791744" y="4221088"/>
+              <a:ext cx="792088" cy="432048"/>
+            </a:xfrm>
+            <a:prstGeom prst="rect">
+              <a:avLst/>
+            </a:prstGeom>
+            <a:solidFill>
+              <a:schemeClr val="accent1">
+                <a:lumMod val="50000"/>
+              </a:schemeClr>
+            </a:solidFill>
+            <a:ln>
+              <a:solidFill>
+                <a:schemeClr val="accent1">
+                  <a:lumMod val="20000"/>
+                  <a:lumOff val="80000"/>
+                </a:schemeClr>
+              </a:solidFill>
+            </a:ln>
+          </p:spPr>
+          <p:style>
+            <a:lnRef idx="1">
+              <a:schemeClr val="accent1"/>
+            </a:lnRef>
+            <a:fillRef idx="3">
+              <a:schemeClr val="accent1"/>
+            </a:fillRef>
+            <a:effectRef idx="2">
+              <a:schemeClr val="accent1"/>
+            </a:effectRef>
+            <a:fontRef idx="minor">
+              <a:schemeClr val="lt1"/>
+            </a:fontRef>
+          </p:style>
+          <p:txBody>
+            <a:bodyPr rtlCol="0" anchor="ctr"/>
+            <a:lstStyle/>
+            <a:p>
+              <a:pPr algn="ctr"/>
+              <a:endParaRPr lang="pt-BR"/>
+            </a:p>
+          </p:txBody>
+        </p:sp>
+        <p:sp>
+          <p:nvSpPr>
+            <p:cNvPr id="63" name="Retângulo 62">
+              <a:extLst>
+                <a:ext uri="{FF2B5EF4-FFF2-40B4-BE49-F238E27FC236}">
+                  <a16:creationId xmlns:a16="http://schemas.microsoft.com/office/drawing/2014/main" id="{47FC62BD-2E1B-4E2F-A92E-8692F250E248}"/>
+                </a:ext>
+              </a:extLst>
+            </p:cNvPr>
+            <p:cNvSpPr/>
+            <p:nvPr/>
+          </p:nvSpPr>
+          <p:spPr>
+            <a:xfrm>
+              <a:off x="4587902" y="4221088"/>
+              <a:ext cx="792088" cy="432048"/>
+            </a:xfrm>
+            <a:prstGeom prst="rect">
+              <a:avLst/>
+            </a:prstGeom>
+            <a:solidFill>
+              <a:schemeClr val="accent1">
+                <a:lumMod val="50000"/>
+              </a:schemeClr>
+            </a:solidFill>
+            <a:ln>
+              <a:solidFill>
+                <a:schemeClr val="accent1">
+                  <a:lumMod val="20000"/>
+                  <a:lumOff val="80000"/>
+                </a:schemeClr>
+              </a:solidFill>
+            </a:ln>
+          </p:spPr>
+          <p:style>
+            <a:lnRef idx="1">
+              <a:schemeClr val="accent1"/>
+            </a:lnRef>
+            <a:fillRef idx="3">
+              <a:schemeClr val="accent1"/>
+            </a:fillRef>
+            <a:effectRef idx="2">
+              <a:schemeClr val="accent1"/>
+            </a:effectRef>
+            <a:fontRef idx="minor">
+              <a:schemeClr val="lt1"/>
+            </a:fontRef>
+          </p:style>
+          <p:txBody>
+            <a:bodyPr rtlCol="0" anchor="ctr"/>
+            <a:lstStyle/>
+            <a:p>
+              <a:pPr algn="ctr"/>
+              <a:endParaRPr lang="pt-BR"/>
+            </a:p>
+          </p:txBody>
+        </p:sp>
+      </p:grpSp>
+      <p:sp>
+        <p:nvSpPr>
+          <p:cNvPr id="2" name="Espaço Reservado para Conteúdo 1"/>
+          <p:cNvSpPr>
+            <a:spLocks noGrp="1"/>
+          </p:cNvSpPr>
+          <p:nvPr>
+            <p:ph idx="1"/>
+          </p:nvPr>
+        </p:nvSpPr>
+        <p:spPr/>
+        <p:txBody>
+          <a:bodyPr>
+            <a:normAutofit/>
+          </a:bodyPr>
+          <a:lstStyle/>
+          <a:p>
+            <a:pPr>
+              <a:spcAft>
+                <a:spcPts val="600"/>
+              </a:spcAft>
+            </a:pPr>
+            <a:r>
+              <a:rPr lang="pt-BR" dirty="0"/>
+              <a:t>O DirectInput obtém os identificadores </a:t>
+            </a:r>
+            <a:br>
+              <a:rPr lang="pt-BR" dirty="0"/>
+            </a:br>
+            <a:r>
+              <a:rPr lang="pt-BR" dirty="0"/>
+              <a:t>através da </a:t>
+            </a:r>
+            <a:r>
+              <a:rPr lang="pt-BR" dirty="0">
+                <a:solidFill>
+                  <a:schemeClr val="accent1">
+                    <a:lumMod val="75000"/>
+                  </a:schemeClr>
+                </a:solidFill>
+              </a:rPr>
+              <a:t>enumeração dos dispositivos</a:t>
+            </a:r>
+          </a:p>
+          <a:p>
+            <a:pPr lvl="1"/>
+            <a:r>
+              <a:rPr lang="pt-BR" dirty="0"/>
+              <a:t>A enumeração usa uma função tipo CALLBACK:</a:t>
+            </a:r>
+          </a:p>
+          <a:p>
+            <a:pPr lvl="2"/>
+            <a:r>
+              <a:rPr lang="pt-BR" dirty="0"/>
+              <a:t>É chamada por um programa externo</a:t>
+            </a:r>
+          </a:p>
+          <a:p>
+            <a:pPr lvl="2"/>
+            <a:r>
+              <a:rPr lang="pt-BR" dirty="0"/>
+              <a:t>O DirectInput a chama cada vez que </a:t>
+            </a:r>
+            <a:br>
+              <a:rPr lang="pt-BR" dirty="0"/>
+            </a:br>
+            <a:r>
+              <a:rPr lang="pt-BR" dirty="0"/>
+              <a:t>encontra um novo dispositivo</a:t>
+            </a:r>
+          </a:p>
+          <a:p>
+            <a:pPr lvl="1"/>
+            <a:endParaRPr lang="pt-BR" dirty="0"/>
+          </a:p>
+        </p:txBody>
+      </p:sp>
+      <p:sp>
+        <p:nvSpPr>
+          <p:cNvPr id="3" name="Título 2"/>
+          <p:cNvSpPr>
+            <a:spLocks noGrp="1"/>
+          </p:cNvSpPr>
+          <p:nvPr>
+            <p:ph type="title"/>
+          </p:nvPr>
+        </p:nvSpPr>
+        <p:spPr/>
+        <p:txBody>
+          <a:bodyPr/>
+          <a:lstStyle/>
+          <a:p>
+            <a:r>
+              <a:rPr lang="pt-BR" dirty="0"/>
+              <a:t>Enumeração de Dispositivos</a:t>
+            </a:r>
+          </a:p>
+        </p:txBody>
+      </p:sp>
+      <p:pic>
+        <p:nvPicPr>
+          <p:cNvPr id="4" name="Imagem 3">
+            <a:extLst>
+              <a:ext uri="{FF2B5EF4-FFF2-40B4-BE49-F238E27FC236}">
+                <a16:creationId xmlns:a16="http://schemas.microsoft.com/office/drawing/2014/main" id="{8E157169-DADF-42F8-8EB6-67B0A7512DC9}"/>
+              </a:ext>
+            </a:extLst>
+          </p:cNvPr>
+          <p:cNvPicPr>
+            <a:picLocks noChangeAspect="1"/>
+          </p:cNvPicPr>
+          <p:nvPr/>
+        </p:nvPicPr>
+        <p:blipFill>
+          <a:blip r:embed="rId2" cstate="print">
+            <a:grayscl/>
+            <a:extLst>
+              <a:ext uri="{28A0092B-C50C-407E-A947-70E740481C1C}">
+                <a14:useLocalDpi xmlns:a14="http://schemas.microsoft.com/office/drawing/2010/main" val="0"/>
+              </a:ext>
+            </a:extLst>
+          </a:blip>
+          <a:stretch>
+            <a:fillRect/>
+          </a:stretch>
+        </p:blipFill>
+        <p:spPr>
+          <a:xfrm>
+            <a:off x="10219224" y="4732941"/>
+            <a:ext cx="1016440" cy="868649"/>
+          </a:xfrm>
+          <a:prstGeom prst="rect">
+            <a:avLst/>
+          </a:prstGeom>
+        </p:spPr>
+      </p:pic>
+      <p:pic>
+        <p:nvPicPr>
+          <p:cNvPr id="37" name="Imagem 36">
+            <a:extLst>
+              <a:ext uri="{FF2B5EF4-FFF2-40B4-BE49-F238E27FC236}">
+                <a16:creationId xmlns:a16="http://schemas.microsoft.com/office/drawing/2014/main" id="{5DEFF604-2EB0-4332-8BBA-20B65F30D7D7}"/>
+              </a:ext>
+            </a:extLst>
+          </p:cNvPr>
+          <p:cNvPicPr>
+            <a:picLocks noChangeAspect="1"/>
+          </p:cNvPicPr>
+          <p:nvPr/>
+        </p:nvPicPr>
+        <p:blipFill>
+          <a:blip r:embed="rId3">
+            <a:extLst>
+              <a:ext uri="{BEBA8EAE-BF5A-486C-A8C5-ECC9F3942E4B}">
+                <a14:imgProps xmlns:a14="http://schemas.microsoft.com/office/drawing/2010/main">
+                  <a14:imgLayer r:embed="rId4">
+                    <a14:imgEffect>
+                      <a14:sharpenSoften amount="50000"/>
+                    </a14:imgEffect>
+                    <a14:imgEffect>
+                      <a14:brightnessContrast bright="-20000" contrast="-20000"/>
+                    </a14:imgEffect>
+                  </a14:imgLayer>
+                </a14:imgProps>
+              </a:ext>
+              <a:ext uri="{28A0092B-C50C-407E-A947-70E740481C1C}">
+                <a14:useLocalDpi xmlns:a14="http://schemas.microsoft.com/office/drawing/2010/main" val="0"/>
+              </a:ext>
+            </a:extLst>
+          </a:blip>
+          <a:srcRect/>
+          <a:stretch/>
+        </p:blipFill>
+        <p:spPr>
+          <a:xfrm>
+            <a:off x="7004637" y="3212976"/>
+            <a:ext cx="1662527" cy="1662527"/>
+          </a:xfrm>
+          <a:prstGeom prst="rect">
+            <a:avLst/>
+          </a:prstGeom>
+        </p:spPr>
+      </p:pic>
+      <p:pic>
+        <p:nvPicPr>
+          <p:cNvPr id="38" name="Imagem 37">
+            <a:extLst>
+              <a:ext uri="{FF2B5EF4-FFF2-40B4-BE49-F238E27FC236}">
+                <a16:creationId xmlns:a16="http://schemas.microsoft.com/office/drawing/2014/main" id="{D42F3381-BF14-4038-84A2-F8BC7AFF4C4E}"/>
+              </a:ext>
+            </a:extLst>
+          </p:cNvPr>
+          <p:cNvPicPr>
+            <a:picLocks noChangeAspect="1"/>
+          </p:cNvPicPr>
+          <p:nvPr/>
+        </p:nvPicPr>
+        <p:blipFill>
+          <a:blip r:embed="rId5">
+            <a:extLst>
+              <a:ext uri="{BEBA8EAE-BF5A-486C-A8C5-ECC9F3942E4B}">
+                <a14:imgProps xmlns:a14="http://schemas.microsoft.com/office/drawing/2010/main">
+                  <a14:imgLayer r:embed="rId6">
+                    <a14:imgEffect>
+                      <a14:sharpenSoften amount="50000"/>
+                    </a14:imgEffect>
+                  </a14:imgLayer>
+                </a14:imgProps>
+              </a:ext>
+              <a:ext uri="{28A0092B-C50C-407E-A947-70E740481C1C}">
+                <a14:useLocalDpi xmlns:a14="http://schemas.microsoft.com/office/drawing/2010/main" val="0"/>
+              </a:ext>
+            </a:extLst>
+          </a:blip>
+          <a:srcRect/>
+          <a:stretch/>
+        </p:blipFill>
+        <p:spPr>
+          <a:xfrm>
+            <a:off x="8866786" y="3777664"/>
+            <a:ext cx="1257995" cy="1250680"/>
+          </a:xfrm>
+          <a:prstGeom prst="rect">
+            <a:avLst/>
+          </a:prstGeom>
+        </p:spPr>
+      </p:pic>
+      <p:cxnSp>
+        <p:nvCxnSpPr>
+          <p:cNvPr id="55" name="Conector: Angulado 54">
+            <a:extLst>
+              <a:ext uri="{FF2B5EF4-FFF2-40B4-BE49-F238E27FC236}">
+                <a16:creationId xmlns:a16="http://schemas.microsoft.com/office/drawing/2014/main" id="{F21EB856-9128-4B31-B2F2-0B7D7BA61837}"/>
+              </a:ext>
+            </a:extLst>
+          </p:cNvPr>
+          <p:cNvCxnSpPr>
+            <a:cxnSpLocks/>
+            <a:endCxn id="37" idx="2"/>
+          </p:cNvCxnSpPr>
+          <p:nvPr/>
+        </p:nvCxnSpPr>
+        <p:spPr>
+          <a:xfrm rot="16200000" flipH="1">
+            <a:off x="5605097" y="2644699"/>
+            <a:ext cx="250024" cy="4211584"/>
+          </a:xfrm>
+          <a:prstGeom prst="bentConnector3">
+            <a:avLst>
+              <a:gd name="adj1" fmla="val 191431"/>
+            </a:avLst>
+          </a:prstGeom>
+          <a:ln w="19050">
+            <a:solidFill>
+              <a:schemeClr val="accent1">
+                <a:lumMod val="75000"/>
+              </a:schemeClr>
+            </a:solidFill>
+            <a:headEnd type="oval" w="med" len="med"/>
+            <a:tailEnd type="arrow" w="med" len="med"/>
+          </a:ln>
+        </p:spPr>
+        <p:style>
+          <a:lnRef idx="1">
+            <a:schemeClr val="accent1"/>
+          </a:lnRef>
+          <a:fillRef idx="0">
+            <a:schemeClr val="accent1"/>
+          </a:fillRef>
+          <a:effectRef idx="0">
+            <a:schemeClr val="accent1"/>
+          </a:effectRef>
+          <a:fontRef idx="minor">
+            <a:schemeClr val="tx1"/>
+          </a:fontRef>
+        </p:style>
+      </p:cxnSp>
+      <p:cxnSp>
+        <p:nvCxnSpPr>
+          <p:cNvPr id="57" name="Conector: Angulado 56">
+            <a:extLst>
+              <a:ext uri="{FF2B5EF4-FFF2-40B4-BE49-F238E27FC236}">
+                <a16:creationId xmlns:a16="http://schemas.microsoft.com/office/drawing/2014/main" id="{6A519275-890C-4DAD-9E5A-9643366E0A1C}"/>
+              </a:ext>
+            </a:extLst>
+          </p:cNvPr>
+          <p:cNvCxnSpPr>
+            <a:cxnSpLocks/>
+            <a:endCxn id="38" idx="2"/>
+          </p:cNvCxnSpPr>
+          <p:nvPr/>
+        </p:nvCxnSpPr>
+        <p:spPr>
+          <a:xfrm rot="16200000" flipH="1">
+            <a:off x="5960539" y="1493098"/>
+            <a:ext cx="402865" cy="6667625"/>
+          </a:xfrm>
+          <a:prstGeom prst="bentConnector3">
+            <a:avLst>
+              <a:gd name="adj1" fmla="val 205679"/>
+            </a:avLst>
+          </a:prstGeom>
+          <a:ln w="19050">
+            <a:solidFill>
+              <a:schemeClr val="accent1">
+                <a:lumMod val="75000"/>
+              </a:schemeClr>
+            </a:solidFill>
+            <a:headEnd type="oval" w="med" len="med"/>
+            <a:tailEnd type="arrow" w="med" len="med"/>
+          </a:ln>
+        </p:spPr>
+        <p:style>
+          <a:lnRef idx="1">
+            <a:schemeClr val="accent1"/>
+          </a:lnRef>
+          <a:fillRef idx="0">
+            <a:schemeClr val="accent1"/>
+          </a:fillRef>
+          <a:effectRef idx="0">
+            <a:schemeClr val="accent1"/>
+          </a:effectRef>
+          <a:fontRef idx="minor">
+            <a:schemeClr val="tx1"/>
+          </a:fontRef>
+        </p:style>
+      </p:cxnSp>
+      <p:cxnSp>
+        <p:nvCxnSpPr>
+          <p:cNvPr id="59" name="Conector: Angulado 58">
+            <a:extLst>
+              <a:ext uri="{FF2B5EF4-FFF2-40B4-BE49-F238E27FC236}">
+                <a16:creationId xmlns:a16="http://schemas.microsoft.com/office/drawing/2014/main" id="{0666DAB5-1EB8-4F1F-A76D-5CA179C4E4AE}"/>
+              </a:ext>
+            </a:extLst>
+          </p:cNvPr>
+          <p:cNvCxnSpPr>
+            <a:cxnSpLocks/>
+            <a:endCxn id="4" idx="2"/>
+          </p:cNvCxnSpPr>
+          <p:nvPr/>
+        </p:nvCxnSpPr>
+        <p:spPr>
+          <a:xfrm rot="16200000" flipH="1">
+            <a:off x="5893702" y="767847"/>
+            <a:ext cx="976111" cy="8691373"/>
+          </a:xfrm>
+          <a:prstGeom prst="bentConnector3">
+            <a:avLst>
+              <a:gd name="adj1" fmla="val 123419"/>
+            </a:avLst>
+          </a:prstGeom>
+          <a:ln w="19050">
+            <a:solidFill>
+              <a:schemeClr val="accent1">
+                <a:lumMod val="75000"/>
+              </a:schemeClr>
+            </a:solidFill>
+            <a:headEnd type="oval" w="med" len="med"/>
+            <a:tailEnd type="arrow" w="med" len="med"/>
+          </a:ln>
+        </p:spPr>
+        <p:style>
+          <a:lnRef idx="1">
+            <a:schemeClr val="accent1"/>
+          </a:lnRef>
+          <a:fillRef idx="0">
+            <a:schemeClr val="accent1"/>
+          </a:fillRef>
+          <a:effectRef idx="0">
+            <a:schemeClr val="accent1"/>
+          </a:effectRef>
+          <a:fontRef idx="minor">
+            <a:schemeClr val="tx1"/>
+          </a:fontRef>
+        </p:style>
+      </p:cxnSp>
+      <p:sp>
+        <p:nvSpPr>
+          <p:cNvPr id="65" name="CaixaDeTexto 64">
+            <a:extLst>
+              <a:ext uri="{FF2B5EF4-FFF2-40B4-BE49-F238E27FC236}">
+                <a16:creationId xmlns:a16="http://schemas.microsoft.com/office/drawing/2014/main" id="{79FC7898-AC9C-47B9-8715-104E49A1E4C4}"/>
+              </a:ext>
+            </a:extLst>
+          </p:cNvPr>
+          <p:cNvSpPr txBox="1"/>
+          <p:nvPr/>
+        </p:nvSpPr>
+        <p:spPr>
+          <a:xfrm>
+            <a:off x="1559496" y="4035933"/>
+            <a:ext cx="1545616" cy="369332"/>
+          </a:xfrm>
+          <a:prstGeom prst="rect">
+            <a:avLst/>
+          </a:prstGeom>
+          <a:noFill/>
+        </p:spPr>
+        <p:txBody>
+          <a:bodyPr wrap="none" rtlCol="0">
+            <a:spAutoFit/>
+          </a:bodyPr>
+          <a:lstStyle/>
+          <a:p>
+            <a:r>
+              <a:rPr lang="pt-BR" dirty="0">
+                <a:solidFill>
+                  <a:schemeClr val="bg1">
+                    <a:lumMod val="75000"/>
+                  </a:schemeClr>
+                </a:solidFill>
+              </a:rPr>
+              <a:t>Dispositivos</a:t>
+            </a:r>
+          </a:p>
+        </p:txBody>
+      </p:sp>
+    </p:spTree>
+    <p:extLst>
+      <p:ext uri="{BB962C8B-B14F-4D97-AF65-F5344CB8AC3E}">
+        <p14:creationId xmlns:p14="http://schemas.microsoft.com/office/powerpoint/2010/main" val="3751435621"/>
+      </p:ext>
+    </p:extLst>
+  </p:cSld>
+  <p:clrMapOvr>
+    <a:masterClrMapping/>
+  </p:clrMapOvr>
+  <p:transition spd="slow">
+    <p:wipe/>
+  </p:transition>
+</p:sld>
+</file>
+
+<file path=ppt/slides/slide13.xml><?xml version="1.0" encoding="utf-8"?>
 <p:sld xmlns:a="http://schemas.openxmlformats.org/drawingml/2006/main" xmlns:r="http://schemas.openxmlformats.org/officeDocument/2006/relationships" xmlns:p="http://schemas.openxmlformats.org/presentationml/2006/main">
   <p:cSld>
     <p:spTree>
@@ -9668,10 +11153,13 @@
   <p:clrMapOvr>
     <a:masterClrMapping/>
   </p:clrMapOvr>
+  <p:transition spd="slow">
+    <p:wipe/>
+  </p:transition>
 </p:sld>
 </file>
 
-<file path=ppt/slides/slide13.xml><?xml version="1.0" encoding="utf-8"?>
+<file path=ppt/slides/slide14.xml><?xml version="1.0" encoding="utf-8"?>
 <p:sld xmlns:a="http://schemas.openxmlformats.org/drawingml/2006/main" xmlns:r="http://schemas.openxmlformats.org/officeDocument/2006/relationships" xmlns:p="http://schemas.openxmlformats.org/presentationml/2006/main">
   <p:cSld>
     <p:spTree>
@@ -10208,10 +11696,13 @@
   <p:clrMapOvr>
     <a:masterClrMapping/>
   </p:clrMapOvr>
+  <p:transition spd="slow">
+    <p:wipe/>
+  </p:transition>
 </p:sld>
 </file>
 
-<file path=ppt/slides/slide14.xml><?xml version="1.0" encoding="utf-8"?>
+<file path=ppt/slides/slide15.xml><?xml version="1.0" encoding="utf-8"?>
 <p:sld xmlns:a="http://schemas.openxmlformats.org/drawingml/2006/main" xmlns:r="http://schemas.openxmlformats.org/officeDocument/2006/relationships" xmlns:p="http://schemas.openxmlformats.org/presentationml/2006/main">
   <p:cSld>
     <p:spTree>
@@ -11177,10 +12668,13 @@
   <p:clrMapOvr>
     <a:masterClrMapping/>
   </p:clrMapOvr>
+  <p:transition spd="slow">
+    <p:wipe/>
+  </p:transition>
 </p:sld>
 </file>
 
-<file path=ppt/slides/slide15.xml><?xml version="1.0" encoding="utf-8"?>
+<file path=ppt/slides/slide16.xml><?xml version="1.0" encoding="utf-8"?>
 <p:sld xmlns:a="http://schemas.openxmlformats.org/drawingml/2006/main" xmlns:r="http://schemas.openxmlformats.org/officeDocument/2006/relationships" xmlns:p="http://schemas.openxmlformats.org/presentationml/2006/main">
   <p:cSld>
     <p:spTree>
@@ -11222,15 +12716,7 @@
             </a:r>
             <a:r>
               <a:rPr lang="pt-BR" dirty="0"/>
-              <a:t> a ser usada com </a:t>
-            </a:r>
-            <a:r>
-              <a:rPr lang="pt-BR" dirty="0" err="1"/>
-              <a:t>EnumDevices</a:t>
-            </a:r>
-            <a:r>
-              <a:rPr lang="pt-BR" dirty="0"/>
-              <a:t> </a:t>
+              <a:t> a ser usada com EnumDevices </a:t>
             </a:r>
             <a:br>
               <a:rPr lang="pt-BR" dirty="0"/>
@@ -11412,33 +12898,7 @@
                 <a:latin typeface="Consolas" pitchFamily="49" charset="0"/>
                 <a:cs typeface="Consolas" pitchFamily="49" charset="0"/>
               </a:rPr>
-              <a:t>// </a:t>
-            </a:r>
-            <a:r>
-              <a:rPr lang="pt-BR" sz="1600" dirty="0" err="1">
-                <a:solidFill>
-                  <a:schemeClr val="tx1">
-                    <a:lumMod val="75000"/>
-                    <a:lumOff val="25000"/>
-                  </a:schemeClr>
-                </a:solidFill>
-                <a:latin typeface="Consolas" pitchFamily="49" charset="0"/>
-                <a:cs typeface="Consolas" pitchFamily="49" charset="0"/>
-              </a:rPr>
-              <a:t>info</a:t>
-            </a:r>
-            <a:r>
-              <a:rPr lang="pt-BR" sz="1600" dirty="0">
-                <a:solidFill>
-                  <a:schemeClr val="tx1">
-                    <a:lumMod val="75000"/>
-                    <a:lumOff val="25000"/>
-                  </a:schemeClr>
-                </a:solidFill>
-                <a:latin typeface="Consolas" pitchFamily="49" charset="0"/>
-                <a:cs typeface="Consolas" pitchFamily="49" charset="0"/>
-              </a:rPr>
-              <a:t> do dispositivo encontrado</a:t>
+              <a:t>// info do dispositivo encontrado</a:t>
             </a:r>
           </a:p>
           <a:p>
@@ -11669,730 +13129,9 @@
   <p:clrMapOvr>
     <a:masterClrMapping/>
   </p:clrMapOvr>
-</p:sld>
-</file>
-
-<file path=ppt/slides/slide16.xml><?xml version="1.0" encoding="utf-8"?>
-<p:sld xmlns:a="http://schemas.openxmlformats.org/drawingml/2006/main" xmlns:r="http://schemas.openxmlformats.org/officeDocument/2006/relationships" xmlns:p="http://schemas.openxmlformats.org/presentationml/2006/main">
-  <p:cSld>
-    <p:spTree>
-      <p:nvGrpSpPr>
-        <p:cNvPr id="1" name=""/>
-        <p:cNvGrpSpPr/>
-        <p:nvPr/>
-      </p:nvGrpSpPr>
-      <p:grpSpPr>
-        <a:xfrm>
-          <a:off x="0" y="0"/>
-          <a:ext cx="0" cy="0"/>
-          <a:chOff x="0" y="0"/>
-          <a:chExt cx="0" cy="0"/>
-        </a:xfrm>
-      </p:grpSpPr>
-      <p:sp>
-        <p:nvSpPr>
-          <p:cNvPr id="2" name="Espaço Reservado para Conteúdo 1"/>
-          <p:cNvSpPr>
-            <a:spLocks noGrp="1"/>
-          </p:cNvSpPr>
-          <p:nvPr>
-            <p:ph idx="1"/>
-          </p:nvPr>
-        </p:nvSpPr>
-        <p:spPr/>
-        <p:txBody>
-          <a:bodyPr/>
-          <a:lstStyle/>
-          <a:p>
-            <a:r>
-              <a:rPr lang="pt-BR" dirty="0"/>
-              <a:t>A </a:t>
-            </a:r>
-            <a:r>
-              <a:rPr lang="pt-BR" dirty="0">
-                <a:solidFill>
-                  <a:schemeClr val="accent1">
-                    <a:lumMod val="75000"/>
-                  </a:schemeClr>
-                </a:solidFill>
-              </a:rPr>
-              <a:t>função </a:t>
-            </a:r>
-            <a:r>
-              <a:rPr lang="pt-BR" cap="small" dirty="0">
-                <a:solidFill>
-                  <a:schemeClr val="accent1">
-                    <a:lumMod val="75000"/>
-                  </a:schemeClr>
-                </a:solidFill>
-              </a:rPr>
-              <a:t>callback</a:t>
-            </a:r>
-            <a:r>
-              <a:rPr lang="pt-BR" dirty="0">
-                <a:solidFill>
-                  <a:schemeClr val="accent1">
-                    <a:lumMod val="75000"/>
-                  </a:schemeClr>
-                </a:solidFill>
-              </a:rPr>
-              <a:t> </a:t>
-            </a:r>
-            <a:r>
-              <a:rPr lang="pt-BR" dirty="0"/>
-              <a:t>abaixo insere os dispositivos </a:t>
-            </a:r>
-            <a:br>
-              <a:rPr lang="pt-BR" dirty="0"/>
-            </a:br>
-            <a:r>
-              <a:rPr lang="pt-BR" dirty="0"/>
-              <a:t>encontrados em uma </a:t>
-            </a:r>
-            <a:r>
-              <a:rPr lang="pt-BR" dirty="0">
-                <a:solidFill>
-                  <a:schemeClr val="accent1">
-                    <a:lumMod val="75000"/>
-                  </a:schemeClr>
-                </a:solidFill>
-              </a:rPr>
-              <a:t>lista</a:t>
-            </a:r>
-            <a:r>
-              <a:rPr lang="pt-BR" dirty="0"/>
-              <a:t>:</a:t>
-            </a:r>
-          </a:p>
-        </p:txBody>
-      </p:sp>
-      <p:sp>
-        <p:nvSpPr>
-          <p:cNvPr id="3" name="Título 2"/>
-          <p:cNvSpPr>
-            <a:spLocks noGrp="1"/>
-          </p:cNvSpPr>
-          <p:nvPr>
-            <p:ph type="title"/>
-          </p:nvPr>
-        </p:nvSpPr>
-        <p:spPr/>
-        <p:txBody>
-          <a:bodyPr/>
-          <a:lstStyle/>
-          <a:p>
-            <a:r>
-              <a:rPr lang="pt-BR" dirty="0"/>
-              <a:t>Enumeração de Dispositivos</a:t>
-            </a:r>
-          </a:p>
-        </p:txBody>
-      </p:sp>
-      <p:sp>
-        <p:nvSpPr>
-          <p:cNvPr id="6" name="Retângulo 5"/>
-          <p:cNvSpPr/>
-          <p:nvPr/>
-        </p:nvSpPr>
-        <p:spPr>
-          <a:xfrm>
-            <a:off x="1055440" y="2564904"/>
-            <a:ext cx="7848872" cy="3323987"/>
-          </a:xfrm>
-          <a:prstGeom prst="rect">
-            <a:avLst/>
-          </a:prstGeom>
-        </p:spPr>
-        <p:txBody>
-          <a:bodyPr wrap="square">
-            <a:spAutoFit/>
-          </a:bodyPr>
-          <a:lstStyle/>
-          <a:p>
-            <a:r>
-              <a:rPr lang="pt-BR" sz="1400" dirty="0">
-                <a:solidFill>
-                  <a:schemeClr val="accent1">
-                    <a:lumMod val="75000"/>
-                  </a:schemeClr>
-                </a:solidFill>
-                <a:latin typeface="Consolas" pitchFamily="49" charset="0"/>
-                <a:cs typeface="Consolas" pitchFamily="49" charset="0"/>
-              </a:rPr>
-              <a:t>BOOL CALLBACK </a:t>
-            </a:r>
-            <a:r>
-              <a:rPr lang="pt-BR" sz="1400" dirty="0">
-                <a:solidFill>
-                  <a:schemeClr val="bg1"/>
-                </a:solidFill>
-                <a:latin typeface="Consolas" pitchFamily="49" charset="0"/>
-                <a:cs typeface="Consolas" pitchFamily="49" charset="0"/>
-              </a:rPr>
-              <a:t>EnumerateControllers(</a:t>
-            </a:r>
-            <a:r>
-              <a:rPr lang="pt-BR" sz="1400" dirty="0">
-                <a:solidFill>
-                  <a:schemeClr val="accent1">
-                    <a:lumMod val="75000"/>
-                  </a:schemeClr>
-                </a:solidFill>
-                <a:latin typeface="Consolas" pitchFamily="49" charset="0"/>
-                <a:cs typeface="Consolas" pitchFamily="49" charset="0"/>
-              </a:rPr>
-              <a:t>LPCDIDEVICEINSTANCE</a:t>
-            </a:r>
-            <a:r>
-              <a:rPr lang="pt-BR" sz="1400" dirty="0">
-                <a:solidFill>
-                  <a:schemeClr val="bg1"/>
-                </a:solidFill>
-                <a:latin typeface="Consolas" pitchFamily="49" charset="0"/>
-                <a:cs typeface="Consolas" pitchFamily="49" charset="0"/>
-              </a:rPr>
-              <a:t> </a:t>
-            </a:r>
-            <a:r>
-              <a:rPr lang="pt-BR" sz="1400" dirty="0" err="1">
-                <a:solidFill>
-                  <a:schemeClr val="bg1"/>
-                </a:solidFill>
-                <a:latin typeface="Consolas" pitchFamily="49" charset="0"/>
-                <a:cs typeface="Consolas" pitchFamily="49" charset="0"/>
-              </a:rPr>
-              <a:t>lpDDi</a:t>
-            </a:r>
-            <a:r>
-              <a:rPr lang="pt-BR" sz="1400" dirty="0">
-                <a:solidFill>
-                  <a:schemeClr val="bg1"/>
-                </a:solidFill>
-                <a:latin typeface="Consolas" pitchFamily="49" charset="0"/>
-                <a:cs typeface="Consolas" pitchFamily="49" charset="0"/>
-              </a:rPr>
-              <a:t>, </a:t>
-            </a:r>
-            <a:r>
-              <a:rPr lang="pt-BR" sz="1400" dirty="0">
-                <a:solidFill>
-                  <a:schemeClr val="accent1">
-                    <a:lumMod val="75000"/>
-                  </a:schemeClr>
-                </a:solidFill>
-                <a:latin typeface="Consolas" pitchFamily="49" charset="0"/>
-                <a:cs typeface="Consolas" pitchFamily="49" charset="0"/>
-              </a:rPr>
-              <a:t>LPVOID </a:t>
-            </a:r>
-            <a:r>
-              <a:rPr lang="pt-BR" sz="1400" dirty="0">
-                <a:solidFill>
-                  <a:schemeClr val="bg1"/>
-                </a:solidFill>
-                <a:latin typeface="Consolas" pitchFamily="49" charset="0"/>
-                <a:cs typeface="Consolas" pitchFamily="49" charset="0"/>
-              </a:rPr>
-              <a:t>data)</a:t>
-            </a:r>
-          </a:p>
-          <a:p>
-            <a:r>
-              <a:rPr lang="pt-BR" sz="1400" dirty="0">
-                <a:solidFill>
-                  <a:schemeClr val="bg1"/>
-                </a:solidFill>
-                <a:latin typeface="Consolas" pitchFamily="49" charset="0"/>
-                <a:cs typeface="Consolas" pitchFamily="49" charset="0"/>
-              </a:rPr>
-              <a:t>{</a:t>
-            </a:r>
-          </a:p>
-          <a:p>
-            <a:r>
-              <a:rPr lang="pt-BR" sz="1400" dirty="0">
-                <a:solidFill>
-                  <a:schemeClr val="bg1"/>
-                </a:solidFill>
-                <a:latin typeface="Consolas" pitchFamily="49" charset="0"/>
-                <a:cs typeface="Consolas" pitchFamily="49" charset="0"/>
-              </a:rPr>
-              <a:t>    </a:t>
-            </a:r>
-            <a:r>
-              <a:rPr lang="pt-BR" sz="1400" dirty="0">
-                <a:solidFill>
-                  <a:schemeClr val="tx1">
-                    <a:lumMod val="75000"/>
-                    <a:lumOff val="25000"/>
-                  </a:schemeClr>
-                </a:solidFill>
-                <a:latin typeface="Consolas" pitchFamily="49" charset="0"/>
-                <a:cs typeface="Consolas" pitchFamily="49" charset="0"/>
-              </a:rPr>
-              <a:t>// registro que guarda nome e GUID do controle</a:t>
-            </a:r>
-          </a:p>
-          <a:p>
-            <a:r>
-              <a:rPr lang="pt-BR" sz="1400" dirty="0">
-                <a:solidFill>
-                  <a:schemeClr val="bg1"/>
-                </a:solidFill>
-                <a:latin typeface="Consolas" pitchFamily="49" charset="0"/>
-                <a:cs typeface="Consolas" pitchFamily="49" charset="0"/>
-              </a:rPr>
-              <a:t>    </a:t>
-            </a:r>
-            <a:r>
-              <a:rPr lang="pt-BR" sz="1400" dirty="0" err="1">
-                <a:solidFill>
-                  <a:schemeClr val="accent1">
-                    <a:lumMod val="75000"/>
-                  </a:schemeClr>
-                </a:solidFill>
-                <a:latin typeface="Consolas" pitchFamily="49" charset="0"/>
-                <a:cs typeface="Consolas" pitchFamily="49" charset="0"/>
-              </a:rPr>
-              <a:t>JoyInfo</a:t>
-            </a:r>
-            <a:r>
-              <a:rPr lang="pt-BR" sz="1400" dirty="0">
-                <a:solidFill>
-                  <a:schemeClr val="accent1">
-                    <a:lumMod val="75000"/>
-                  </a:schemeClr>
-                </a:solidFill>
-                <a:latin typeface="Consolas" pitchFamily="49" charset="0"/>
-                <a:cs typeface="Consolas" pitchFamily="49" charset="0"/>
-              </a:rPr>
-              <a:t> </a:t>
-            </a:r>
-            <a:r>
-              <a:rPr lang="pt-BR" sz="1400" dirty="0" err="1">
-                <a:solidFill>
-                  <a:schemeClr val="bg1"/>
-                </a:solidFill>
-                <a:latin typeface="Consolas" pitchFamily="49" charset="0"/>
-                <a:cs typeface="Consolas" pitchFamily="49" charset="0"/>
-              </a:rPr>
-              <a:t>joy</a:t>
-            </a:r>
-            <a:r>
-              <a:rPr lang="pt-BR" sz="1400" dirty="0">
-                <a:solidFill>
-                  <a:schemeClr val="bg1"/>
-                </a:solidFill>
-                <a:latin typeface="Consolas" pitchFamily="49" charset="0"/>
-                <a:cs typeface="Consolas" pitchFamily="49" charset="0"/>
-              </a:rPr>
-              <a:t>;</a:t>
-            </a:r>
-          </a:p>
-          <a:p>
-            <a:endParaRPr lang="pt-BR" sz="1400" dirty="0">
-              <a:solidFill>
-                <a:schemeClr val="bg1"/>
-              </a:solidFill>
-              <a:latin typeface="Consolas" pitchFamily="49" charset="0"/>
-              <a:cs typeface="Consolas" pitchFamily="49" charset="0"/>
-            </a:endParaRPr>
-          </a:p>
-          <a:p>
-            <a:r>
-              <a:rPr lang="pt-BR" sz="1400" dirty="0">
-                <a:solidFill>
-                  <a:schemeClr val="bg1"/>
-                </a:solidFill>
-                <a:latin typeface="Consolas" pitchFamily="49" charset="0"/>
-                <a:cs typeface="Consolas" pitchFamily="49" charset="0"/>
-              </a:rPr>
-              <a:t>    </a:t>
-            </a:r>
-            <a:r>
-              <a:rPr lang="pt-BR" sz="1400" dirty="0">
-                <a:solidFill>
-                  <a:schemeClr val="tx1">
-                    <a:lumMod val="75000"/>
-                    <a:lumOff val="25000"/>
-                  </a:schemeClr>
-                </a:solidFill>
-                <a:latin typeface="Consolas" pitchFamily="49" charset="0"/>
-                <a:cs typeface="Consolas" pitchFamily="49" charset="0"/>
-              </a:rPr>
-              <a:t>// copia o identificador e nome do dispositivo</a:t>
-            </a:r>
-          </a:p>
-          <a:p>
-            <a:r>
-              <a:rPr lang="pt-BR" sz="1400" dirty="0">
-                <a:solidFill>
-                  <a:schemeClr val="bg1"/>
-                </a:solidFill>
-                <a:latin typeface="Consolas" pitchFamily="49" charset="0"/>
-                <a:cs typeface="Consolas" pitchFamily="49" charset="0"/>
-              </a:rPr>
-              <a:t>    </a:t>
-            </a:r>
-            <a:r>
-              <a:rPr lang="pt-BR" sz="1400" dirty="0" err="1">
-                <a:solidFill>
-                  <a:schemeClr val="bg1"/>
-                </a:solidFill>
-                <a:latin typeface="Consolas" pitchFamily="49" charset="0"/>
-                <a:cs typeface="Consolas" pitchFamily="49" charset="0"/>
-              </a:rPr>
-              <a:t>joy.guid</a:t>
-            </a:r>
-            <a:r>
-              <a:rPr lang="pt-BR" sz="1400" dirty="0">
-                <a:solidFill>
-                  <a:schemeClr val="bg1"/>
-                </a:solidFill>
-                <a:latin typeface="Consolas" pitchFamily="49" charset="0"/>
-                <a:cs typeface="Consolas" pitchFamily="49" charset="0"/>
-              </a:rPr>
-              <a:t> = </a:t>
-            </a:r>
-            <a:r>
-              <a:rPr lang="pt-BR" sz="1400" dirty="0" err="1">
-                <a:solidFill>
-                  <a:schemeClr val="bg1"/>
-                </a:solidFill>
-                <a:latin typeface="Consolas" pitchFamily="49" charset="0"/>
-                <a:cs typeface="Consolas" pitchFamily="49" charset="0"/>
-              </a:rPr>
-              <a:t>lpDDi</a:t>
-            </a:r>
-            <a:r>
-              <a:rPr lang="pt-BR" sz="1400" dirty="0">
-                <a:solidFill>
-                  <a:schemeClr val="bg1"/>
-                </a:solidFill>
-                <a:latin typeface="Consolas" pitchFamily="49" charset="0"/>
-                <a:cs typeface="Consolas" pitchFamily="49" charset="0"/>
-              </a:rPr>
-              <a:t>-&gt;</a:t>
-            </a:r>
-            <a:r>
-              <a:rPr lang="pt-BR" sz="1400" dirty="0" err="1">
-                <a:solidFill>
-                  <a:schemeClr val="bg1"/>
-                </a:solidFill>
-                <a:latin typeface="Consolas" pitchFamily="49" charset="0"/>
-                <a:cs typeface="Consolas" pitchFamily="49" charset="0"/>
-              </a:rPr>
-              <a:t>guidInstance</a:t>
-            </a:r>
-            <a:r>
-              <a:rPr lang="pt-BR" sz="1400" dirty="0">
-                <a:solidFill>
-                  <a:schemeClr val="bg1"/>
-                </a:solidFill>
-                <a:latin typeface="Consolas" pitchFamily="49" charset="0"/>
-                <a:cs typeface="Consolas" pitchFamily="49" charset="0"/>
-              </a:rPr>
-              <a:t>;</a:t>
-            </a:r>
-          </a:p>
-          <a:p>
-            <a:r>
-              <a:rPr lang="pt-BR" sz="1400" dirty="0">
-                <a:solidFill>
-                  <a:schemeClr val="bg1"/>
-                </a:solidFill>
-                <a:latin typeface="Consolas" pitchFamily="49" charset="0"/>
-                <a:cs typeface="Consolas" pitchFamily="49" charset="0"/>
-              </a:rPr>
-              <a:t>    joy.name = </a:t>
-            </a:r>
-            <a:r>
-              <a:rPr lang="pt-BR" sz="1400" dirty="0" err="1">
-                <a:solidFill>
-                  <a:schemeClr val="bg1"/>
-                </a:solidFill>
-                <a:latin typeface="Consolas" pitchFamily="49" charset="0"/>
-                <a:cs typeface="Consolas" pitchFamily="49" charset="0"/>
-              </a:rPr>
-              <a:t>lpDDi</a:t>
-            </a:r>
-            <a:r>
-              <a:rPr lang="pt-BR" sz="1400" dirty="0">
-                <a:solidFill>
-                  <a:schemeClr val="bg1"/>
-                </a:solidFill>
-                <a:latin typeface="Consolas" pitchFamily="49" charset="0"/>
-                <a:cs typeface="Consolas" pitchFamily="49" charset="0"/>
-              </a:rPr>
-              <a:t>-&gt;</a:t>
-            </a:r>
-            <a:r>
-              <a:rPr lang="pt-BR" sz="1400" dirty="0" err="1">
-                <a:solidFill>
-                  <a:schemeClr val="bg1"/>
-                </a:solidFill>
-                <a:latin typeface="Consolas" pitchFamily="49" charset="0"/>
-                <a:cs typeface="Consolas" pitchFamily="49" charset="0"/>
-              </a:rPr>
-              <a:t>tszInstanceName</a:t>
-            </a:r>
-            <a:r>
-              <a:rPr lang="pt-BR" sz="1400" dirty="0">
-                <a:solidFill>
-                  <a:schemeClr val="bg1"/>
-                </a:solidFill>
-                <a:latin typeface="Consolas" pitchFamily="49" charset="0"/>
-                <a:cs typeface="Consolas" pitchFamily="49" charset="0"/>
-              </a:rPr>
-              <a:t>;</a:t>
-            </a:r>
-          </a:p>
-          <a:p>
-            <a:endParaRPr lang="pt-BR" sz="1400" dirty="0">
-              <a:solidFill>
-                <a:schemeClr val="bg1"/>
-              </a:solidFill>
-              <a:latin typeface="Consolas" pitchFamily="49" charset="0"/>
-              <a:cs typeface="Consolas" pitchFamily="49" charset="0"/>
-            </a:endParaRPr>
-          </a:p>
-          <a:p>
-            <a:r>
-              <a:rPr lang="pt-BR" sz="1400" dirty="0">
-                <a:solidFill>
-                  <a:schemeClr val="bg1"/>
-                </a:solidFill>
-                <a:latin typeface="Consolas" pitchFamily="49" charset="0"/>
-                <a:cs typeface="Consolas" pitchFamily="49" charset="0"/>
-              </a:rPr>
-              <a:t>    </a:t>
-            </a:r>
-            <a:r>
-              <a:rPr lang="pt-BR" sz="1400" dirty="0">
-                <a:solidFill>
-                  <a:schemeClr val="tx1">
-                    <a:lumMod val="75000"/>
-                    <a:lumOff val="25000"/>
-                  </a:schemeClr>
-                </a:solidFill>
-                <a:latin typeface="Consolas" pitchFamily="49" charset="0"/>
-                <a:cs typeface="Consolas" pitchFamily="49" charset="0"/>
-              </a:rPr>
-              <a:t>// coloca controle na lista</a:t>
-            </a:r>
-          </a:p>
-          <a:p>
-            <a:r>
-              <a:rPr lang="pt-BR" sz="1400" dirty="0">
-                <a:solidFill>
-                  <a:schemeClr val="bg1"/>
-                </a:solidFill>
-                <a:latin typeface="Consolas" pitchFamily="49" charset="0"/>
-                <a:cs typeface="Consolas" pitchFamily="49" charset="0"/>
-              </a:rPr>
-              <a:t>    ((</a:t>
-            </a:r>
-            <a:r>
-              <a:rPr lang="pt-BR" sz="1400" dirty="0" err="1">
-                <a:solidFill>
-                  <a:schemeClr val="accent1">
-                    <a:lumMod val="75000"/>
-                  </a:schemeClr>
-                </a:solidFill>
-                <a:latin typeface="Consolas" pitchFamily="49" charset="0"/>
-                <a:cs typeface="Consolas" pitchFamily="49" charset="0"/>
-              </a:rPr>
-              <a:t>list</a:t>
-            </a:r>
-            <a:r>
-              <a:rPr lang="pt-BR" sz="1400" dirty="0">
-                <a:solidFill>
-                  <a:schemeClr val="bg1"/>
-                </a:solidFill>
-                <a:latin typeface="Consolas" pitchFamily="49" charset="0"/>
-                <a:cs typeface="Consolas" pitchFamily="49" charset="0"/>
-              </a:rPr>
-              <a:t>&lt;</a:t>
-            </a:r>
-            <a:r>
-              <a:rPr lang="pt-BR" sz="1400" dirty="0" err="1">
-                <a:solidFill>
-                  <a:schemeClr val="accent1">
-                    <a:lumMod val="75000"/>
-                  </a:schemeClr>
-                </a:solidFill>
-                <a:latin typeface="Consolas" pitchFamily="49" charset="0"/>
-                <a:cs typeface="Consolas" pitchFamily="49" charset="0"/>
-              </a:rPr>
-              <a:t>JoyInfo</a:t>
-            </a:r>
-            <a:r>
-              <a:rPr lang="pt-BR" sz="1400" dirty="0">
-                <a:solidFill>
-                  <a:schemeClr val="bg1"/>
-                </a:solidFill>
-                <a:latin typeface="Consolas" pitchFamily="49" charset="0"/>
-                <a:cs typeface="Consolas" pitchFamily="49" charset="0"/>
-              </a:rPr>
-              <a:t>&gt;*) data)-&gt;</a:t>
-            </a:r>
-            <a:r>
-              <a:rPr lang="pt-BR" sz="1400" dirty="0" err="1">
-                <a:solidFill>
-                  <a:schemeClr val="bg1"/>
-                </a:solidFill>
-                <a:latin typeface="Consolas" pitchFamily="49" charset="0"/>
-                <a:cs typeface="Consolas" pitchFamily="49" charset="0"/>
-              </a:rPr>
-              <a:t>push_back</a:t>
-            </a:r>
-            <a:r>
-              <a:rPr lang="pt-BR" sz="1400" dirty="0">
-                <a:solidFill>
-                  <a:schemeClr val="bg1"/>
-                </a:solidFill>
-                <a:latin typeface="Consolas" pitchFamily="49" charset="0"/>
-                <a:cs typeface="Consolas" pitchFamily="49" charset="0"/>
-              </a:rPr>
-              <a:t>(</a:t>
-            </a:r>
-            <a:r>
-              <a:rPr lang="pt-BR" sz="1400" dirty="0" err="1">
-                <a:solidFill>
-                  <a:schemeClr val="bg1"/>
-                </a:solidFill>
-                <a:latin typeface="Consolas" pitchFamily="49" charset="0"/>
-                <a:cs typeface="Consolas" pitchFamily="49" charset="0"/>
-              </a:rPr>
-              <a:t>joy</a:t>
-            </a:r>
-            <a:r>
-              <a:rPr lang="pt-BR" sz="1400" dirty="0">
-                <a:solidFill>
-                  <a:schemeClr val="bg1"/>
-                </a:solidFill>
-                <a:latin typeface="Consolas" pitchFamily="49" charset="0"/>
-                <a:cs typeface="Consolas" pitchFamily="49" charset="0"/>
-              </a:rPr>
-              <a:t>);</a:t>
-            </a:r>
-          </a:p>
-          <a:p>
-            <a:endParaRPr lang="pt-BR" sz="1400" dirty="0">
-              <a:solidFill>
-                <a:schemeClr val="bg1"/>
-              </a:solidFill>
-              <a:latin typeface="Consolas" pitchFamily="49" charset="0"/>
-              <a:cs typeface="Consolas" pitchFamily="49" charset="0"/>
-            </a:endParaRPr>
-          </a:p>
-          <a:p>
-            <a:r>
-              <a:rPr lang="pt-BR" sz="1400" dirty="0">
-                <a:solidFill>
-                  <a:schemeClr val="bg1"/>
-                </a:solidFill>
-                <a:latin typeface="Consolas" pitchFamily="49" charset="0"/>
-                <a:cs typeface="Consolas" pitchFamily="49" charset="0"/>
-              </a:rPr>
-              <a:t>    </a:t>
-            </a:r>
-            <a:r>
-              <a:rPr lang="pt-BR" sz="1400" dirty="0">
-                <a:solidFill>
-                  <a:schemeClr val="tx1">
-                    <a:lumMod val="75000"/>
-                    <a:lumOff val="25000"/>
-                  </a:schemeClr>
-                </a:solidFill>
-                <a:latin typeface="Consolas" pitchFamily="49" charset="0"/>
-                <a:cs typeface="Consolas" pitchFamily="49" charset="0"/>
-              </a:rPr>
-              <a:t>// continua enumeração até o fim</a:t>
-            </a:r>
-          </a:p>
-          <a:p>
-            <a:r>
-              <a:rPr lang="pt-BR" sz="1400" dirty="0">
-                <a:solidFill>
-                  <a:schemeClr val="bg1"/>
-                </a:solidFill>
-                <a:latin typeface="Consolas" pitchFamily="49" charset="0"/>
-                <a:cs typeface="Consolas" pitchFamily="49" charset="0"/>
-              </a:rPr>
-              <a:t>    </a:t>
-            </a:r>
-            <a:r>
-              <a:rPr lang="pt-BR" sz="1400" dirty="0" err="1">
-                <a:solidFill>
-                  <a:schemeClr val="accent1">
-                    <a:lumMod val="75000"/>
-                  </a:schemeClr>
-                </a:solidFill>
-                <a:latin typeface="Consolas" pitchFamily="49" charset="0"/>
-                <a:cs typeface="Consolas" pitchFamily="49" charset="0"/>
-              </a:rPr>
-              <a:t>return</a:t>
-            </a:r>
-            <a:r>
-              <a:rPr lang="pt-BR" sz="1400" dirty="0">
-                <a:solidFill>
-                  <a:schemeClr val="accent1">
-                    <a:lumMod val="75000"/>
-                  </a:schemeClr>
-                </a:solidFill>
-                <a:latin typeface="Consolas" pitchFamily="49" charset="0"/>
-                <a:cs typeface="Consolas" pitchFamily="49" charset="0"/>
-              </a:rPr>
-              <a:t> </a:t>
-            </a:r>
-            <a:r>
-              <a:rPr lang="pt-BR" sz="1400" dirty="0">
-                <a:solidFill>
-                  <a:schemeClr val="accent4">
-                    <a:lumMod val="75000"/>
-                  </a:schemeClr>
-                </a:solidFill>
-                <a:latin typeface="Consolas" pitchFamily="49" charset="0"/>
-                <a:cs typeface="Consolas" pitchFamily="49" charset="0"/>
-              </a:rPr>
-              <a:t>DIENUM_CONTINUE</a:t>
-            </a:r>
-            <a:r>
-              <a:rPr lang="pt-BR" sz="1400" dirty="0">
-                <a:solidFill>
-                  <a:schemeClr val="bg1"/>
-                </a:solidFill>
-                <a:latin typeface="Consolas" pitchFamily="49" charset="0"/>
-                <a:cs typeface="Consolas" pitchFamily="49" charset="0"/>
-              </a:rPr>
-              <a:t>; </a:t>
-            </a:r>
-          </a:p>
-          <a:p>
-            <a:r>
-              <a:rPr lang="pt-BR" sz="1400" dirty="0">
-                <a:solidFill>
-                  <a:schemeClr val="bg1"/>
-                </a:solidFill>
-                <a:latin typeface="Consolas" pitchFamily="49" charset="0"/>
-                <a:cs typeface="Consolas" pitchFamily="49" charset="0"/>
-              </a:rPr>
-              <a:t>}</a:t>
-            </a:r>
-          </a:p>
-        </p:txBody>
-      </p:sp>
-    </p:spTree>
-    <p:extLst>
-      <p:ext uri="{BB962C8B-B14F-4D97-AF65-F5344CB8AC3E}">
-        <p14:creationId xmlns:p14="http://schemas.microsoft.com/office/powerpoint/2010/main" val="2869314165"/>
-      </p:ext>
-    </p:extLst>
-  </p:cSld>
-  <p:clrMapOvr>
-    <a:masterClrMapping/>
-  </p:clrMapOvr>
+  <p:transition spd="slow">
+    <p:wipe/>
+  </p:transition>
 </p:sld>
 </file>
 
@@ -12430,7 +13169,7 @@
           <a:p>
             <a:r>
               <a:rPr lang="pt-BR" dirty="0"/>
-              <a:t>Com o </a:t>
+              <a:t>A </a:t>
             </a:r>
             <a:r>
               <a:rPr lang="pt-BR" dirty="0">
@@ -12440,43 +13179,52 @@
                   </a:schemeClr>
                 </a:solidFill>
               </a:rPr>
-              <a:t>identificador</a:t>
-            </a:r>
-            <a:r>
-              <a:rPr lang="pt-BR" dirty="0"/>
-              <a:t>,</a:t>
-            </a:r>
-            <a:r>
-              <a:rPr lang="pt-BR" dirty="0">
+              <a:t>função </a:t>
+            </a:r>
+            <a:r>
+              <a:rPr lang="pt-BR" cap="small" dirty="0">
                 <a:solidFill>
                   <a:schemeClr val="accent1">
                     <a:lumMod val="75000"/>
                   </a:schemeClr>
                 </a:solidFill>
               </a:rPr>
+              <a:t>callback</a:t>
+            </a:r>
+            <a:r>
+              <a:rPr lang="pt-BR" dirty="0">
+                <a:solidFill>
+                  <a:schemeClr val="accent1">
+                    <a:lumMod val="75000"/>
+                  </a:schemeClr>
+                </a:solidFill>
+              </a:rPr>
               <a:t> </a:t>
             </a:r>
             <a:r>
               <a:rPr lang="pt-BR" dirty="0"/>
-              <a:t>podemos inicializar o controle:</a:t>
-            </a:r>
-          </a:p>
-          <a:p>
-            <a:endParaRPr lang="pt-BR" dirty="0"/>
-          </a:p>
-          <a:p>
-            <a:endParaRPr lang="pt-BR" dirty="0"/>
-          </a:p>
-          <a:p>
-            <a:endParaRPr lang="pt-BR" dirty="0"/>
-          </a:p>
-          <a:p>
-            <a:endParaRPr lang="pt-BR" dirty="0"/>
-          </a:p>
-          <a:p>
-            <a:r>
+              <a:t>abaixo insere os dispositivos </a:t>
+            </a:r>
+            <a:br>
               <a:rPr lang="pt-BR" dirty="0"/>
-              <a:t>Ajustando o nível de cooperação</a:t>
+            </a:br>
+            <a:r>
+              <a:rPr lang="pt-BR" dirty="0"/>
+              <a:t>encontrados em uma </a:t>
+            </a:r>
+            <a:r>
+              <a:rPr lang="pt-BR" dirty="0">
+                <a:solidFill>
+                  <a:schemeClr val="accent1">
+                    <a:lumMod val="75000"/>
+                  </a:schemeClr>
+                </a:solidFill>
+              </a:rPr>
+              <a:t>lista</a:t>
+            </a:r>
+            <a:r>
+              <a:rPr lang="pt-BR" dirty="0"/>
+              <a:t>:</a:t>
             </a:r>
           </a:p>
         </p:txBody>
@@ -12498,21 +13246,21 @@
           <a:p>
             <a:r>
               <a:rPr lang="pt-BR" dirty="0"/>
-              <a:t>Inicialização do Controle</a:t>
+              <a:t>Enumeração de Dispositivos</a:t>
             </a:r>
           </a:p>
         </p:txBody>
       </p:sp>
       <p:sp>
         <p:nvSpPr>
-          <p:cNvPr id="4" name="Retângulo 3"/>
+          <p:cNvPr id="6" name="Retângulo 5"/>
           <p:cNvSpPr/>
           <p:nvPr/>
         </p:nvSpPr>
         <p:spPr>
           <a:xfrm>
-            <a:off x="1055440" y="2060848"/>
-            <a:ext cx="9073008" cy="1569660"/>
+            <a:off x="1055440" y="2564904"/>
+            <a:ext cx="7848872" cy="3323987"/>
           </a:xfrm>
           <a:prstGeom prst="rect">
             <a:avLst/>
@@ -12525,7 +13273,7 @@
           <a:lstStyle/>
           <a:p>
             <a:r>
-              <a:rPr lang="pt-BR" sz="1600" dirty="0">
+              <a:rPr lang="pt-BR" sz="1400" dirty="0">
                 <a:solidFill>
                   <a:schemeClr val="accent1">
                     <a:lumMod val="75000"/>
@@ -12534,34 +13282,20 @@
                 <a:latin typeface="Consolas" pitchFamily="49" charset="0"/>
                 <a:cs typeface="Consolas" pitchFamily="49" charset="0"/>
               </a:rPr>
-              <a:t>LPDIRECTINPUTDEVICE8 </a:t>
-            </a:r>
-            <a:r>
-              <a:rPr lang="pt-BR" sz="1600" dirty="0" err="1">
-                <a:solidFill>
-                  <a:schemeClr val="bg1">
-                    <a:lumMod val="85000"/>
-                  </a:schemeClr>
-                </a:solidFill>
-                <a:latin typeface="Consolas" pitchFamily="49" charset="0"/>
-                <a:cs typeface="Consolas" pitchFamily="49" charset="0"/>
-              </a:rPr>
-              <a:t>joyDev</a:t>
-            </a:r>
-            <a:r>
-              <a:rPr lang="pt-BR" sz="1600" dirty="0">
-                <a:solidFill>
-                  <a:schemeClr val="bg1">
-                    <a:lumMod val="85000"/>
-                  </a:schemeClr>
-                </a:solidFill>
-                <a:latin typeface="Consolas" pitchFamily="49" charset="0"/>
-                <a:cs typeface="Consolas" pitchFamily="49" charset="0"/>
-              </a:rPr>
-              <a:t> = </a:t>
-            </a:r>
-            <a:r>
-              <a:rPr lang="pt-BR" sz="1600" dirty="0">
+              <a:t>BOOL CALLBACK </a:t>
+            </a:r>
+            <a:r>
+              <a:rPr lang="pt-BR" sz="1400" dirty="0">
+                <a:solidFill>
+                  <a:schemeClr val="bg1"/>
+                </a:solidFill>
+                <a:latin typeface="Consolas" pitchFamily="49" charset="0"/>
+                <a:cs typeface="Consolas" pitchFamily="49" charset="0"/>
+              </a:rPr>
+              <a:t>EnumerateControllers(</a:t>
+            </a:r>
+            <a:r>
+              <a:rPr lang="pt-BR" sz="1400" dirty="0">
                 <a:solidFill>
                   <a:schemeClr val="accent1">
                     <a:lumMod val="75000"/>
@@ -12570,38 +13304,316 @@
                 <a:latin typeface="Consolas" pitchFamily="49" charset="0"/>
                 <a:cs typeface="Consolas" pitchFamily="49" charset="0"/>
               </a:rPr>
-              <a:t>nullptr</a:t>
-            </a:r>
-            <a:r>
-              <a:rPr lang="pt-BR" sz="1600" dirty="0">
-                <a:solidFill>
-                  <a:schemeClr val="bg1">
-                    <a:lumMod val="85000"/>
-                  </a:schemeClr>
+              <a:t>LPCDIDEVICEINSTANCE</a:t>
+            </a:r>
+            <a:r>
+              <a:rPr lang="pt-BR" sz="1400" dirty="0">
+                <a:solidFill>
+                  <a:schemeClr val="bg1"/>
+                </a:solidFill>
+                <a:latin typeface="Consolas" pitchFamily="49" charset="0"/>
+                <a:cs typeface="Consolas" pitchFamily="49" charset="0"/>
+              </a:rPr>
+              <a:t> </a:t>
+            </a:r>
+            <a:r>
+              <a:rPr lang="pt-BR" sz="1400" dirty="0" err="1">
+                <a:solidFill>
+                  <a:schemeClr val="bg1"/>
+                </a:solidFill>
+                <a:latin typeface="Consolas" pitchFamily="49" charset="0"/>
+                <a:cs typeface="Consolas" pitchFamily="49" charset="0"/>
+              </a:rPr>
+              <a:t>lpDDi</a:t>
+            </a:r>
+            <a:r>
+              <a:rPr lang="pt-BR" sz="1400" dirty="0">
+                <a:solidFill>
+                  <a:schemeClr val="bg1"/>
+                </a:solidFill>
+                <a:latin typeface="Consolas" pitchFamily="49" charset="0"/>
+                <a:cs typeface="Consolas" pitchFamily="49" charset="0"/>
+              </a:rPr>
+              <a:t>, </a:t>
+            </a:r>
+            <a:r>
+              <a:rPr lang="pt-BR" sz="1400" dirty="0">
+                <a:solidFill>
+                  <a:schemeClr val="accent1">
+                    <a:lumMod val="75000"/>
+                  </a:schemeClr>
+                </a:solidFill>
+                <a:latin typeface="Consolas" pitchFamily="49" charset="0"/>
+                <a:cs typeface="Consolas" pitchFamily="49" charset="0"/>
+              </a:rPr>
+              <a:t>LPVOID </a:t>
+            </a:r>
+            <a:r>
+              <a:rPr lang="pt-BR" sz="1400" dirty="0">
+                <a:solidFill>
+                  <a:schemeClr val="bg1"/>
+                </a:solidFill>
+                <a:latin typeface="Consolas" pitchFamily="49" charset="0"/>
+                <a:cs typeface="Consolas" pitchFamily="49" charset="0"/>
+              </a:rPr>
+              <a:t>data)</a:t>
+            </a:r>
+          </a:p>
+          <a:p>
+            <a:r>
+              <a:rPr lang="pt-BR" sz="1400" dirty="0">
+                <a:solidFill>
+                  <a:schemeClr val="bg1"/>
+                </a:solidFill>
+                <a:latin typeface="Consolas" pitchFamily="49" charset="0"/>
+                <a:cs typeface="Consolas" pitchFamily="49" charset="0"/>
+              </a:rPr>
+              <a:t>{</a:t>
+            </a:r>
+          </a:p>
+          <a:p>
+            <a:r>
+              <a:rPr lang="pt-BR" sz="1400" dirty="0">
+                <a:solidFill>
+                  <a:schemeClr val="bg1"/>
+                </a:solidFill>
+                <a:latin typeface="Consolas" pitchFamily="49" charset="0"/>
+                <a:cs typeface="Consolas" pitchFamily="49" charset="0"/>
+              </a:rPr>
+              <a:t>    </a:t>
+            </a:r>
+            <a:r>
+              <a:rPr lang="pt-BR" sz="1400" dirty="0">
+                <a:solidFill>
+                  <a:schemeClr val="tx1">
+                    <a:lumMod val="75000"/>
+                    <a:lumOff val="25000"/>
+                  </a:schemeClr>
+                </a:solidFill>
+                <a:latin typeface="Consolas" pitchFamily="49" charset="0"/>
+                <a:cs typeface="Consolas" pitchFamily="49" charset="0"/>
+              </a:rPr>
+              <a:t>// registro que guarda nome e GUID do controle</a:t>
+            </a:r>
+          </a:p>
+          <a:p>
+            <a:r>
+              <a:rPr lang="pt-BR" sz="1400" dirty="0">
+                <a:solidFill>
+                  <a:schemeClr val="bg1"/>
+                </a:solidFill>
+                <a:latin typeface="Consolas" pitchFamily="49" charset="0"/>
+                <a:cs typeface="Consolas" pitchFamily="49" charset="0"/>
+              </a:rPr>
+              <a:t>    </a:t>
+            </a:r>
+            <a:r>
+              <a:rPr lang="pt-BR" sz="1400" dirty="0" err="1">
+                <a:solidFill>
+                  <a:schemeClr val="accent1">
+                    <a:lumMod val="75000"/>
+                  </a:schemeClr>
+                </a:solidFill>
+                <a:latin typeface="Consolas" pitchFamily="49" charset="0"/>
+                <a:cs typeface="Consolas" pitchFamily="49" charset="0"/>
+              </a:rPr>
+              <a:t>JoyInfo</a:t>
+            </a:r>
+            <a:r>
+              <a:rPr lang="pt-BR" sz="1400" dirty="0">
+                <a:solidFill>
+                  <a:schemeClr val="accent1">
+                    <a:lumMod val="75000"/>
+                  </a:schemeClr>
+                </a:solidFill>
+                <a:latin typeface="Consolas" pitchFamily="49" charset="0"/>
+                <a:cs typeface="Consolas" pitchFamily="49" charset="0"/>
+              </a:rPr>
+              <a:t> </a:t>
+            </a:r>
+            <a:r>
+              <a:rPr lang="pt-BR" sz="1400" dirty="0" err="1">
+                <a:solidFill>
+                  <a:schemeClr val="bg1"/>
+                </a:solidFill>
+                <a:latin typeface="Consolas" pitchFamily="49" charset="0"/>
+                <a:cs typeface="Consolas" pitchFamily="49" charset="0"/>
+              </a:rPr>
+              <a:t>joy</a:t>
+            </a:r>
+            <a:r>
+              <a:rPr lang="pt-BR" sz="1400" dirty="0">
+                <a:solidFill>
+                  <a:schemeClr val="bg1"/>
                 </a:solidFill>
                 <a:latin typeface="Consolas" pitchFamily="49" charset="0"/>
                 <a:cs typeface="Consolas" pitchFamily="49" charset="0"/>
               </a:rPr>
               <a:t>;</a:t>
             </a:r>
-            <a:endParaRPr lang="pt-BR" sz="1600" dirty="0">
+          </a:p>
+          <a:p>
+            <a:endParaRPr lang="pt-BR" sz="1400" dirty="0">
               <a:solidFill>
-                <a:schemeClr val="tx1">
-                  <a:lumMod val="75000"/>
-                  <a:lumOff val="25000"/>
-                </a:schemeClr>
+                <a:schemeClr val="bg1"/>
               </a:solidFill>
               <a:latin typeface="Consolas" pitchFamily="49" charset="0"/>
               <a:cs typeface="Consolas" pitchFamily="49" charset="0"/>
             </a:endParaRPr>
           </a:p>
           <a:p>
-            <a:endParaRPr lang="pt-BR" sz="1600" dirty="0">
+            <a:r>
+              <a:rPr lang="pt-BR" sz="1400" dirty="0">
+                <a:solidFill>
+                  <a:schemeClr val="bg1"/>
+                </a:solidFill>
+                <a:latin typeface="Consolas" pitchFamily="49" charset="0"/>
+                <a:cs typeface="Consolas" pitchFamily="49" charset="0"/>
+              </a:rPr>
+              <a:t>    </a:t>
+            </a:r>
+            <a:r>
+              <a:rPr lang="pt-BR" sz="1400" dirty="0">
+                <a:solidFill>
+                  <a:schemeClr val="tx1">
+                    <a:lumMod val="75000"/>
+                    <a:lumOff val="25000"/>
+                  </a:schemeClr>
+                </a:solidFill>
+                <a:latin typeface="Consolas" pitchFamily="49" charset="0"/>
+                <a:cs typeface="Consolas" pitchFamily="49" charset="0"/>
+              </a:rPr>
+              <a:t>// copia o identificador e nome do dispositivo</a:t>
+            </a:r>
+          </a:p>
+          <a:p>
+            <a:r>
+              <a:rPr lang="pt-BR" sz="1400" dirty="0">
+                <a:solidFill>
+                  <a:schemeClr val="bg1"/>
+                </a:solidFill>
+                <a:latin typeface="Consolas" pitchFamily="49" charset="0"/>
+                <a:cs typeface="Consolas" pitchFamily="49" charset="0"/>
+              </a:rPr>
+              <a:t>    </a:t>
+            </a:r>
+            <a:r>
+              <a:rPr lang="pt-BR" sz="1400" dirty="0" err="1">
+                <a:solidFill>
+                  <a:schemeClr val="bg1"/>
+                </a:solidFill>
+                <a:latin typeface="Consolas" pitchFamily="49" charset="0"/>
+                <a:cs typeface="Consolas" pitchFamily="49" charset="0"/>
+              </a:rPr>
+              <a:t>joy.guid</a:t>
+            </a:r>
+            <a:r>
+              <a:rPr lang="pt-BR" sz="1400" dirty="0">
+                <a:solidFill>
+                  <a:schemeClr val="bg1"/>
+                </a:solidFill>
+                <a:latin typeface="Consolas" pitchFamily="49" charset="0"/>
+                <a:cs typeface="Consolas" pitchFamily="49" charset="0"/>
+              </a:rPr>
+              <a:t> = </a:t>
+            </a:r>
+            <a:r>
+              <a:rPr lang="pt-BR" sz="1400" dirty="0" err="1">
+                <a:solidFill>
+                  <a:schemeClr val="bg1"/>
+                </a:solidFill>
+                <a:latin typeface="Consolas" pitchFamily="49" charset="0"/>
+                <a:cs typeface="Consolas" pitchFamily="49" charset="0"/>
+              </a:rPr>
+              <a:t>lpDDi</a:t>
+            </a:r>
+            <a:r>
+              <a:rPr lang="pt-BR" sz="1400" dirty="0">
+                <a:solidFill>
+                  <a:schemeClr val="bg1"/>
+                </a:solidFill>
+                <a:latin typeface="Consolas" pitchFamily="49" charset="0"/>
+                <a:cs typeface="Consolas" pitchFamily="49" charset="0"/>
+              </a:rPr>
+              <a:t>-&gt;</a:t>
+            </a:r>
+            <a:r>
+              <a:rPr lang="pt-BR" sz="1400" dirty="0" err="1">
+                <a:solidFill>
+                  <a:schemeClr val="bg1"/>
+                </a:solidFill>
+                <a:latin typeface="Consolas" pitchFamily="49" charset="0"/>
+                <a:cs typeface="Consolas" pitchFamily="49" charset="0"/>
+              </a:rPr>
+              <a:t>guidInstance</a:t>
+            </a:r>
+            <a:r>
+              <a:rPr lang="pt-BR" sz="1400" dirty="0">
+                <a:solidFill>
+                  <a:schemeClr val="bg1"/>
+                </a:solidFill>
+                <a:latin typeface="Consolas" pitchFamily="49" charset="0"/>
+                <a:cs typeface="Consolas" pitchFamily="49" charset="0"/>
+              </a:rPr>
+              <a:t>;</a:t>
+            </a:r>
+          </a:p>
+          <a:p>
+            <a:r>
+              <a:rPr lang="pt-BR" sz="1400" dirty="0">
+                <a:solidFill>
+                  <a:schemeClr val="bg1"/>
+                </a:solidFill>
+                <a:latin typeface="Consolas" pitchFamily="49" charset="0"/>
+                <a:cs typeface="Consolas" pitchFamily="49" charset="0"/>
+              </a:rPr>
+              <a:t>    joy.name = </a:t>
+            </a:r>
+            <a:r>
+              <a:rPr lang="pt-BR" sz="1400" dirty="0" err="1">
+                <a:solidFill>
+                  <a:schemeClr val="bg1"/>
+                </a:solidFill>
+                <a:latin typeface="Consolas" pitchFamily="49" charset="0"/>
+                <a:cs typeface="Consolas" pitchFamily="49" charset="0"/>
+              </a:rPr>
+              <a:t>lpDDi</a:t>
+            </a:r>
+            <a:r>
+              <a:rPr lang="pt-BR" sz="1400" dirty="0">
+                <a:solidFill>
+                  <a:schemeClr val="bg1"/>
+                </a:solidFill>
+                <a:latin typeface="Consolas" pitchFamily="49" charset="0"/>
+                <a:cs typeface="Consolas" pitchFamily="49" charset="0"/>
+              </a:rPr>
+              <a:t>-&gt;</a:t>
+            </a:r>
+            <a:r>
+              <a:rPr lang="pt-BR" sz="1400" dirty="0" err="1">
+                <a:solidFill>
+                  <a:schemeClr val="bg1"/>
+                </a:solidFill>
+                <a:latin typeface="Consolas" pitchFamily="49" charset="0"/>
+                <a:cs typeface="Consolas" pitchFamily="49" charset="0"/>
+              </a:rPr>
+              <a:t>tszInstanceName</a:t>
+            </a:r>
+            <a:r>
+              <a:rPr lang="pt-BR" sz="1400" dirty="0">
+                <a:solidFill>
+                  <a:schemeClr val="bg1"/>
+                </a:solidFill>
+                <a:latin typeface="Consolas" pitchFamily="49" charset="0"/>
+                <a:cs typeface="Consolas" pitchFamily="49" charset="0"/>
+              </a:rPr>
+              <a:t>;</a:t>
+            </a:r>
+          </a:p>
+          <a:p>
+            <a:endParaRPr lang="pt-BR" sz="1400" dirty="0">
               <a:solidFill>
-                <a:schemeClr val="tx1">
-                  <a:lumMod val="75000"/>
-                  <a:lumOff val="25000"/>
-                </a:schemeClr>
+                <a:schemeClr val="bg1"/>
               </a:solidFill>
               <a:latin typeface="Consolas" pitchFamily="49" charset="0"/>
               <a:cs typeface="Consolas" pitchFamily="49" charset="0"/>
@@ -12609,7 +13621,17 @@
           </a:p>
           <a:p>
             <a:r>
-              <a:rPr lang="pt-BR" sz="1600" dirty="0">
+              <a:rPr lang="pt-BR" sz="1400" dirty="0">
+                <a:solidFill>
+                  <a:schemeClr val="bg1"/>
+                </a:solidFill>
+                <a:latin typeface="Consolas" pitchFamily="49" charset="0"/>
+                <a:cs typeface="Consolas" pitchFamily="49" charset="0"/>
+              </a:rPr>
+              <a:t>    </a:t>
+            </a:r>
+            <a:r>
+              <a:rPr lang="pt-BR" sz="1400" dirty="0">
                 <a:solidFill>
                   <a:schemeClr val="tx1">
                     <a:lumMod val="75000"/>
@@ -12619,28 +13641,78 @@
                 <a:latin typeface="Consolas" pitchFamily="49" charset="0"/>
                 <a:cs typeface="Consolas" pitchFamily="49" charset="0"/>
               </a:rPr>
-              <a:t>// cria o dispositivo</a:t>
-            </a:r>
-          </a:p>
-          <a:p>
-            <a:r>
-              <a:rPr lang="pt-BR" sz="1600" dirty="0" err="1">
-                <a:solidFill>
-                  <a:schemeClr val="bg1">
-                    <a:lumMod val="85000"/>
-                  </a:schemeClr>
-                </a:solidFill>
-                <a:latin typeface="Consolas" pitchFamily="49" charset="0"/>
-                <a:cs typeface="Consolas" pitchFamily="49" charset="0"/>
-              </a:rPr>
-              <a:t>CreateDevice</a:t>
-            </a:r>
-            <a:r>
-              <a:rPr lang="pt-BR" sz="1600" dirty="0">
-                <a:solidFill>
-                  <a:schemeClr val="bg1">
-                    <a:lumMod val="85000"/>
-                  </a:schemeClr>
+              <a:t>// coloca controle na lista</a:t>
+            </a:r>
+          </a:p>
+          <a:p>
+            <a:r>
+              <a:rPr lang="pt-BR" sz="1400" dirty="0">
+                <a:solidFill>
+                  <a:schemeClr val="bg1"/>
+                </a:solidFill>
+                <a:latin typeface="Consolas" pitchFamily="49" charset="0"/>
+                <a:cs typeface="Consolas" pitchFamily="49" charset="0"/>
+              </a:rPr>
+              <a:t>    ((</a:t>
+            </a:r>
+            <a:r>
+              <a:rPr lang="pt-BR" sz="1400" dirty="0" err="1">
+                <a:solidFill>
+                  <a:schemeClr val="accent1">
+                    <a:lumMod val="75000"/>
+                  </a:schemeClr>
+                </a:solidFill>
+                <a:latin typeface="Consolas" pitchFamily="49" charset="0"/>
+                <a:cs typeface="Consolas" pitchFamily="49" charset="0"/>
+              </a:rPr>
+              <a:t>list</a:t>
+            </a:r>
+            <a:r>
+              <a:rPr lang="pt-BR" sz="1400" dirty="0">
+                <a:solidFill>
+                  <a:schemeClr val="bg1"/>
+                </a:solidFill>
+                <a:latin typeface="Consolas" pitchFamily="49" charset="0"/>
+                <a:cs typeface="Consolas" pitchFamily="49" charset="0"/>
+              </a:rPr>
+              <a:t>&lt;</a:t>
+            </a:r>
+            <a:r>
+              <a:rPr lang="pt-BR" sz="1400" dirty="0" err="1">
+                <a:solidFill>
+                  <a:schemeClr val="accent1">
+                    <a:lumMod val="75000"/>
+                  </a:schemeClr>
+                </a:solidFill>
+                <a:latin typeface="Consolas" pitchFamily="49" charset="0"/>
+                <a:cs typeface="Consolas" pitchFamily="49" charset="0"/>
+              </a:rPr>
+              <a:t>JoyInfo</a:t>
+            </a:r>
+            <a:r>
+              <a:rPr lang="pt-BR" sz="1400" dirty="0">
+                <a:solidFill>
+                  <a:schemeClr val="bg1"/>
+                </a:solidFill>
+                <a:latin typeface="Consolas" pitchFamily="49" charset="0"/>
+                <a:cs typeface="Consolas" pitchFamily="49" charset="0"/>
+              </a:rPr>
+              <a:t>&gt;*) data)-&gt;</a:t>
+            </a:r>
+            <a:r>
+              <a:rPr lang="pt-BR" sz="1400" dirty="0" err="1">
+                <a:solidFill>
+                  <a:schemeClr val="bg1"/>
+                </a:solidFill>
+                <a:latin typeface="Consolas" pitchFamily="49" charset="0"/>
+                <a:cs typeface="Consolas" pitchFamily="49" charset="0"/>
+              </a:rPr>
+              <a:t>push_back</a:t>
+            </a:r>
+            <a:r>
+              <a:rPr lang="pt-BR" sz="1400" dirty="0">
+                <a:solidFill>
+                  <a:schemeClr val="bg1"/>
                 </a:solidFill>
                 <a:latin typeface="Consolas" pitchFamily="49" charset="0"/>
                 <a:cs typeface="Consolas" pitchFamily="49" charset="0"/>
@@ -12648,31 +13720,48 @@
               <a:t>(</a:t>
             </a:r>
             <a:r>
-              <a:rPr lang="pt-BR" sz="1600" dirty="0" err="1">
-                <a:solidFill>
-                  <a:schemeClr val="bg1">
-                    <a:lumMod val="85000"/>
-                  </a:schemeClr>
-                </a:solidFill>
-                <a:latin typeface="Consolas" pitchFamily="49" charset="0"/>
-                <a:cs typeface="Consolas" pitchFamily="49" charset="0"/>
-              </a:rPr>
-              <a:t>joy.guid</a:t>
-            </a:r>
-            <a:r>
-              <a:rPr lang="pt-BR" sz="1600" dirty="0">
-                <a:solidFill>
-                  <a:schemeClr val="bg1">
-                    <a:lumMod val="85000"/>
-                  </a:schemeClr>
-                </a:solidFill>
-                <a:latin typeface="Consolas" pitchFamily="49" charset="0"/>
-                <a:cs typeface="Consolas" pitchFamily="49" charset="0"/>
-              </a:rPr>
-              <a:t>,                </a:t>
-            </a:r>
-            <a:r>
-              <a:rPr lang="pt-BR" sz="1600" dirty="0">
+              <a:rPr lang="pt-BR" sz="1400" dirty="0" err="1">
+                <a:solidFill>
+                  <a:schemeClr val="bg1"/>
+                </a:solidFill>
+                <a:latin typeface="Consolas" pitchFamily="49" charset="0"/>
+                <a:cs typeface="Consolas" pitchFamily="49" charset="0"/>
+              </a:rPr>
+              <a:t>joy</a:t>
+            </a:r>
+            <a:r>
+              <a:rPr lang="pt-BR" sz="1400" dirty="0">
+                <a:solidFill>
+                  <a:schemeClr val="bg1"/>
+                </a:solidFill>
+                <a:latin typeface="Consolas" pitchFamily="49" charset="0"/>
+                <a:cs typeface="Consolas" pitchFamily="49" charset="0"/>
+              </a:rPr>
+              <a:t>);</a:t>
+            </a:r>
+          </a:p>
+          <a:p>
+            <a:endParaRPr lang="pt-BR" sz="1400" dirty="0">
+              <a:solidFill>
+                <a:schemeClr val="bg1"/>
+              </a:solidFill>
+              <a:latin typeface="Consolas" pitchFamily="49" charset="0"/>
+              <a:cs typeface="Consolas" pitchFamily="49" charset="0"/>
+            </a:endParaRPr>
+          </a:p>
+          <a:p>
+            <a:r>
+              <a:rPr lang="pt-BR" sz="1400" dirty="0">
+                <a:solidFill>
+                  <a:schemeClr val="bg1"/>
+                </a:solidFill>
+                <a:latin typeface="Consolas" pitchFamily="49" charset="0"/>
+                <a:cs typeface="Consolas" pitchFamily="49" charset="0"/>
+              </a:rPr>
+              <a:t>    </a:t>
+            </a:r>
+            <a:r>
+              <a:rPr lang="pt-BR" sz="1400" dirty="0">
                 <a:solidFill>
                   <a:schemeClr val="tx1">
                     <a:lumMod val="75000"/>
@@ -12682,87 +13771,22 @@
                 <a:latin typeface="Consolas" pitchFamily="49" charset="0"/>
                 <a:cs typeface="Consolas" pitchFamily="49" charset="0"/>
               </a:rPr>
-              <a:t>// id do controle</a:t>
-            </a:r>
-            <a:r>
-              <a:rPr lang="pt-BR" sz="1600" dirty="0">
-                <a:solidFill>
-                  <a:schemeClr val="bg1">
-                    <a:lumMod val="85000"/>
-                  </a:schemeClr>
-                </a:solidFill>
-                <a:latin typeface="Consolas" pitchFamily="49" charset="0"/>
-                <a:cs typeface="Consolas" pitchFamily="49" charset="0"/>
-              </a:rPr>
-              <a:t>                               </a:t>
-            </a:r>
-          </a:p>
-          <a:p>
-            <a:r>
-              <a:rPr lang="pt-BR" sz="1600" dirty="0">
-                <a:solidFill>
-                  <a:schemeClr val="bg1">
-                    <a:lumMod val="85000"/>
-                  </a:schemeClr>
-                </a:solidFill>
-                <a:latin typeface="Consolas" pitchFamily="49" charset="0"/>
-                <a:cs typeface="Consolas" pitchFamily="49" charset="0"/>
-              </a:rPr>
-              <a:t>             &amp;</a:t>
-            </a:r>
-            <a:r>
-              <a:rPr lang="pt-BR" sz="1600" dirty="0" err="1">
-                <a:solidFill>
-                  <a:schemeClr val="bg1">
-                    <a:lumMod val="85000"/>
-                  </a:schemeClr>
-                </a:solidFill>
-                <a:latin typeface="Consolas" pitchFamily="49" charset="0"/>
-                <a:cs typeface="Consolas" pitchFamily="49" charset="0"/>
-              </a:rPr>
-              <a:t>joyDev</a:t>
-            </a:r>
-            <a:r>
-              <a:rPr lang="pt-BR" sz="1600" dirty="0">
-                <a:solidFill>
-                  <a:schemeClr val="bg1">
-                    <a:lumMod val="85000"/>
-                  </a:schemeClr>
-                </a:solidFill>
-                <a:latin typeface="Consolas" pitchFamily="49" charset="0"/>
-                <a:cs typeface="Consolas" pitchFamily="49" charset="0"/>
-              </a:rPr>
-              <a:t>,                 </a:t>
-            </a:r>
-            <a:r>
-              <a:rPr lang="pt-BR" sz="1600" dirty="0">
-                <a:solidFill>
-                  <a:schemeClr val="tx1">
-                    <a:lumMod val="75000"/>
-                    <a:lumOff val="25000"/>
-                  </a:schemeClr>
-                </a:solidFill>
-                <a:latin typeface="Consolas" pitchFamily="49" charset="0"/>
-                <a:cs typeface="Consolas" pitchFamily="49" charset="0"/>
-              </a:rPr>
-              <a:t>// objeto que representará o controle</a:t>
-            </a:r>
-          </a:p>
-          <a:p>
-            <a:r>
-              <a:rPr lang="pt-BR" sz="1600" dirty="0">
-                <a:solidFill>
-                  <a:schemeClr val="bg1">
-                    <a:lumMod val="85000"/>
-                  </a:schemeClr>
-                </a:solidFill>
-                <a:latin typeface="Consolas" pitchFamily="49" charset="0"/>
-                <a:cs typeface="Consolas" pitchFamily="49" charset="0"/>
-              </a:rPr>
-              <a:t>             </a:t>
-            </a:r>
-            <a:r>
-              <a:rPr lang="pt-BR" sz="1600" dirty="0">
+              <a:t>// continua enumeração até o fim</a:t>
+            </a:r>
+          </a:p>
+          <a:p>
+            <a:r>
+              <a:rPr lang="pt-BR" sz="1400" dirty="0">
+                <a:solidFill>
+                  <a:schemeClr val="bg1"/>
+                </a:solidFill>
+                <a:latin typeface="Consolas" pitchFamily="49" charset="0"/>
+                <a:cs typeface="Consolas" pitchFamily="49" charset="0"/>
+              </a:rPr>
+              <a:t>    </a:t>
+            </a:r>
+            <a:r>
+              <a:rPr lang="pt-BR" sz="1400" dirty="0" err="1">
                 <a:solidFill>
                   <a:schemeClr val="accent1">
                     <a:lumMod val="75000"/>
@@ -12771,211 +13795,22 @@
                 <a:latin typeface="Consolas" pitchFamily="49" charset="0"/>
                 <a:cs typeface="Consolas" pitchFamily="49" charset="0"/>
               </a:rPr>
-              <a:t>nullptr</a:t>
-            </a:r>
-            <a:r>
-              <a:rPr lang="pt-BR" sz="1600" dirty="0">
-                <a:solidFill>
-                  <a:schemeClr val="bg1">
-                    <a:lumMod val="85000"/>
-                  </a:schemeClr>
-                </a:solidFill>
-                <a:latin typeface="Consolas" pitchFamily="49" charset="0"/>
-                <a:cs typeface="Consolas" pitchFamily="49" charset="0"/>
-              </a:rPr>
-              <a:t>);                </a:t>
-            </a:r>
-            <a:r>
-              <a:rPr lang="pt-BR" sz="1600" dirty="0">
-                <a:solidFill>
-                  <a:schemeClr val="tx1">
+              <a:t>return</a:t>
+            </a:r>
+            <a:r>
+              <a:rPr lang="pt-BR" sz="1400" dirty="0">
+                <a:solidFill>
+                  <a:schemeClr val="accent1">
                     <a:lumMod val="75000"/>
-                    <a:lumOff val="25000"/>
-                  </a:schemeClr>
-                </a:solidFill>
-                <a:latin typeface="Consolas" pitchFamily="49" charset="0"/>
-                <a:cs typeface="Consolas" pitchFamily="49" charset="0"/>
-              </a:rPr>
-              <a:t>// sempre nulo</a:t>
-            </a:r>
-          </a:p>
-        </p:txBody>
-      </p:sp>
-      <p:sp>
-        <p:nvSpPr>
-          <p:cNvPr id="5" name="Retângulo 4"/>
-          <p:cNvSpPr/>
-          <p:nvPr/>
-        </p:nvSpPr>
-        <p:spPr>
-          <a:xfrm>
-            <a:off x="1019436" y="4509120"/>
-            <a:ext cx="7848872" cy="1323439"/>
-          </a:xfrm>
-          <a:prstGeom prst="rect">
-            <a:avLst/>
-          </a:prstGeom>
-        </p:spPr>
-        <p:txBody>
-          <a:bodyPr wrap="square">
-            <a:spAutoFit/>
-          </a:bodyPr>
-          <a:lstStyle/>
-          <a:p>
-            <a:r>
-              <a:rPr lang="pt-BR" sz="1600" dirty="0">
-                <a:solidFill>
-                  <a:schemeClr val="tx1">
-                    <a:lumMod val="75000"/>
-                    <a:lumOff val="25000"/>
-                  </a:schemeClr>
-                </a:solidFill>
-                <a:latin typeface="Consolas" pitchFamily="49" charset="0"/>
-                <a:cs typeface="Consolas" pitchFamily="49" charset="0"/>
-              </a:rPr>
-              <a:t>// ajusta o nível de cooperação para o controle</a:t>
-            </a:r>
-          </a:p>
-          <a:p>
-            <a:r>
-              <a:rPr lang="pt-BR" sz="1600" dirty="0" err="1">
-                <a:solidFill>
-                  <a:schemeClr val="bg1">
-                    <a:lumMod val="85000"/>
-                  </a:schemeClr>
-                </a:solidFill>
-                <a:latin typeface="Consolas" pitchFamily="49" charset="0"/>
-                <a:cs typeface="Consolas" pitchFamily="49" charset="0"/>
-              </a:rPr>
-              <a:t>joyDev</a:t>
-            </a:r>
-            <a:r>
-              <a:rPr lang="pt-BR" sz="1600" dirty="0">
-                <a:solidFill>
-                  <a:schemeClr val="bg1">
-                    <a:lumMod val="85000"/>
-                  </a:schemeClr>
-                </a:solidFill>
-                <a:latin typeface="Consolas" pitchFamily="49" charset="0"/>
-                <a:cs typeface="Consolas" pitchFamily="49" charset="0"/>
-              </a:rPr>
-              <a:t>-&gt;</a:t>
-            </a:r>
-            <a:r>
-              <a:rPr lang="pt-BR" sz="1600" dirty="0" err="1">
-                <a:solidFill>
-                  <a:schemeClr val="bg1">
-                    <a:lumMod val="85000"/>
-                  </a:schemeClr>
-                </a:solidFill>
-                <a:latin typeface="Consolas" pitchFamily="49" charset="0"/>
-                <a:cs typeface="Consolas" pitchFamily="49" charset="0"/>
-              </a:rPr>
-              <a:t>SetCooperativeLevel</a:t>
-            </a:r>
-            <a:r>
-              <a:rPr lang="pt-BR" sz="1600" dirty="0">
-                <a:solidFill>
-                  <a:schemeClr val="bg1">
-                    <a:lumMod val="85000"/>
-                  </a:schemeClr>
-                </a:solidFill>
-                <a:latin typeface="Consolas" pitchFamily="49" charset="0"/>
-                <a:cs typeface="Consolas" pitchFamily="49" charset="0"/>
-              </a:rPr>
-              <a:t>(</a:t>
-            </a:r>
-          </a:p>
-          <a:p>
-            <a:r>
-              <a:rPr lang="pt-BR" sz="1600" dirty="0">
-                <a:solidFill>
-                  <a:schemeClr val="bg1">
-                    <a:lumMod val="85000"/>
-                  </a:schemeClr>
-                </a:solidFill>
-                <a:latin typeface="Consolas" pitchFamily="49" charset="0"/>
-                <a:cs typeface="Consolas" pitchFamily="49" charset="0"/>
-              </a:rPr>
-              <a:t>       </a:t>
-            </a:r>
-            <a:r>
-              <a:rPr lang="pt-BR" sz="1600" dirty="0" err="1">
-                <a:solidFill>
-                  <a:schemeClr val="bg1">
-                    <a:lumMod val="85000"/>
-                  </a:schemeClr>
-                </a:solidFill>
-                <a:latin typeface="Consolas" pitchFamily="49" charset="0"/>
-                <a:cs typeface="Consolas" pitchFamily="49" charset="0"/>
-              </a:rPr>
-              <a:t>window</a:t>
-            </a:r>
-            <a:r>
-              <a:rPr lang="pt-BR" sz="1600" dirty="0">
-                <a:solidFill>
-                  <a:schemeClr val="bg1">
-                    <a:lumMod val="85000"/>
-                  </a:schemeClr>
-                </a:solidFill>
-                <a:latin typeface="Consolas" pitchFamily="49" charset="0"/>
-                <a:cs typeface="Consolas" pitchFamily="49" charset="0"/>
-              </a:rPr>
-              <a:t>-&gt;</a:t>
-            </a:r>
-            <a:r>
-              <a:rPr lang="pt-BR" sz="1600" dirty="0" err="1">
-                <a:solidFill>
-                  <a:schemeClr val="bg1">
-                    <a:lumMod val="85000"/>
-                  </a:schemeClr>
-                </a:solidFill>
-                <a:latin typeface="Consolas" pitchFamily="49" charset="0"/>
-                <a:cs typeface="Consolas" pitchFamily="49" charset="0"/>
-              </a:rPr>
-              <a:t>Handle</a:t>
-            </a:r>
-            <a:r>
-              <a:rPr lang="pt-BR" sz="1600" dirty="0">
-                <a:solidFill>
-                  <a:schemeClr val="bg1">
-                    <a:lumMod val="85000"/>
-                  </a:schemeClr>
-                </a:solidFill>
-                <a:latin typeface="Consolas" pitchFamily="49" charset="0"/>
-                <a:cs typeface="Consolas" pitchFamily="49" charset="0"/>
-              </a:rPr>
-              <a:t>(),       </a:t>
-            </a:r>
-            <a:r>
-              <a:rPr lang="pt-BR" sz="1600" dirty="0">
-                <a:solidFill>
-                  <a:schemeClr val="tx1">
-                    <a:lumMod val="75000"/>
-                    <a:lumOff val="25000"/>
-                  </a:schemeClr>
-                </a:solidFill>
-                <a:latin typeface="Consolas" pitchFamily="49" charset="0"/>
-                <a:cs typeface="Consolas" pitchFamily="49" charset="0"/>
-              </a:rPr>
-              <a:t>// identificador da janela</a:t>
-            </a:r>
-          </a:p>
-          <a:p>
-            <a:r>
-              <a:rPr lang="pt-BR" sz="1600" dirty="0">
-                <a:solidFill>
-                  <a:schemeClr val="bg1">
-                    <a:lumMod val="85000"/>
-                  </a:schemeClr>
-                </a:solidFill>
-                <a:latin typeface="Consolas" pitchFamily="49" charset="0"/>
-                <a:cs typeface="Consolas" pitchFamily="49" charset="0"/>
-              </a:rPr>
-              <a:t>       </a:t>
-            </a:r>
-            <a:r>
-              <a:rPr lang="pt-BR" sz="1600" dirty="0">
+                  </a:schemeClr>
+                </a:solidFill>
+                <a:latin typeface="Consolas" pitchFamily="49" charset="0"/>
+                <a:cs typeface="Consolas" pitchFamily="49" charset="0"/>
+              </a:rPr>
+              <a:t> </a:t>
+            </a:r>
+            <a:r>
+              <a:rPr lang="pt-BR" sz="1400" dirty="0">
                 <a:solidFill>
                   <a:schemeClr val="accent4">
                     <a:lumMod val="75000"/>
@@ -12984,83 +13819,29 @@
                 <a:latin typeface="Consolas" pitchFamily="49" charset="0"/>
                 <a:cs typeface="Consolas" pitchFamily="49" charset="0"/>
               </a:rPr>
-              <a:t>DISCL_BACKGROUND</a:t>
-            </a:r>
-            <a:r>
-              <a:rPr lang="pt-BR" sz="1600" dirty="0">
-                <a:solidFill>
-                  <a:schemeClr val="bg1">
-                    <a:lumMod val="85000"/>
-                  </a:schemeClr>
-                </a:solidFill>
-                <a:latin typeface="Consolas" pitchFamily="49" charset="0"/>
-                <a:cs typeface="Consolas" pitchFamily="49" charset="0"/>
-              </a:rPr>
-              <a:t> |      </a:t>
-            </a:r>
-            <a:r>
-              <a:rPr lang="pt-BR" sz="1600" dirty="0">
-                <a:solidFill>
-                  <a:schemeClr val="tx1">
-                    <a:lumMod val="75000"/>
-                    <a:lumOff val="25000"/>
-                  </a:schemeClr>
-                </a:solidFill>
-                <a:latin typeface="Consolas" pitchFamily="49" charset="0"/>
-                <a:cs typeface="Consolas" pitchFamily="49" charset="0"/>
-              </a:rPr>
-              <a:t>// pode ser consultado em background</a:t>
-            </a:r>
-          </a:p>
-          <a:p>
-            <a:r>
-              <a:rPr lang="pt-BR" sz="1600" dirty="0">
-                <a:solidFill>
-                  <a:schemeClr val="bg1">
-                    <a:lumMod val="85000"/>
-                  </a:schemeClr>
-                </a:solidFill>
-                <a:latin typeface="Consolas" pitchFamily="49" charset="0"/>
-                <a:cs typeface="Consolas" pitchFamily="49" charset="0"/>
-              </a:rPr>
-              <a:t>       </a:t>
-            </a:r>
-            <a:r>
-              <a:rPr lang="pt-BR" sz="1600" dirty="0">
-                <a:solidFill>
-                  <a:schemeClr val="accent4">
-                    <a:lumMod val="75000"/>
-                  </a:schemeClr>
-                </a:solidFill>
-                <a:latin typeface="Consolas" pitchFamily="49" charset="0"/>
-                <a:cs typeface="Consolas" pitchFamily="49" charset="0"/>
-              </a:rPr>
-              <a:t>DISCL_NONEXCLUSIVE</a:t>
-            </a:r>
-            <a:r>
-              <a:rPr lang="pt-BR" sz="1600" dirty="0">
-                <a:solidFill>
-                  <a:schemeClr val="bg1">
-                    <a:lumMod val="85000"/>
-                  </a:schemeClr>
-                </a:solidFill>
-                <a:latin typeface="Consolas" pitchFamily="49" charset="0"/>
-                <a:cs typeface="Consolas" pitchFamily="49" charset="0"/>
-              </a:rPr>
-              <a:t>);    </a:t>
-            </a:r>
-            <a:r>
-              <a:rPr lang="pt-BR" sz="1600" dirty="0">
-                <a:solidFill>
-                  <a:schemeClr val="tx1">
-                    <a:lumMod val="75000"/>
-                    <a:lumOff val="25000"/>
-                  </a:schemeClr>
-                </a:solidFill>
-                <a:latin typeface="Consolas" pitchFamily="49" charset="0"/>
-                <a:cs typeface="Consolas" pitchFamily="49" charset="0"/>
-              </a:rPr>
-              <a:t>// acesso não exclusivo</a:t>
+              <a:t>DIENUM_CONTINUE</a:t>
+            </a:r>
+            <a:r>
+              <a:rPr lang="pt-BR" sz="1400" dirty="0">
+                <a:solidFill>
+                  <a:schemeClr val="bg1"/>
+                </a:solidFill>
+                <a:latin typeface="Consolas" pitchFamily="49" charset="0"/>
+                <a:cs typeface="Consolas" pitchFamily="49" charset="0"/>
+              </a:rPr>
+              <a:t>; </a:t>
+            </a:r>
+          </a:p>
+          <a:p>
+            <a:r>
+              <a:rPr lang="pt-BR" sz="1400" dirty="0">
+                <a:solidFill>
+                  <a:schemeClr val="bg1"/>
+                </a:solidFill>
+                <a:latin typeface="Consolas" pitchFamily="49" charset="0"/>
+                <a:cs typeface="Consolas" pitchFamily="49" charset="0"/>
+              </a:rPr>
+              <a:t>}</a:t>
             </a:r>
           </a:p>
         </p:txBody>
@@ -13068,13 +13849,16 @@
     </p:spTree>
     <p:extLst>
       <p:ext uri="{BB962C8B-B14F-4D97-AF65-F5344CB8AC3E}">
-        <p14:creationId xmlns:p14="http://schemas.microsoft.com/office/powerpoint/2010/main" val="3522412705"/>
+        <p14:creationId xmlns:p14="http://schemas.microsoft.com/office/powerpoint/2010/main" val="2869314165"/>
       </p:ext>
     </p:extLst>
   </p:cSld>
   <p:clrMapOvr>
     <a:masterClrMapping/>
   </p:clrMapOvr>
+  <p:transition spd="slow">
+    <p:wipe/>
+  </p:transition>
 </p:sld>
 </file>
 
@@ -13112,6 +13896,668 @@
           <a:p>
             <a:r>
               <a:rPr lang="pt-BR" dirty="0"/>
+              <a:t>Com o </a:t>
+            </a:r>
+            <a:r>
+              <a:rPr lang="pt-BR" dirty="0">
+                <a:solidFill>
+                  <a:schemeClr val="accent1">
+                    <a:lumMod val="75000"/>
+                  </a:schemeClr>
+                </a:solidFill>
+              </a:rPr>
+              <a:t>identificador</a:t>
+            </a:r>
+            <a:r>
+              <a:rPr lang="pt-BR" dirty="0"/>
+              <a:t>,</a:t>
+            </a:r>
+            <a:r>
+              <a:rPr lang="pt-BR" dirty="0">
+                <a:solidFill>
+                  <a:schemeClr val="accent1">
+                    <a:lumMod val="75000"/>
+                  </a:schemeClr>
+                </a:solidFill>
+              </a:rPr>
+              <a:t> </a:t>
+            </a:r>
+            <a:r>
+              <a:rPr lang="pt-BR" dirty="0"/>
+              <a:t>podemos inicializar o controle:</a:t>
+            </a:r>
+          </a:p>
+          <a:p>
+            <a:endParaRPr lang="pt-BR" dirty="0"/>
+          </a:p>
+          <a:p>
+            <a:endParaRPr lang="pt-BR" dirty="0"/>
+          </a:p>
+          <a:p>
+            <a:endParaRPr lang="pt-BR" dirty="0"/>
+          </a:p>
+          <a:p>
+            <a:endParaRPr lang="pt-BR" dirty="0"/>
+          </a:p>
+          <a:p>
+            <a:r>
+              <a:rPr lang="pt-BR" dirty="0"/>
+              <a:t>Ajustando o nível de cooperação</a:t>
+            </a:r>
+          </a:p>
+        </p:txBody>
+      </p:sp>
+      <p:sp>
+        <p:nvSpPr>
+          <p:cNvPr id="3" name="Título 2"/>
+          <p:cNvSpPr>
+            <a:spLocks noGrp="1"/>
+          </p:cNvSpPr>
+          <p:nvPr>
+            <p:ph type="title"/>
+          </p:nvPr>
+        </p:nvSpPr>
+        <p:spPr/>
+        <p:txBody>
+          <a:bodyPr/>
+          <a:lstStyle/>
+          <a:p>
+            <a:r>
+              <a:rPr lang="pt-BR" dirty="0"/>
+              <a:t>Inicialização do Controle</a:t>
+            </a:r>
+          </a:p>
+        </p:txBody>
+      </p:sp>
+      <p:sp>
+        <p:nvSpPr>
+          <p:cNvPr id="4" name="Retângulo 3"/>
+          <p:cNvSpPr/>
+          <p:nvPr/>
+        </p:nvSpPr>
+        <p:spPr>
+          <a:xfrm>
+            <a:off x="1055440" y="2060848"/>
+            <a:ext cx="9073008" cy="1569660"/>
+          </a:xfrm>
+          <a:prstGeom prst="rect">
+            <a:avLst/>
+          </a:prstGeom>
+        </p:spPr>
+        <p:txBody>
+          <a:bodyPr wrap="square">
+            <a:spAutoFit/>
+          </a:bodyPr>
+          <a:lstStyle/>
+          <a:p>
+            <a:r>
+              <a:rPr lang="pt-BR" sz="1600" dirty="0">
+                <a:solidFill>
+                  <a:schemeClr val="accent1">
+                    <a:lumMod val="75000"/>
+                  </a:schemeClr>
+                </a:solidFill>
+                <a:latin typeface="Consolas" pitchFamily="49" charset="0"/>
+                <a:cs typeface="Consolas" pitchFamily="49" charset="0"/>
+              </a:rPr>
+              <a:t>LPDIRECTINPUTDEVICE8 </a:t>
+            </a:r>
+            <a:r>
+              <a:rPr lang="pt-BR" sz="1600" dirty="0" err="1">
+                <a:solidFill>
+                  <a:schemeClr val="bg1">
+                    <a:lumMod val="85000"/>
+                  </a:schemeClr>
+                </a:solidFill>
+                <a:latin typeface="Consolas" pitchFamily="49" charset="0"/>
+                <a:cs typeface="Consolas" pitchFamily="49" charset="0"/>
+              </a:rPr>
+              <a:t>joyDev</a:t>
+            </a:r>
+            <a:r>
+              <a:rPr lang="pt-BR" sz="1600" dirty="0">
+                <a:solidFill>
+                  <a:schemeClr val="bg1">
+                    <a:lumMod val="85000"/>
+                  </a:schemeClr>
+                </a:solidFill>
+                <a:latin typeface="Consolas" pitchFamily="49" charset="0"/>
+                <a:cs typeface="Consolas" pitchFamily="49" charset="0"/>
+              </a:rPr>
+              <a:t> = </a:t>
+            </a:r>
+            <a:r>
+              <a:rPr lang="pt-BR" sz="1600" dirty="0">
+                <a:solidFill>
+                  <a:schemeClr val="accent1">
+                    <a:lumMod val="75000"/>
+                  </a:schemeClr>
+                </a:solidFill>
+                <a:latin typeface="Consolas" pitchFamily="49" charset="0"/>
+                <a:cs typeface="Consolas" pitchFamily="49" charset="0"/>
+              </a:rPr>
+              <a:t>nullptr</a:t>
+            </a:r>
+            <a:r>
+              <a:rPr lang="pt-BR" sz="1600" dirty="0">
+                <a:solidFill>
+                  <a:schemeClr val="bg1">
+                    <a:lumMod val="85000"/>
+                  </a:schemeClr>
+                </a:solidFill>
+                <a:latin typeface="Consolas" pitchFamily="49" charset="0"/>
+                <a:cs typeface="Consolas" pitchFamily="49" charset="0"/>
+              </a:rPr>
+              <a:t>;</a:t>
+            </a:r>
+            <a:endParaRPr lang="pt-BR" sz="1600" dirty="0">
+              <a:solidFill>
+                <a:schemeClr val="tx1">
+                  <a:lumMod val="75000"/>
+                  <a:lumOff val="25000"/>
+                </a:schemeClr>
+              </a:solidFill>
+              <a:latin typeface="Consolas" pitchFamily="49" charset="0"/>
+              <a:cs typeface="Consolas" pitchFamily="49" charset="0"/>
+            </a:endParaRPr>
+          </a:p>
+          <a:p>
+            <a:endParaRPr lang="pt-BR" sz="1600" dirty="0">
+              <a:solidFill>
+                <a:schemeClr val="tx1">
+                  <a:lumMod val="75000"/>
+                  <a:lumOff val="25000"/>
+                </a:schemeClr>
+              </a:solidFill>
+              <a:latin typeface="Consolas" pitchFamily="49" charset="0"/>
+              <a:cs typeface="Consolas" pitchFamily="49" charset="0"/>
+            </a:endParaRPr>
+          </a:p>
+          <a:p>
+            <a:r>
+              <a:rPr lang="pt-BR" sz="1600" dirty="0">
+                <a:solidFill>
+                  <a:schemeClr val="tx1">
+                    <a:lumMod val="75000"/>
+                    <a:lumOff val="25000"/>
+                  </a:schemeClr>
+                </a:solidFill>
+                <a:latin typeface="Consolas" pitchFamily="49" charset="0"/>
+                <a:cs typeface="Consolas" pitchFamily="49" charset="0"/>
+              </a:rPr>
+              <a:t>// cria o dispositivo</a:t>
+            </a:r>
+          </a:p>
+          <a:p>
+            <a:r>
+              <a:rPr lang="pt-BR" sz="1600" dirty="0" err="1">
+                <a:solidFill>
+                  <a:schemeClr val="bg1">
+                    <a:lumMod val="85000"/>
+                  </a:schemeClr>
+                </a:solidFill>
+                <a:latin typeface="Consolas" pitchFamily="49" charset="0"/>
+                <a:cs typeface="Consolas" pitchFamily="49" charset="0"/>
+              </a:rPr>
+              <a:t>CreateDevice</a:t>
+            </a:r>
+            <a:r>
+              <a:rPr lang="pt-BR" sz="1600" dirty="0">
+                <a:solidFill>
+                  <a:schemeClr val="bg1">
+                    <a:lumMod val="85000"/>
+                  </a:schemeClr>
+                </a:solidFill>
+                <a:latin typeface="Consolas" pitchFamily="49" charset="0"/>
+                <a:cs typeface="Consolas" pitchFamily="49" charset="0"/>
+              </a:rPr>
+              <a:t>(</a:t>
+            </a:r>
+            <a:r>
+              <a:rPr lang="pt-BR" sz="1600" dirty="0" err="1">
+                <a:solidFill>
+                  <a:schemeClr val="bg1">
+                    <a:lumMod val="85000"/>
+                  </a:schemeClr>
+                </a:solidFill>
+                <a:latin typeface="Consolas" pitchFamily="49" charset="0"/>
+                <a:cs typeface="Consolas" pitchFamily="49" charset="0"/>
+              </a:rPr>
+              <a:t>joy.guid</a:t>
+            </a:r>
+            <a:r>
+              <a:rPr lang="pt-BR" sz="1600" dirty="0">
+                <a:solidFill>
+                  <a:schemeClr val="bg1">
+                    <a:lumMod val="85000"/>
+                  </a:schemeClr>
+                </a:solidFill>
+                <a:latin typeface="Consolas" pitchFamily="49" charset="0"/>
+                <a:cs typeface="Consolas" pitchFamily="49" charset="0"/>
+              </a:rPr>
+              <a:t>,                </a:t>
+            </a:r>
+            <a:r>
+              <a:rPr lang="pt-BR" sz="1600" dirty="0">
+                <a:solidFill>
+                  <a:schemeClr val="tx1">
+                    <a:lumMod val="75000"/>
+                    <a:lumOff val="25000"/>
+                  </a:schemeClr>
+                </a:solidFill>
+                <a:latin typeface="Consolas" pitchFamily="49" charset="0"/>
+                <a:cs typeface="Consolas" pitchFamily="49" charset="0"/>
+              </a:rPr>
+              <a:t>// id do controle</a:t>
+            </a:r>
+            <a:r>
+              <a:rPr lang="pt-BR" sz="1600" dirty="0">
+                <a:solidFill>
+                  <a:schemeClr val="bg1">
+                    <a:lumMod val="85000"/>
+                  </a:schemeClr>
+                </a:solidFill>
+                <a:latin typeface="Consolas" pitchFamily="49" charset="0"/>
+                <a:cs typeface="Consolas" pitchFamily="49" charset="0"/>
+              </a:rPr>
+              <a:t>                               </a:t>
+            </a:r>
+          </a:p>
+          <a:p>
+            <a:r>
+              <a:rPr lang="pt-BR" sz="1600" dirty="0">
+                <a:solidFill>
+                  <a:schemeClr val="bg1">
+                    <a:lumMod val="85000"/>
+                  </a:schemeClr>
+                </a:solidFill>
+                <a:latin typeface="Consolas" pitchFamily="49" charset="0"/>
+                <a:cs typeface="Consolas" pitchFamily="49" charset="0"/>
+              </a:rPr>
+              <a:t>             &amp;</a:t>
+            </a:r>
+            <a:r>
+              <a:rPr lang="pt-BR" sz="1600" dirty="0" err="1">
+                <a:solidFill>
+                  <a:schemeClr val="bg1">
+                    <a:lumMod val="85000"/>
+                  </a:schemeClr>
+                </a:solidFill>
+                <a:latin typeface="Consolas" pitchFamily="49" charset="0"/>
+                <a:cs typeface="Consolas" pitchFamily="49" charset="0"/>
+              </a:rPr>
+              <a:t>joyDev</a:t>
+            </a:r>
+            <a:r>
+              <a:rPr lang="pt-BR" sz="1600" dirty="0">
+                <a:solidFill>
+                  <a:schemeClr val="bg1">
+                    <a:lumMod val="85000"/>
+                  </a:schemeClr>
+                </a:solidFill>
+                <a:latin typeface="Consolas" pitchFamily="49" charset="0"/>
+                <a:cs typeface="Consolas" pitchFamily="49" charset="0"/>
+              </a:rPr>
+              <a:t>,                 </a:t>
+            </a:r>
+            <a:r>
+              <a:rPr lang="pt-BR" sz="1600" dirty="0">
+                <a:solidFill>
+                  <a:schemeClr val="tx1">
+                    <a:lumMod val="75000"/>
+                    <a:lumOff val="25000"/>
+                  </a:schemeClr>
+                </a:solidFill>
+                <a:latin typeface="Consolas" pitchFamily="49" charset="0"/>
+                <a:cs typeface="Consolas" pitchFamily="49" charset="0"/>
+              </a:rPr>
+              <a:t>// objeto que representará o controle</a:t>
+            </a:r>
+          </a:p>
+          <a:p>
+            <a:r>
+              <a:rPr lang="pt-BR" sz="1600" dirty="0">
+                <a:solidFill>
+                  <a:schemeClr val="bg1">
+                    <a:lumMod val="85000"/>
+                  </a:schemeClr>
+                </a:solidFill>
+                <a:latin typeface="Consolas" pitchFamily="49" charset="0"/>
+                <a:cs typeface="Consolas" pitchFamily="49" charset="0"/>
+              </a:rPr>
+              <a:t>             </a:t>
+            </a:r>
+            <a:r>
+              <a:rPr lang="pt-BR" sz="1600" dirty="0">
+                <a:solidFill>
+                  <a:schemeClr val="accent1">
+                    <a:lumMod val="75000"/>
+                  </a:schemeClr>
+                </a:solidFill>
+                <a:latin typeface="Consolas" pitchFamily="49" charset="0"/>
+                <a:cs typeface="Consolas" pitchFamily="49" charset="0"/>
+              </a:rPr>
+              <a:t>nullptr</a:t>
+            </a:r>
+            <a:r>
+              <a:rPr lang="pt-BR" sz="1600" dirty="0">
+                <a:solidFill>
+                  <a:schemeClr val="bg1">
+                    <a:lumMod val="85000"/>
+                  </a:schemeClr>
+                </a:solidFill>
+                <a:latin typeface="Consolas" pitchFamily="49" charset="0"/>
+                <a:cs typeface="Consolas" pitchFamily="49" charset="0"/>
+              </a:rPr>
+              <a:t>);                </a:t>
+            </a:r>
+            <a:r>
+              <a:rPr lang="pt-BR" sz="1600" dirty="0">
+                <a:solidFill>
+                  <a:schemeClr val="tx1">
+                    <a:lumMod val="75000"/>
+                    <a:lumOff val="25000"/>
+                  </a:schemeClr>
+                </a:solidFill>
+                <a:latin typeface="Consolas" pitchFamily="49" charset="0"/>
+                <a:cs typeface="Consolas" pitchFamily="49" charset="0"/>
+              </a:rPr>
+              <a:t>// sempre nulo</a:t>
+            </a:r>
+          </a:p>
+        </p:txBody>
+      </p:sp>
+      <p:sp>
+        <p:nvSpPr>
+          <p:cNvPr id="5" name="Retângulo 4"/>
+          <p:cNvSpPr/>
+          <p:nvPr/>
+        </p:nvSpPr>
+        <p:spPr>
+          <a:xfrm>
+            <a:off x="1019436" y="4509120"/>
+            <a:ext cx="7848872" cy="1323439"/>
+          </a:xfrm>
+          <a:prstGeom prst="rect">
+            <a:avLst/>
+          </a:prstGeom>
+        </p:spPr>
+        <p:txBody>
+          <a:bodyPr wrap="square">
+            <a:spAutoFit/>
+          </a:bodyPr>
+          <a:lstStyle/>
+          <a:p>
+            <a:r>
+              <a:rPr lang="pt-BR" sz="1600" dirty="0">
+                <a:solidFill>
+                  <a:schemeClr val="tx1">
+                    <a:lumMod val="75000"/>
+                    <a:lumOff val="25000"/>
+                  </a:schemeClr>
+                </a:solidFill>
+                <a:latin typeface="Consolas" pitchFamily="49" charset="0"/>
+                <a:cs typeface="Consolas" pitchFamily="49" charset="0"/>
+              </a:rPr>
+              <a:t>// ajusta o nível de cooperação para o controle</a:t>
+            </a:r>
+          </a:p>
+          <a:p>
+            <a:r>
+              <a:rPr lang="pt-BR" sz="1600" dirty="0" err="1">
+                <a:solidFill>
+                  <a:schemeClr val="bg1">
+                    <a:lumMod val="85000"/>
+                  </a:schemeClr>
+                </a:solidFill>
+                <a:latin typeface="Consolas" pitchFamily="49" charset="0"/>
+                <a:cs typeface="Consolas" pitchFamily="49" charset="0"/>
+              </a:rPr>
+              <a:t>joyDev</a:t>
+            </a:r>
+            <a:r>
+              <a:rPr lang="pt-BR" sz="1600" dirty="0">
+                <a:solidFill>
+                  <a:schemeClr val="bg1">
+                    <a:lumMod val="85000"/>
+                  </a:schemeClr>
+                </a:solidFill>
+                <a:latin typeface="Consolas" pitchFamily="49" charset="0"/>
+                <a:cs typeface="Consolas" pitchFamily="49" charset="0"/>
+              </a:rPr>
+              <a:t>-&gt;</a:t>
+            </a:r>
+            <a:r>
+              <a:rPr lang="pt-BR" sz="1600" dirty="0" err="1">
+                <a:solidFill>
+                  <a:schemeClr val="bg1">
+                    <a:lumMod val="85000"/>
+                  </a:schemeClr>
+                </a:solidFill>
+                <a:latin typeface="Consolas" pitchFamily="49" charset="0"/>
+                <a:cs typeface="Consolas" pitchFamily="49" charset="0"/>
+              </a:rPr>
+              <a:t>SetCooperativeLevel</a:t>
+            </a:r>
+            <a:r>
+              <a:rPr lang="pt-BR" sz="1600" dirty="0">
+                <a:solidFill>
+                  <a:schemeClr val="bg1">
+                    <a:lumMod val="85000"/>
+                  </a:schemeClr>
+                </a:solidFill>
+                <a:latin typeface="Consolas" pitchFamily="49" charset="0"/>
+                <a:cs typeface="Consolas" pitchFamily="49" charset="0"/>
+              </a:rPr>
+              <a:t>(</a:t>
+            </a:r>
+          </a:p>
+          <a:p>
+            <a:r>
+              <a:rPr lang="pt-BR" sz="1600" dirty="0">
+                <a:solidFill>
+                  <a:schemeClr val="bg1">
+                    <a:lumMod val="85000"/>
+                  </a:schemeClr>
+                </a:solidFill>
+                <a:latin typeface="Consolas" pitchFamily="49" charset="0"/>
+                <a:cs typeface="Consolas" pitchFamily="49" charset="0"/>
+              </a:rPr>
+              <a:t>       </a:t>
+            </a:r>
+            <a:r>
+              <a:rPr lang="pt-BR" sz="1600" dirty="0" err="1">
+                <a:solidFill>
+                  <a:schemeClr val="accent2">
+                    <a:lumMod val="60000"/>
+                    <a:lumOff val="40000"/>
+                  </a:schemeClr>
+                </a:solidFill>
+                <a:latin typeface="Consolas" pitchFamily="49" charset="0"/>
+                <a:cs typeface="Consolas" pitchFamily="49" charset="0"/>
+              </a:rPr>
+              <a:t>window</a:t>
+            </a:r>
+            <a:r>
+              <a:rPr lang="pt-BR" sz="1600" dirty="0">
+                <a:solidFill>
+                  <a:schemeClr val="bg1">
+                    <a:lumMod val="85000"/>
+                  </a:schemeClr>
+                </a:solidFill>
+                <a:latin typeface="Consolas" pitchFamily="49" charset="0"/>
+                <a:cs typeface="Consolas" pitchFamily="49" charset="0"/>
+              </a:rPr>
+              <a:t>-&gt;Id(),           </a:t>
+            </a:r>
+            <a:r>
+              <a:rPr lang="pt-BR" sz="1600" dirty="0">
+                <a:solidFill>
+                  <a:schemeClr val="tx1">
+                    <a:lumMod val="75000"/>
+                    <a:lumOff val="25000"/>
+                  </a:schemeClr>
+                </a:solidFill>
+                <a:latin typeface="Consolas" pitchFamily="49" charset="0"/>
+                <a:cs typeface="Consolas" pitchFamily="49" charset="0"/>
+              </a:rPr>
+              <a:t>// identificador da janela</a:t>
+            </a:r>
+          </a:p>
+          <a:p>
+            <a:r>
+              <a:rPr lang="pt-BR" sz="1600" dirty="0">
+                <a:solidFill>
+                  <a:schemeClr val="bg1">
+                    <a:lumMod val="85000"/>
+                  </a:schemeClr>
+                </a:solidFill>
+                <a:latin typeface="Consolas" pitchFamily="49" charset="0"/>
+                <a:cs typeface="Consolas" pitchFamily="49" charset="0"/>
+              </a:rPr>
+              <a:t>       </a:t>
+            </a:r>
+            <a:r>
+              <a:rPr lang="pt-BR" sz="1600" dirty="0">
+                <a:solidFill>
+                  <a:schemeClr val="accent4">
+                    <a:lumMod val="75000"/>
+                  </a:schemeClr>
+                </a:solidFill>
+                <a:latin typeface="Consolas" pitchFamily="49" charset="0"/>
+                <a:cs typeface="Consolas" pitchFamily="49" charset="0"/>
+              </a:rPr>
+              <a:t>DISCL_BACKGROUND</a:t>
+            </a:r>
+            <a:r>
+              <a:rPr lang="pt-BR" sz="1600" dirty="0">
+                <a:solidFill>
+                  <a:schemeClr val="bg1">
+                    <a:lumMod val="85000"/>
+                  </a:schemeClr>
+                </a:solidFill>
+                <a:latin typeface="Consolas" pitchFamily="49" charset="0"/>
+                <a:cs typeface="Consolas" pitchFamily="49" charset="0"/>
+              </a:rPr>
+              <a:t> |      </a:t>
+            </a:r>
+            <a:r>
+              <a:rPr lang="pt-BR" sz="1600" dirty="0">
+                <a:solidFill>
+                  <a:schemeClr val="tx1">
+                    <a:lumMod val="75000"/>
+                    <a:lumOff val="25000"/>
+                  </a:schemeClr>
+                </a:solidFill>
+                <a:latin typeface="Consolas" pitchFamily="49" charset="0"/>
+                <a:cs typeface="Consolas" pitchFamily="49" charset="0"/>
+              </a:rPr>
+              <a:t>// pode ser consultado em background</a:t>
+            </a:r>
+          </a:p>
+          <a:p>
+            <a:r>
+              <a:rPr lang="pt-BR" sz="1600" dirty="0">
+                <a:solidFill>
+                  <a:schemeClr val="bg1">
+                    <a:lumMod val="85000"/>
+                  </a:schemeClr>
+                </a:solidFill>
+                <a:latin typeface="Consolas" pitchFamily="49" charset="0"/>
+                <a:cs typeface="Consolas" pitchFamily="49" charset="0"/>
+              </a:rPr>
+              <a:t>       </a:t>
+            </a:r>
+            <a:r>
+              <a:rPr lang="pt-BR" sz="1600" dirty="0">
+                <a:solidFill>
+                  <a:schemeClr val="accent4">
+                    <a:lumMod val="75000"/>
+                  </a:schemeClr>
+                </a:solidFill>
+                <a:latin typeface="Consolas" pitchFamily="49" charset="0"/>
+                <a:cs typeface="Consolas" pitchFamily="49" charset="0"/>
+              </a:rPr>
+              <a:t>DISCL_NONEXCLUSIVE</a:t>
+            </a:r>
+            <a:r>
+              <a:rPr lang="pt-BR" sz="1600" dirty="0">
+                <a:solidFill>
+                  <a:schemeClr val="bg1">
+                    <a:lumMod val="85000"/>
+                  </a:schemeClr>
+                </a:solidFill>
+                <a:latin typeface="Consolas" pitchFamily="49" charset="0"/>
+                <a:cs typeface="Consolas" pitchFamily="49" charset="0"/>
+              </a:rPr>
+              <a:t>);    </a:t>
+            </a:r>
+            <a:r>
+              <a:rPr lang="pt-BR" sz="1600" dirty="0">
+                <a:solidFill>
+                  <a:schemeClr val="tx1">
+                    <a:lumMod val="75000"/>
+                    <a:lumOff val="25000"/>
+                  </a:schemeClr>
+                </a:solidFill>
+                <a:latin typeface="Consolas" pitchFamily="49" charset="0"/>
+                <a:cs typeface="Consolas" pitchFamily="49" charset="0"/>
+              </a:rPr>
+              <a:t>// acesso não exclusivo</a:t>
+            </a:r>
+          </a:p>
+        </p:txBody>
+      </p:sp>
+    </p:spTree>
+    <p:extLst>
+      <p:ext uri="{BB962C8B-B14F-4D97-AF65-F5344CB8AC3E}">
+        <p14:creationId xmlns:p14="http://schemas.microsoft.com/office/powerpoint/2010/main" val="3522412705"/>
+      </p:ext>
+    </p:extLst>
+  </p:cSld>
+  <p:clrMapOvr>
+    <a:masterClrMapping/>
+  </p:clrMapOvr>
+  <p:transition spd="slow">
+    <p:wipe/>
+  </p:transition>
+</p:sld>
+</file>
+
+<file path=ppt/slides/slide19.xml><?xml version="1.0" encoding="utf-8"?>
+<p:sld xmlns:a="http://schemas.openxmlformats.org/drawingml/2006/main" xmlns:r="http://schemas.openxmlformats.org/officeDocument/2006/relationships" xmlns:p="http://schemas.openxmlformats.org/presentationml/2006/main">
+  <p:cSld>
+    <p:spTree>
+      <p:nvGrpSpPr>
+        <p:cNvPr id="1" name=""/>
+        <p:cNvGrpSpPr/>
+        <p:nvPr/>
+      </p:nvGrpSpPr>
+      <p:grpSpPr>
+        <a:xfrm>
+          <a:off x="0" y="0"/>
+          <a:ext cx="0" cy="0"/>
+          <a:chOff x="0" y="0"/>
+          <a:chExt cx="0" cy="0"/>
+        </a:xfrm>
+      </p:grpSpPr>
+      <p:sp>
+        <p:nvSpPr>
+          <p:cNvPr id="2" name="Espaço Reservado para Conteúdo 1"/>
+          <p:cNvSpPr>
+            <a:spLocks noGrp="1"/>
+          </p:cNvSpPr>
+          <p:nvPr>
+            <p:ph idx="1"/>
+          </p:nvPr>
+        </p:nvSpPr>
+        <p:spPr/>
+        <p:txBody>
+          <a:bodyPr/>
+          <a:lstStyle/>
+          <a:p>
+            <a:r>
+              <a:rPr lang="pt-BR" dirty="0"/>
               <a:t>Selecionando o formato de dados:</a:t>
             </a:r>
           </a:p>
@@ -14000,10 +15446,276 @@
   <p:clrMapOvr>
     <a:masterClrMapping/>
   </p:clrMapOvr>
+  <p:transition spd="slow">
+    <p:wipe/>
+  </p:transition>
 </p:sld>
 </file>
 
-<file path=ppt/slides/slide19.xml><?xml version="1.0" encoding="utf-8"?>
+<file path=ppt/slides/slide2.xml><?xml version="1.0" encoding="utf-8"?>
+<p:sld xmlns:a="http://schemas.openxmlformats.org/drawingml/2006/main" xmlns:r="http://schemas.openxmlformats.org/officeDocument/2006/relationships" xmlns:p="http://schemas.openxmlformats.org/presentationml/2006/main">
+  <p:cSld>
+    <p:spTree>
+      <p:nvGrpSpPr>
+        <p:cNvPr id="1" name=""/>
+        <p:cNvGrpSpPr/>
+        <p:nvPr/>
+      </p:nvGrpSpPr>
+      <p:grpSpPr>
+        <a:xfrm>
+          <a:off x="0" y="0"/>
+          <a:ext cx="0" cy="0"/>
+          <a:chOff x="0" y="0"/>
+          <a:chExt cx="0" cy="0"/>
+        </a:xfrm>
+      </p:grpSpPr>
+      <p:sp>
+        <p:nvSpPr>
+          <p:cNvPr id="2" name="Espaço Reservado para Conteúdo 1"/>
+          <p:cNvSpPr>
+            <a:spLocks noGrp="1"/>
+          </p:cNvSpPr>
+          <p:nvPr>
+            <p:ph idx="1"/>
+          </p:nvPr>
+        </p:nvSpPr>
+        <p:spPr>
+          <a:xfrm>
+            <a:off x="609600" y="1481328"/>
+            <a:ext cx="10972800" cy="5188032"/>
+          </a:xfrm>
+        </p:spPr>
+        <p:txBody>
+          <a:bodyPr>
+            <a:normAutofit/>
+          </a:bodyPr>
+          <a:lstStyle/>
+          <a:p>
+            <a:r>
+              <a:rPr lang="pt-BR" dirty="0"/>
+              <a:t>Um </a:t>
+            </a:r>
+            <a:r>
+              <a:rPr lang="pt-BR" dirty="0">
+                <a:solidFill>
+                  <a:schemeClr val="accent1">
+                    <a:lumMod val="75000"/>
+                  </a:schemeClr>
+                </a:solidFill>
+              </a:rPr>
+              <a:t>jogo é interativo </a:t>
+            </a:r>
+            <a:r>
+              <a:rPr lang="pt-BR" dirty="0"/>
+              <a:t>por natureza</a:t>
+            </a:r>
+          </a:p>
+          <a:p>
+            <a:pPr lvl="1">
+              <a:spcAft>
+                <a:spcPts val="1200"/>
+              </a:spcAft>
+            </a:pPr>
+            <a:r>
+              <a:rPr lang="pt-BR" dirty="0"/>
+              <a:t>Sem interação ele seria apenas uma brincadeira, </a:t>
+            </a:r>
+            <a:br>
+              <a:rPr lang="pt-BR" dirty="0"/>
+            </a:br>
+            <a:r>
+              <a:rPr lang="pt-BR" dirty="0"/>
+              <a:t>uma estória ou filme</a:t>
+            </a:r>
+          </a:p>
+          <a:p>
+            <a:pPr>
+              <a:spcAft>
+                <a:spcPts val="1200"/>
+              </a:spcAft>
+            </a:pPr>
+            <a:r>
+              <a:rPr lang="pt-BR" dirty="0"/>
+              <a:t>Os </a:t>
+            </a:r>
+            <a:r>
+              <a:rPr lang="pt-BR" dirty="0">
+                <a:solidFill>
+                  <a:schemeClr val="accent1">
+                    <a:lumMod val="75000"/>
+                  </a:schemeClr>
+                </a:solidFill>
+              </a:rPr>
+              <a:t>dispositivos de interação </a:t>
+            </a:r>
+            <a:r>
+              <a:rPr lang="pt-BR" dirty="0"/>
+              <a:t>variam de acordo com o tipo de jogo e a plataforma para a qual ele foi desenvolvido</a:t>
+            </a:r>
+          </a:p>
+          <a:p>
+            <a:pPr lvl="1">
+              <a:spcAft>
+                <a:spcPts val="600"/>
+              </a:spcAft>
+            </a:pPr>
+            <a:r>
+              <a:rPr lang="pt-BR" dirty="0"/>
+              <a:t>Os dispositivos mais comuns são:</a:t>
+            </a:r>
+          </a:p>
+          <a:p>
+            <a:pPr lvl="2"/>
+            <a:r>
+              <a:rPr lang="pt-BR" dirty="0"/>
+              <a:t>Teclado</a:t>
+            </a:r>
+          </a:p>
+          <a:p>
+            <a:pPr lvl="2"/>
+            <a:r>
+              <a:rPr lang="pt-BR" dirty="0"/>
+              <a:t>Mouse</a:t>
+            </a:r>
+          </a:p>
+          <a:p>
+            <a:pPr lvl="2"/>
+            <a:r>
+              <a:rPr lang="pt-BR" dirty="0"/>
+              <a:t>Controle</a:t>
+            </a:r>
+          </a:p>
+        </p:txBody>
+      </p:sp>
+      <p:sp>
+        <p:nvSpPr>
+          <p:cNvPr id="3" name="Título 2"/>
+          <p:cNvSpPr>
+            <a:spLocks noGrp="1"/>
+          </p:cNvSpPr>
+          <p:nvPr>
+            <p:ph type="title"/>
+          </p:nvPr>
+        </p:nvSpPr>
+        <p:spPr/>
+        <p:txBody>
+          <a:bodyPr/>
+          <a:lstStyle/>
+          <a:p>
+            <a:r>
+              <a:rPr lang="pt-BR" dirty="0"/>
+              <a:t>Introdução</a:t>
+            </a:r>
+          </a:p>
+        </p:txBody>
+      </p:sp>
+      <p:pic>
+        <p:nvPicPr>
+          <p:cNvPr id="7" name="Imagem 6"/>
+          <p:cNvPicPr>
+            <a:picLocks noChangeAspect="1"/>
+          </p:cNvPicPr>
+          <p:nvPr/>
+        </p:nvPicPr>
+        <p:blipFill>
+          <a:blip r:embed="rId3">
+            <a:extLst>
+              <a:ext uri="{28A0092B-C50C-407E-A947-70E740481C1C}">
+                <a14:useLocalDpi xmlns:a14="http://schemas.microsoft.com/office/drawing/2010/main" val="0"/>
+              </a:ext>
+            </a:extLst>
+          </a:blip>
+          <a:stretch>
+            <a:fillRect/>
+          </a:stretch>
+        </p:blipFill>
+        <p:spPr>
+          <a:xfrm>
+            <a:off x="8544272" y="4510501"/>
+            <a:ext cx="1494304" cy="1364927"/>
+          </a:xfrm>
+          <a:prstGeom prst="rect">
+            <a:avLst/>
+          </a:prstGeom>
+        </p:spPr>
+      </p:pic>
+      <p:pic>
+        <p:nvPicPr>
+          <p:cNvPr id="8" name="Imagem 7"/>
+          <p:cNvPicPr>
+            <a:picLocks noChangeAspect="1"/>
+          </p:cNvPicPr>
+          <p:nvPr/>
+        </p:nvPicPr>
+        <p:blipFill>
+          <a:blip r:embed="rId4">
+            <a:extLst>
+              <a:ext uri="{28A0092B-C50C-407E-A947-70E740481C1C}">
+                <a14:useLocalDpi xmlns:a14="http://schemas.microsoft.com/office/drawing/2010/main" val="0"/>
+              </a:ext>
+            </a:extLst>
+          </a:blip>
+          <a:stretch>
+            <a:fillRect/>
+          </a:stretch>
+        </p:blipFill>
+        <p:spPr>
+          <a:xfrm>
+            <a:off x="7248128" y="3861048"/>
+            <a:ext cx="3034866" cy="1364927"/>
+          </a:xfrm>
+          <a:prstGeom prst="rect">
+            <a:avLst/>
+          </a:prstGeom>
+        </p:spPr>
+      </p:pic>
+      <p:pic>
+        <p:nvPicPr>
+          <p:cNvPr id="12" name="Imagem 11"/>
+          <p:cNvPicPr>
+            <a:picLocks noChangeAspect="1"/>
+          </p:cNvPicPr>
+          <p:nvPr/>
+        </p:nvPicPr>
+        <p:blipFill>
+          <a:blip r:embed="rId5" cstate="print">
+            <a:extLst>
+              <a:ext uri="{28A0092B-C50C-407E-A947-70E740481C1C}">
+                <a14:useLocalDpi xmlns:a14="http://schemas.microsoft.com/office/drawing/2010/main" val="0"/>
+              </a:ext>
+            </a:extLst>
+          </a:blip>
+          <a:stretch>
+            <a:fillRect/>
+          </a:stretch>
+        </p:blipFill>
+        <p:spPr>
+          <a:xfrm>
+            <a:off x="6600056" y="4936346"/>
+            <a:ext cx="1199978" cy="1025500"/>
+          </a:xfrm>
+          <a:prstGeom prst="rect">
+            <a:avLst/>
+          </a:prstGeom>
+        </p:spPr>
+      </p:pic>
+    </p:spTree>
+    <p:extLst>
+      <p:ext uri="{BB962C8B-B14F-4D97-AF65-F5344CB8AC3E}">
+        <p14:creationId xmlns:p14="http://schemas.microsoft.com/office/powerpoint/2010/main" val="3474940130"/>
+      </p:ext>
+    </p:extLst>
+  </p:cSld>
+  <p:clrMapOvr>
+    <a:masterClrMapping/>
+  </p:clrMapOvr>
+  <p:transition spd="slow">
+    <p:wipe/>
+  </p:transition>
+</p:sld>
+</file>
+
+<file path=ppt/slides/slide20.xml><?xml version="1.0" encoding="utf-8"?>
 <p:sld xmlns:a="http://schemas.openxmlformats.org/drawingml/2006/main" xmlns:r="http://schemas.openxmlformats.org/officeDocument/2006/relationships" xmlns:p="http://schemas.openxmlformats.org/presentationml/2006/main">
   <p:cSld>
     <p:spTree>
@@ -14813,270 +16525,13 @@
   <p:clrMapOvr>
     <a:masterClrMapping/>
   </p:clrMapOvr>
+  <p:transition spd="slow">
+    <p:wipe/>
+  </p:transition>
 </p:sld>
 </file>
 
-<file path=ppt/slides/slide2.xml><?xml version="1.0" encoding="utf-8"?>
-<p:sld xmlns:a="http://schemas.openxmlformats.org/drawingml/2006/main" xmlns:r="http://schemas.openxmlformats.org/officeDocument/2006/relationships" xmlns:p="http://schemas.openxmlformats.org/presentationml/2006/main">
-  <p:cSld>
-    <p:spTree>
-      <p:nvGrpSpPr>
-        <p:cNvPr id="1" name=""/>
-        <p:cNvGrpSpPr/>
-        <p:nvPr/>
-      </p:nvGrpSpPr>
-      <p:grpSpPr>
-        <a:xfrm>
-          <a:off x="0" y="0"/>
-          <a:ext cx="0" cy="0"/>
-          <a:chOff x="0" y="0"/>
-          <a:chExt cx="0" cy="0"/>
-        </a:xfrm>
-      </p:grpSpPr>
-      <p:sp>
-        <p:nvSpPr>
-          <p:cNvPr id="2" name="Espaço Reservado para Conteúdo 1"/>
-          <p:cNvSpPr>
-            <a:spLocks noGrp="1"/>
-          </p:cNvSpPr>
-          <p:nvPr>
-            <p:ph idx="1"/>
-          </p:nvPr>
-        </p:nvSpPr>
-        <p:spPr>
-          <a:xfrm>
-            <a:off x="609600" y="1481328"/>
-            <a:ext cx="10972800" cy="5188032"/>
-          </a:xfrm>
-        </p:spPr>
-        <p:txBody>
-          <a:bodyPr>
-            <a:normAutofit/>
-          </a:bodyPr>
-          <a:lstStyle/>
-          <a:p>
-            <a:r>
-              <a:rPr lang="pt-BR" dirty="0"/>
-              <a:t>Um </a:t>
-            </a:r>
-            <a:r>
-              <a:rPr lang="pt-BR" dirty="0">
-                <a:solidFill>
-                  <a:schemeClr val="accent1">
-                    <a:lumMod val="75000"/>
-                  </a:schemeClr>
-                </a:solidFill>
-              </a:rPr>
-              <a:t>jogo é interativo </a:t>
-            </a:r>
-            <a:r>
-              <a:rPr lang="pt-BR" dirty="0"/>
-              <a:t>por natureza</a:t>
-            </a:r>
-          </a:p>
-          <a:p>
-            <a:pPr lvl="1">
-              <a:spcAft>
-                <a:spcPts val="1200"/>
-              </a:spcAft>
-            </a:pPr>
-            <a:r>
-              <a:rPr lang="pt-BR" dirty="0"/>
-              <a:t>Sem interação ele seria apenas uma brincadeira, </a:t>
-            </a:r>
-            <a:br>
-              <a:rPr lang="pt-BR" dirty="0"/>
-            </a:br>
-            <a:r>
-              <a:rPr lang="pt-BR" dirty="0"/>
-              <a:t>uma estória ou filme</a:t>
-            </a:r>
-          </a:p>
-          <a:p>
-            <a:pPr>
-              <a:spcAft>
-                <a:spcPts val="1200"/>
-              </a:spcAft>
-            </a:pPr>
-            <a:r>
-              <a:rPr lang="pt-BR" dirty="0"/>
-              <a:t>Os </a:t>
-            </a:r>
-            <a:r>
-              <a:rPr lang="pt-BR" dirty="0">
-                <a:solidFill>
-                  <a:schemeClr val="accent1">
-                    <a:lumMod val="75000"/>
-                  </a:schemeClr>
-                </a:solidFill>
-              </a:rPr>
-              <a:t>controladores de jogo </a:t>
-            </a:r>
-            <a:r>
-              <a:rPr lang="pt-BR" dirty="0"/>
-              <a:t>variam de acordo com o tipo de jogo e a plataforma para a qual ele foi desenvolvido</a:t>
-            </a:r>
-          </a:p>
-          <a:p>
-            <a:pPr lvl="1">
-              <a:spcAft>
-                <a:spcPts val="600"/>
-              </a:spcAft>
-            </a:pPr>
-            <a:r>
-              <a:rPr lang="pt-BR" dirty="0"/>
-              <a:t>Os dispositivos mais comuns são:</a:t>
-            </a:r>
-          </a:p>
-          <a:p>
-            <a:pPr lvl="2"/>
-            <a:r>
-              <a:rPr lang="pt-BR" dirty="0"/>
-              <a:t>Teclado</a:t>
-            </a:r>
-          </a:p>
-          <a:p>
-            <a:pPr lvl="2"/>
-            <a:r>
-              <a:rPr lang="pt-BR" dirty="0"/>
-              <a:t>Mouse</a:t>
-            </a:r>
-          </a:p>
-          <a:p>
-            <a:pPr lvl="2"/>
-            <a:r>
-              <a:rPr lang="pt-BR" dirty="0"/>
-              <a:t>Controle</a:t>
-            </a:r>
-          </a:p>
-        </p:txBody>
-      </p:sp>
-      <p:sp>
-        <p:nvSpPr>
-          <p:cNvPr id="3" name="Título 2"/>
-          <p:cNvSpPr>
-            <a:spLocks noGrp="1"/>
-          </p:cNvSpPr>
-          <p:nvPr>
-            <p:ph type="title"/>
-          </p:nvPr>
-        </p:nvSpPr>
-        <p:spPr/>
-        <p:txBody>
-          <a:bodyPr/>
-          <a:lstStyle/>
-          <a:p>
-            <a:r>
-              <a:rPr lang="pt-BR" dirty="0"/>
-              <a:t>Introdução</a:t>
-            </a:r>
-          </a:p>
-        </p:txBody>
-      </p:sp>
-      <p:pic>
-        <p:nvPicPr>
-          <p:cNvPr id="7" name="Imagem 6"/>
-          <p:cNvPicPr>
-            <a:picLocks noChangeAspect="1"/>
-          </p:cNvPicPr>
-          <p:nvPr/>
-        </p:nvPicPr>
-        <p:blipFill>
-          <a:blip r:embed="rId3">
-            <a:extLst>
-              <a:ext uri="{28A0092B-C50C-407E-A947-70E740481C1C}">
-                <a14:useLocalDpi xmlns:a14="http://schemas.microsoft.com/office/drawing/2010/main" val="0"/>
-              </a:ext>
-            </a:extLst>
-          </a:blip>
-          <a:stretch>
-            <a:fillRect/>
-          </a:stretch>
-        </p:blipFill>
-        <p:spPr>
-          <a:xfrm>
-            <a:off x="8544272" y="4510501"/>
-            <a:ext cx="1494304" cy="1364927"/>
-          </a:xfrm>
-          <a:prstGeom prst="rect">
-            <a:avLst/>
-          </a:prstGeom>
-        </p:spPr>
-      </p:pic>
-      <p:pic>
-        <p:nvPicPr>
-          <p:cNvPr id="8" name="Imagem 7"/>
-          <p:cNvPicPr>
-            <a:picLocks noChangeAspect="1"/>
-          </p:cNvPicPr>
-          <p:nvPr/>
-        </p:nvPicPr>
-        <p:blipFill>
-          <a:blip r:embed="rId4">
-            <a:extLst>
-              <a:ext uri="{28A0092B-C50C-407E-A947-70E740481C1C}">
-                <a14:useLocalDpi xmlns:a14="http://schemas.microsoft.com/office/drawing/2010/main" val="0"/>
-              </a:ext>
-            </a:extLst>
-          </a:blip>
-          <a:stretch>
-            <a:fillRect/>
-          </a:stretch>
-        </p:blipFill>
-        <p:spPr>
-          <a:xfrm>
-            <a:off x="7248128" y="3861048"/>
-            <a:ext cx="3034866" cy="1364927"/>
-          </a:xfrm>
-          <a:prstGeom prst="rect">
-            <a:avLst/>
-          </a:prstGeom>
-        </p:spPr>
-      </p:pic>
-      <p:pic>
-        <p:nvPicPr>
-          <p:cNvPr id="12" name="Imagem 11"/>
-          <p:cNvPicPr>
-            <a:picLocks noChangeAspect="1"/>
-          </p:cNvPicPr>
-          <p:nvPr/>
-        </p:nvPicPr>
-        <p:blipFill>
-          <a:blip r:embed="rId5" cstate="print">
-            <a:extLst>
-              <a:ext uri="{28A0092B-C50C-407E-A947-70E740481C1C}">
-                <a14:useLocalDpi xmlns:a14="http://schemas.microsoft.com/office/drawing/2010/main" val="0"/>
-              </a:ext>
-            </a:extLst>
-          </a:blip>
-          <a:stretch>
-            <a:fillRect/>
-          </a:stretch>
-        </p:blipFill>
-        <p:spPr>
-          <a:xfrm>
-            <a:off x="6600056" y="4936346"/>
-            <a:ext cx="1199978" cy="1025500"/>
-          </a:xfrm>
-          <a:prstGeom prst="rect">
-            <a:avLst/>
-          </a:prstGeom>
-        </p:spPr>
-      </p:pic>
-    </p:spTree>
-    <p:extLst>
-      <p:ext uri="{BB962C8B-B14F-4D97-AF65-F5344CB8AC3E}">
-        <p14:creationId xmlns:p14="http://schemas.microsoft.com/office/powerpoint/2010/main" val="3474940130"/>
-      </p:ext>
-    </p:extLst>
-  </p:cSld>
-  <p:clrMapOvr>
-    <a:masterClrMapping/>
-  </p:clrMapOvr>
-</p:sld>
-</file>
-
-<file path=ppt/slides/slide20.xml><?xml version="1.0" encoding="utf-8"?>
+<file path=ppt/slides/slide21.xml><?xml version="1.0" encoding="utf-8"?>
 <p:sld xmlns:a="http://schemas.openxmlformats.org/drawingml/2006/main" xmlns:r="http://schemas.openxmlformats.org/officeDocument/2006/relationships" xmlns:p="http://schemas.openxmlformats.org/presentationml/2006/main">
   <p:cSld>
     <p:spTree>
@@ -16376,10 +17831,13 @@
   <p:clrMapOvr>
     <a:masterClrMapping/>
   </p:clrMapOvr>
+  <p:transition spd="slow">
+    <p:wipe/>
+  </p:transition>
 </p:sld>
 </file>
 
-<file path=ppt/slides/slide21.xml><?xml version="1.0" encoding="utf-8"?>
+<file path=ppt/slides/slide22.xml><?xml version="1.0" encoding="utf-8"?>
 <p:sld xmlns:a="http://schemas.openxmlformats.org/drawingml/2006/main" xmlns:r="http://schemas.openxmlformats.org/officeDocument/2006/relationships" xmlns:p="http://schemas.openxmlformats.org/presentationml/2006/main">
   <p:cSld>
     <p:spTree>
@@ -17149,10 +18607,13 @@
   <p:clrMapOvr>
     <a:masterClrMapping/>
   </p:clrMapOvr>
+  <p:transition spd="slow">
+    <p:wipe/>
+  </p:transition>
 </p:sld>
 </file>
 
-<file path=ppt/slides/slide22.xml><?xml version="1.0" encoding="utf-8"?>
+<file path=ppt/slides/slide23.xml><?xml version="1.0" encoding="utf-8"?>
 <p:sld xmlns:a="http://schemas.openxmlformats.org/drawingml/2006/main" xmlns:r="http://schemas.openxmlformats.org/officeDocument/2006/relationships" xmlns:p="http://schemas.openxmlformats.org/presentationml/2006/main">
   <p:cSld>
     <p:spTree>
@@ -18559,10 +20020,13 @@
   <p:clrMapOvr>
     <a:masterClrMapping/>
   </p:clrMapOvr>
+  <p:transition spd="slow">
+    <p:wipe/>
+  </p:transition>
 </p:sld>
 </file>
 
-<file path=ppt/slides/slide23.xml><?xml version="1.0" encoding="utf-8"?>
+<file path=ppt/slides/slide24.xml><?xml version="1.0" encoding="utf-8"?>
 <p:sld xmlns:a="http://schemas.openxmlformats.org/drawingml/2006/main" xmlns:r="http://schemas.openxmlformats.org/officeDocument/2006/relationships" xmlns:p="http://schemas.openxmlformats.org/presentationml/2006/main">
   <p:cSld>
     <p:spTree>
@@ -20390,10 +21854,13 @@
   <p:clrMapOvr>
     <a:masterClrMapping/>
   </p:clrMapOvr>
+  <p:transition spd="slow">
+    <p:wipe/>
+  </p:transition>
 </p:sld>
 </file>
 
-<file path=ppt/slides/slide24.xml><?xml version="1.0" encoding="utf-8"?>
+<file path=ppt/slides/slide25.xml><?xml version="1.0" encoding="utf-8"?>
 <p:sld xmlns:a="http://schemas.openxmlformats.org/drawingml/2006/main" xmlns:r="http://schemas.openxmlformats.org/officeDocument/2006/relationships" xmlns:p="http://schemas.openxmlformats.org/presentationml/2006/main">
   <p:cSld>
     <p:spTree>
@@ -21071,10 +22538,13 @@
   <p:clrMapOvr>
     <a:masterClrMapping/>
   </p:clrMapOvr>
+  <p:transition spd="slow">
+    <p:wipe/>
+  </p:transition>
 </p:sld>
 </file>
 
-<file path=ppt/slides/slide25.xml><?xml version="1.0" encoding="utf-8"?>
+<file path=ppt/slides/slide26.xml><?xml version="1.0" encoding="utf-8"?>
 <p:sld xmlns:a="http://schemas.openxmlformats.org/drawingml/2006/main" xmlns:r="http://schemas.openxmlformats.org/officeDocument/2006/relationships" xmlns:p="http://schemas.openxmlformats.org/presentationml/2006/main">
   <p:cSld>
     <p:spTree>
@@ -21177,7 +22647,7 @@
           <a:p>
             <a:r>
               <a:rPr lang="pt-BR" dirty="0"/>
-              <a:t>O jogo deve enumerar os dispositivos conectados</a:t>
+              <a:t>O jogo deve verificar os dispositivos conectados</a:t>
             </a:r>
           </a:p>
           <a:p>
@@ -21302,6 +22772,9 @@
   <p:clrMapOvr>
     <a:masterClrMapping/>
   </p:clrMapOvr>
+  <p:transition spd="slow">
+    <p:wipe/>
+  </p:transition>
 </p:sld>
 </file>
 
@@ -21356,7 +22829,7 @@
                   </a:schemeClr>
                 </a:solidFill>
               </a:rPr>
-              <a:t>Biblioteca do Windows</a:t>
+              <a:t>API do Windows</a:t>
             </a:r>
             <a:r>
               <a:rPr lang="pt-BR" dirty="0"/>
@@ -21437,7 +22910,7 @@
             </a:r>
             <a:r>
               <a:rPr lang="pt-BR" dirty="0"/>
-              <a:t>: trabalha com o controle do Xbox</a:t>
+              <a:t>: trabalha com a família de controles do Xbox</a:t>
             </a:r>
           </a:p>
         </p:txBody>
@@ -21971,6 +23444,9 @@
   <p:clrMapOvr>
     <a:masterClrMapping/>
   </p:clrMapOvr>
+  <p:transition spd="slow">
+    <p:wipe/>
+  </p:transition>
 </p:sld>
 </file>
 
@@ -22650,6 +24126,9 @@
   <p:clrMapOvr>
     <a:masterClrMapping/>
   </p:clrMapOvr>
+  <p:transition spd="slow">
+    <p:wipe/>
+  </p:transition>
 </p:sld>
 </file>
 
@@ -22823,6 +24302,9 @@
   <p:clrMapOvr>
     <a:masterClrMapping/>
   </p:clrMapOvr>
+  <p:transition spd="slow">
+    <p:wipe/>
+  </p:transition>
 </p:sld>
 </file>
 
@@ -22938,8 +24420,8 @@
         </p:nvGrpSpPr>
         <p:grpSpPr>
           <a:xfrm>
-            <a:off x="1377330" y="2705525"/>
-            <a:ext cx="2304258" cy="2942681"/>
+            <a:off x="1718301" y="3140968"/>
+            <a:ext cx="1963286" cy="2507238"/>
             <a:chOff x="1377330" y="2705525"/>
             <a:chExt cx="2304258" cy="2942681"/>
           </a:xfrm>
@@ -23032,8 +24514,8 @@
         </p:nvGrpSpPr>
         <p:grpSpPr>
           <a:xfrm>
-            <a:off x="4255593" y="2705525"/>
-            <a:ext cx="2304258" cy="2942681"/>
+            <a:off x="4439816" y="3140968"/>
+            <a:ext cx="1963286" cy="2507238"/>
             <a:chOff x="4223792" y="2705525"/>
             <a:chExt cx="2304258" cy="2942681"/>
           </a:xfrm>
@@ -23054,6 +24536,9 @@
                     <a14:imgLayer r:embed="rId5">
                       <a14:imgEffect>
                         <a14:sharpenSoften amount="50000"/>
+                      </a14:imgEffect>
+                      <a14:imgEffect>
+                        <a14:brightnessContrast bright="-20000"/>
                       </a14:imgEffect>
                     </a14:imgLayer>
                   </a14:imgProps>
@@ -23126,8 +24611,8 @@
         </p:nvGrpSpPr>
         <p:grpSpPr>
           <a:xfrm>
-            <a:off x="7133855" y="2705525"/>
-            <a:ext cx="2304257" cy="2942681"/>
+            <a:off x="7474827" y="3140968"/>
+            <a:ext cx="1963285" cy="2507238"/>
             <a:chOff x="7133855" y="2705525"/>
             <a:chExt cx="2304257" cy="2942681"/>
           </a:xfrm>
@@ -23148,6 +24633,9 @@
                     <a14:imgLayer r:embed="rId7">
                       <a14:imgEffect>
                         <a14:sharpenSoften amount="50000"/>
+                      </a14:imgEffect>
+                      <a14:imgEffect>
+                        <a14:brightnessContrast bright="-20000" contrast="-20000"/>
                       </a14:imgEffect>
                     </a14:imgLayer>
                   </a14:imgProps>
@@ -23216,6 +24704,9 @@
   <p:clrMapOvr>
     <a:masterClrMapping/>
   </p:clrMapOvr>
+  <p:transition spd="slow">
+    <p:wipe/>
+  </p:transition>
 </p:sld>
 </file>
 
@@ -23260,7 +24751,7 @@
           <a:p>
             <a:r>
               <a:rPr lang="pt-BR" dirty="0"/>
-              <a:t>Tipos de </a:t>
+              <a:t>Principais tipos de </a:t>
             </a:r>
             <a:r>
               <a:rPr lang="pt-BR" dirty="0">
@@ -23323,7 +24814,14 @@
               <a:rPr lang="pt-BR" dirty="0"/>
             </a:br>
             <a:r>
-              <a:rPr lang="pt-BR" dirty="0"/>
+              <a:rPr lang="pt-BR" dirty="0">
+                <a:solidFill>
+                  <a:schemeClr val="accent2">
+                    <a:lumMod val="60000"/>
+                    <a:lumOff val="40000"/>
+                  </a:schemeClr>
+                </a:solidFill>
+              </a:rPr>
               <a:t>char ou short</a:t>
             </a:r>
           </a:p>
@@ -23373,7 +24871,14 @@
               <a:rPr lang="pt-BR" dirty="0"/>
             </a:br>
             <a:r>
-              <a:rPr lang="pt-BR" dirty="0"/>
+              <a:rPr lang="pt-BR" dirty="0">
+                <a:solidFill>
+                  <a:schemeClr val="accent2">
+                    <a:lumMod val="60000"/>
+                    <a:lumOff val="40000"/>
+                  </a:schemeClr>
+                </a:solidFill>
+              </a:rPr>
               <a:t>booleano</a:t>
             </a:r>
           </a:p>
@@ -23640,6 +25145,9 @@
   <p:clrMapOvr>
     <a:masterClrMapping/>
   </p:clrMapOvr>
+  <p:transition spd="slow">
+    <p:wipe/>
+  </p:transition>
 </p:sld>
 </file>
 
@@ -23717,7 +25225,7 @@
             </a:pPr>
             <a:r>
               <a:rPr lang="pt-BR" dirty="0"/>
-              <a:t>Enumerar os dispositivos conectados</a:t>
+              <a:t>Verificar os dispositivos conectados</a:t>
             </a:r>
             <a:endParaRPr lang="pt-BR" dirty="0">
               <a:solidFill>
@@ -23850,8 +25358,8 @@
           </a:stretch>
         </p:blipFill>
         <p:spPr>
-          <a:xfrm>
-            <a:off x="8256240" y="2996952"/>
+          <a:xfrm rot="386952">
+            <a:off x="7777842" y="2470780"/>
             <a:ext cx="2280331" cy="1948769"/>
           </a:xfrm>
           <a:prstGeom prst="rect">
@@ -23859,6 +25367,48 @@
           </a:prstGeom>
         </p:spPr>
       </p:pic>
+      <p:sp>
+        <p:nvSpPr>
+          <p:cNvPr id="5" name="CaixaDeTexto 4">
+            <a:extLst>
+              <a:ext uri="{FF2B5EF4-FFF2-40B4-BE49-F238E27FC236}">
+                <a16:creationId xmlns:a16="http://schemas.microsoft.com/office/drawing/2014/main" id="{5402CE72-7016-47EA-9249-F5ADB2C90A12}"/>
+              </a:ext>
+            </a:extLst>
+          </p:cNvPr>
+          <p:cNvSpPr txBox="1"/>
+          <p:nvPr/>
+        </p:nvSpPr>
+        <p:spPr>
+          <a:xfrm>
+            <a:off x="8256240" y="4221088"/>
+            <a:ext cx="2474961" cy="1200329"/>
+          </a:xfrm>
+          <a:prstGeom prst="rect">
+            <a:avLst/>
+          </a:prstGeom>
+          <a:noFill/>
+        </p:spPr>
+        <p:txBody>
+          <a:bodyPr wrap="square" rtlCol="0">
+            <a:spAutoFit/>
+          </a:bodyPr>
+          <a:lstStyle/>
+          <a:p>
+            <a:pPr algn="ctr"/>
+            <a:r>
+              <a:rPr lang="pt-BR" dirty="0">
+                <a:solidFill>
+                  <a:schemeClr val="bg1">
+                    <a:lumMod val="75000"/>
+                  </a:schemeClr>
+                </a:solidFill>
+              </a:rPr>
+              <a:t>O estado do dispositivo é o valor de cada eixo e botão</a:t>
+            </a:r>
+          </a:p>
+        </p:txBody>
+      </p:sp>
     </p:spTree>
     <p:extLst>
       <p:ext uri="{BB962C8B-B14F-4D97-AF65-F5344CB8AC3E}">
@@ -23869,6 +25419,9 @@
   <p:clrMapOvr>
     <a:masterClrMapping/>
   </p:clrMapOvr>
+  <p:transition spd="slow">
+    <p:wipe/>
+  </p:transition>
 </p:sld>
 </file>
 
@@ -24396,6 +25949,9 @@
   <p:clrMapOvr>
     <a:masterClrMapping/>
   </p:clrMapOvr>
+  <p:transition spd="slow">
+    <p:wipe/>
+  </p:transition>
 </p:sld>
 </file>
 
